--- a/Python for data analysis.pptx
+++ b/Python for data analysis.pptx
@@ -7546,8 +7546,8 @@
         </p:nvSpPr>
         <p:spPr>
           <a:xfrm>
-            <a:off x="3879625" y="4657175"/>
-            <a:ext cx="5033700" cy="560400"/>
+            <a:off x="3825775" y="4676875"/>
+            <a:ext cx="5120400" cy="466500"/>
           </a:xfrm>
           <a:prstGeom prst="rect">
             <a:avLst/>
@@ -7563,7 +7563,7 @@
           </a:bodyPr>
           <a:lstStyle/>
           <a:p>
-            <a:pPr indent="0" lvl="0" marL="0" rtl="0" algn="l">
+            <a:pPr indent="0" lvl="0" marL="0" rtl="0" algn="r">
               <a:spcBef>
                 <a:spcPts val="0"/>
               </a:spcBef>
@@ -7573,19 +7573,19 @@
               <a:buNone/>
             </a:pPr>
             <a:r>
-              <a:rPr lang="fr">
-                <a:latin typeface="Open Sans"/>
-                <a:ea typeface="Open Sans"/>
-                <a:cs typeface="Open Sans"/>
-                <a:sym typeface="Open Sans"/>
+              <a:rPr lang="fr" sz="1900">
+                <a:latin typeface="Economica"/>
+                <a:ea typeface="Economica"/>
+                <a:cs typeface="Economica"/>
+                <a:sym typeface="Economica"/>
               </a:rPr>
-              <a:t>2020 - ESILV A5          		Antoine THIOL - Klarissa TU</a:t>
+              <a:t>2020 - ESILV A5          			Antoine THIOL - Klarissa TU</a:t>
             </a:r>
-            <a:endParaRPr>
-              <a:latin typeface="Open Sans"/>
-              <a:ea typeface="Open Sans"/>
-              <a:cs typeface="Open Sans"/>
-              <a:sym typeface="Open Sans"/>
+            <a:endParaRPr sz="1900">
+              <a:latin typeface="Economica"/>
+              <a:ea typeface="Economica"/>
+              <a:cs typeface="Economica"/>
+              <a:sym typeface="Economica"/>
             </a:endParaRPr>
           </a:p>
         </p:txBody>
@@ -8624,7 +8624,7 @@
         <p:spPr>
           <a:xfrm>
             <a:off x="5711575" y="1300650"/>
-            <a:ext cx="3162900" cy="2986200"/>
+            <a:ext cx="3162900" cy="2955300"/>
           </a:xfrm>
           <a:prstGeom prst="rect">
             <a:avLst/>
@@ -8650,19 +8650,19 @@
               <a:buNone/>
             </a:pPr>
             <a:r>
-              <a:rPr lang="fr">
-                <a:latin typeface="Open Sans"/>
-                <a:ea typeface="Open Sans"/>
-                <a:cs typeface="Open Sans"/>
-                <a:sym typeface="Open Sans"/>
+              <a:rPr lang="fr" sz="1800">
+                <a:latin typeface="Economica"/>
+                <a:ea typeface="Economica"/>
+                <a:cs typeface="Economica"/>
+                <a:sym typeface="Economica"/>
               </a:rPr>
               <a:t>The comparison of accuracies shows that the best model was the Random Forest with the parameters determined by the GridSearch with 0.9 ! </a:t>
             </a:r>
-            <a:endParaRPr>
-              <a:latin typeface="Open Sans"/>
-              <a:ea typeface="Open Sans"/>
-              <a:cs typeface="Open Sans"/>
-              <a:sym typeface="Open Sans"/>
+            <a:endParaRPr sz="1800">
+              <a:latin typeface="Economica"/>
+              <a:ea typeface="Economica"/>
+              <a:cs typeface="Economica"/>
+              <a:sym typeface="Economica"/>
             </a:endParaRPr>
           </a:p>
           <a:p>
@@ -8678,11 +8678,11 @@
             <a:r>
               <a:t/>
             </a:r>
-            <a:endParaRPr>
-              <a:latin typeface="Open Sans"/>
-              <a:ea typeface="Open Sans"/>
-              <a:cs typeface="Open Sans"/>
-              <a:sym typeface="Open Sans"/>
+            <a:endParaRPr sz="1800">
+              <a:latin typeface="Economica"/>
+              <a:ea typeface="Economica"/>
+              <a:cs typeface="Economica"/>
+              <a:sym typeface="Economica"/>
             </a:endParaRPr>
           </a:p>
           <a:p>
@@ -8696,19 +8696,19 @@
               <a:buNone/>
             </a:pPr>
             <a:r>
-              <a:rPr lang="fr">
-                <a:latin typeface="Open Sans"/>
-                <a:ea typeface="Open Sans"/>
-                <a:cs typeface="Open Sans"/>
-                <a:sym typeface="Open Sans"/>
+              <a:rPr lang="fr" sz="1800">
+                <a:latin typeface="Economica"/>
+                <a:ea typeface="Economica"/>
+                <a:cs typeface="Economica"/>
+                <a:sym typeface="Economica"/>
               </a:rPr>
               <a:t>The Multi-layer Percepton’s accuracy was very good too, but as we have a majority of non-buying visitors in our dataset, the model tend to predict this behaviour so we cannot say that it was the best fit. </a:t>
             </a:r>
-            <a:endParaRPr>
-              <a:latin typeface="Open Sans"/>
-              <a:ea typeface="Open Sans"/>
-              <a:cs typeface="Open Sans"/>
-              <a:sym typeface="Open Sans"/>
+            <a:endParaRPr sz="1800">
+              <a:latin typeface="Economica"/>
+              <a:ea typeface="Economica"/>
+              <a:cs typeface="Economica"/>
+              <a:sym typeface="Economica"/>
             </a:endParaRPr>
           </a:p>
         </p:txBody>
@@ -8811,10 +8811,20 @@
               <a:buNone/>
             </a:pPr>
             <a:r>
-              <a:rPr lang="fr"/>
+              <a:rPr lang="fr" sz="2300">
+                <a:latin typeface="Economica"/>
+                <a:ea typeface="Economica"/>
+                <a:cs typeface="Economica"/>
+                <a:sym typeface="Economica"/>
+              </a:rPr>
               <a:t>The following analyzes were made on a shoppers purchasing intention dataset.</a:t>
             </a:r>
-            <a:endParaRPr/>
+            <a:endParaRPr sz="2300">
+              <a:latin typeface="Economica"/>
+              <a:ea typeface="Economica"/>
+              <a:cs typeface="Economica"/>
+              <a:sym typeface="Economica"/>
+            </a:endParaRPr>
           </a:p>
           <a:p>
             <a:pPr indent="0" lvl="0" marL="0" rtl="0" algn="l">
@@ -8827,10 +8837,20 @@
               <a:buNone/>
             </a:pPr>
             <a:r>
-              <a:rPr lang="fr"/>
+              <a:rPr lang="fr" sz="2300">
+                <a:latin typeface="Economica"/>
+                <a:ea typeface="Economica"/>
+                <a:cs typeface="Economica"/>
+                <a:sym typeface="Economica"/>
+              </a:rPr>
               <a:t>It is a project for the “Python for data analysis” course at ESILV for the academic year 2020-2021.</a:t>
             </a:r>
-            <a:endParaRPr/>
+            <a:endParaRPr sz="2300">
+              <a:latin typeface="Economica"/>
+              <a:ea typeface="Economica"/>
+              <a:cs typeface="Economica"/>
+              <a:sym typeface="Economica"/>
+            </a:endParaRPr>
           </a:p>
           <a:p>
             <a:pPr indent="0" lvl="0" marL="0" rtl="0" algn="l">
@@ -8843,10 +8863,20 @@
               <a:buNone/>
             </a:pPr>
             <a:r>
-              <a:rPr lang="fr"/>
+              <a:rPr lang="fr" sz="2300">
+                <a:latin typeface="Economica"/>
+                <a:ea typeface="Economica"/>
+                <a:cs typeface="Economica"/>
+                <a:sym typeface="Economica"/>
+              </a:rPr>
               <a:t>The goal was to provide visualisations, analyzes, predictions with machine learning, and to export a model that will be used on a Django app with REST API.</a:t>
             </a:r>
-            <a:endParaRPr/>
+            <a:endParaRPr sz="2300">
+              <a:latin typeface="Economica"/>
+              <a:ea typeface="Economica"/>
+              <a:cs typeface="Economica"/>
+              <a:sym typeface="Economica"/>
+            </a:endParaRPr>
           </a:p>
         </p:txBody>
       </p:sp>
@@ -8948,25 +8978,37 @@
               <a:buNone/>
             </a:pPr>
             <a:r>
-              <a:rPr lang="fr" sz="1600">
+              <a:rPr lang="fr" sz="2000">
                 <a:solidFill>
                   <a:srgbClr val="000000"/>
                 </a:solidFill>
+                <a:latin typeface="Economica"/>
+                <a:ea typeface="Economica"/>
+                <a:cs typeface="Economica"/>
+                <a:sym typeface="Economica"/>
               </a:rPr>
               <a:t>The dataset </a:t>
             </a:r>
             <a:r>
-              <a:rPr lang="fr" sz="1600">
+              <a:rPr lang="fr" sz="2000">
                 <a:solidFill>
                   <a:srgbClr val="000000"/>
                 </a:solidFill>
+                <a:latin typeface="Economica"/>
+                <a:ea typeface="Economica"/>
+                <a:cs typeface="Economica"/>
+                <a:sym typeface="Economica"/>
               </a:rPr>
               <a:t>consists of feature vectors belonging to 12,330 sessions, and for each one, whether or not it ended with shopping.</a:t>
             </a:r>
-            <a:endParaRPr sz="1600">
+            <a:endParaRPr sz="2000">
               <a:solidFill>
                 <a:srgbClr val="000000"/>
               </a:solidFill>
+              <a:latin typeface="Economica"/>
+              <a:ea typeface="Economica"/>
+              <a:cs typeface="Economica"/>
+              <a:sym typeface="Economica"/>
             </a:endParaRPr>
           </a:p>
           <a:p>
@@ -8980,17 +9022,25 @@
               <a:buNone/>
             </a:pPr>
             <a:r>
-              <a:rPr lang="fr" sz="1600">
+              <a:rPr lang="fr" sz="2000">
                 <a:solidFill>
                   <a:srgbClr val="000000"/>
                 </a:solidFill>
+                <a:latin typeface="Economica"/>
+                <a:ea typeface="Economica"/>
+                <a:cs typeface="Economica"/>
+                <a:sym typeface="Economica"/>
               </a:rPr>
               <a:t>It represents data of different users visiting a website.</a:t>
             </a:r>
-            <a:endParaRPr sz="1600">
+            <a:endParaRPr sz="2000">
               <a:solidFill>
                 <a:srgbClr val="000000"/>
               </a:solidFill>
+              <a:latin typeface="Economica"/>
+              <a:ea typeface="Economica"/>
+              <a:cs typeface="Economica"/>
+              <a:sym typeface="Economica"/>
             </a:endParaRPr>
           </a:p>
           <a:p>
@@ -9004,10 +9054,20 @@
               <a:buNone/>
             </a:pPr>
             <a:r>
-              <a:rPr lang="fr" sz="1600"/>
+              <a:rPr lang="fr" sz="2000">
+                <a:latin typeface="Economica"/>
+                <a:ea typeface="Economica"/>
+                <a:cs typeface="Economica"/>
+                <a:sym typeface="Economica"/>
+              </a:rPr>
               <a:t>The dataset consists of 10 numerical and </a:t>
             </a:r>
-            <a:endParaRPr sz="1600"/>
+            <a:endParaRPr sz="2000">
+              <a:latin typeface="Economica"/>
+              <a:ea typeface="Economica"/>
+              <a:cs typeface="Economica"/>
+              <a:sym typeface="Economica"/>
+            </a:endParaRPr>
           </a:p>
           <a:p>
             <a:pPr indent="0" lvl="0" marL="0" rtl="0" algn="l">
@@ -9020,13 +9080,22 @@
               <a:buNone/>
             </a:pPr>
             <a:r>
-              <a:rPr lang="fr" sz="1600"/>
+              <a:rPr lang="fr" sz="2000">
+                <a:latin typeface="Economica"/>
+                <a:ea typeface="Economica"/>
+                <a:cs typeface="Economica"/>
+                <a:sym typeface="Economica"/>
+              </a:rPr>
               <a:t>8 categorical attributes.</a:t>
             </a:r>
-            <a:endParaRPr sz="1600">
+            <a:endParaRPr sz="2000">
               <a:solidFill>
                 <a:srgbClr val="000000"/>
               </a:solidFill>
+              <a:latin typeface="Economica"/>
+              <a:ea typeface="Economica"/>
+              <a:cs typeface="Economica"/>
+              <a:sym typeface="Economica"/>
             </a:endParaRPr>
           </a:p>
           <a:p>
@@ -9043,17 +9112,25 @@
               <a:buNone/>
             </a:pPr>
             <a:r>
-              <a:rPr lang="fr" sz="1600">
+              <a:rPr lang="fr" sz="2000">
                 <a:solidFill>
                   <a:srgbClr val="000000"/>
                 </a:solidFill>
+                <a:latin typeface="Economica"/>
+                <a:ea typeface="Economica"/>
+                <a:cs typeface="Economica"/>
+                <a:sym typeface="Economica"/>
               </a:rPr>
               <a:t>The 'Revenue' attribute is a feature indicating if </a:t>
             </a:r>
-            <a:endParaRPr sz="1600">
+            <a:endParaRPr sz="2000">
               <a:solidFill>
                 <a:srgbClr val="000000"/>
               </a:solidFill>
+              <a:latin typeface="Economica"/>
+              <a:ea typeface="Economica"/>
+              <a:cs typeface="Economica"/>
+              <a:sym typeface="Economica"/>
             </a:endParaRPr>
           </a:p>
           <a:p>
@@ -9070,10 +9147,14 @@
               <a:buNone/>
             </a:pPr>
             <a:r>
-              <a:rPr lang="fr" sz="1600">
+              <a:rPr lang="fr" sz="2000">
                 <a:solidFill>
                   <a:srgbClr val="000000"/>
                 </a:solidFill>
+                <a:latin typeface="Economica"/>
+                <a:ea typeface="Economica"/>
+                <a:cs typeface="Economica"/>
+                <a:sym typeface="Economica"/>
               </a:rPr>
               <a:t>the session ended with shopping or not.</a:t>
             </a:r>
@@ -9081,31 +9162,16 @@
               <a:solidFill>
                 <a:srgbClr val="000000"/>
               </a:solidFill>
+              <a:latin typeface="Economica"/>
+              <a:ea typeface="Economica"/>
+              <a:cs typeface="Economica"/>
+              <a:sym typeface="Economica"/>
             </a:endParaRPr>
           </a:p>
           <a:p>
             <a:pPr indent="0" lvl="0" marL="0" rtl="0" algn="l">
               <a:spcBef>
                 <a:spcPts val="0"/>
-              </a:spcBef>
-              <a:spcAft>
-                <a:spcPts val="0"/>
-              </a:spcAft>
-              <a:buNone/>
-            </a:pPr>
-            <a:r>
-              <a:t/>
-            </a:r>
-            <a:endParaRPr sz="1600">
-              <a:solidFill>
-                <a:srgbClr val="000000"/>
-              </a:solidFill>
-            </a:endParaRPr>
-          </a:p>
-          <a:p>
-            <a:pPr indent="0" lvl="0" marL="0" rtl="0" algn="l">
-              <a:spcBef>
-                <a:spcPts val="1600"/>
               </a:spcBef>
               <a:spcAft>
                 <a:spcPts val="0"/>
@@ -9119,6 +9185,10 @@
               <a:solidFill>
                 <a:srgbClr val="000000"/>
               </a:solidFill>
+              <a:latin typeface="Economica"/>
+              <a:ea typeface="Economica"/>
+              <a:cs typeface="Economica"/>
+              <a:sym typeface="Economica"/>
             </a:endParaRPr>
           </a:p>
           <a:p>
@@ -9136,6 +9206,10 @@
                 <a:solidFill>
                   <a:srgbClr val="000000"/>
                 </a:solidFill>
+                <a:latin typeface="Economica"/>
+                <a:ea typeface="Economica"/>
+                <a:cs typeface="Economica"/>
+                <a:sym typeface="Economica"/>
               </a:rPr>
               <a:t>https://archive.ics.uci.edu/ml/datasets/Online+Shoppers+Purchasing+Intention+Dataset</a:t>
             </a:r>
@@ -9143,6 +9217,10 @@
               <a:solidFill>
                 <a:srgbClr val="000000"/>
               </a:solidFill>
+              <a:latin typeface="Economica"/>
+              <a:ea typeface="Economica"/>
+              <a:cs typeface="Economica"/>
+              <a:sym typeface="Economica"/>
             </a:endParaRPr>
           </a:p>
           <a:p>
@@ -9162,6 +9240,10 @@
               <a:solidFill>
                 <a:srgbClr val="000000"/>
               </a:solidFill>
+              <a:latin typeface="Economica"/>
+              <a:ea typeface="Economica"/>
+              <a:cs typeface="Economica"/>
+              <a:sym typeface="Economica"/>
             </a:endParaRPr>
           </a:p>
           <a:p>
@@ -9181,6 +9263,10 @@
               <a:solidFill>
                 <a:srgbClr val="000000"/>
               </a:solidFill>
+              <a:latin typeface="Economica"/>
+              <a:ea typeface="Economica"/>
+              <a:cs typeface="Economica"/>
+              <a:sym typeface="Economica"/>
             </a:endParaRPr>
           </a:p>
         </p:txBody>
@@ -9311,18 +9397,38 @@
               <a:buNone/>
             </a:pPr>
             <a:r>
-              <a:rPr lang="fr"/>
+              <a:rPr lang="fr" sz="2000">
+                <a:latin typeface="Economica"/>
+                <a:ea typeface="Economica"/>
+                <a:cs typeface="Economica"/>
+                <a:sym typeface="Economica"/>
+              </a:rPr>
               <a:t>The prediction of an online shopper intention can be useful to every company or merchant that owns </a:t>
             </a:r>
             <a:r>
-              <a:rPr lang="fr"/>
+              <a:rPr lang="fr" sz="2000">
+                <a:latin typeface="Economica"/>
+                <a:ea typeface="Economica"/>
+                <a:cs typeface="Economica"/>
+                <a:sym typeface="Economica"/>
+              </a:rPr>
               <a:t>a</a:t>
             </a:r>
             <a:r>
-              <a:rPr lang="fr"/>
+              <a:rPr lang="fr" sz="2000">
+                <a:latin typeface="Economica"/>
+                <a:ea typeface="Economica"/>
+                <a:cs typeface="Economica"/>
+                <a:sym typeface="Economica"/>
+              </a:rPr>
               <a:t> website. </a:t>
             </a:r>
-            <a:endParaRPr/>
+            <a:endParaRPr sz="2000">
+              <a:latin typeface="Economica"/>
+              <a:ea typeface="Economica"/>
+              <a:cs typeface="Economica"/>
+              <a:sym typeface="Economica"/>
+            </a:endParaRPr>
           </a:p>
           <a:p>
             <a:pPr indent="0" lvl="0" marL="0" rtl="0" algn="l">
@@ -9335,14 +9441,29 @@
               <a:buNone/>
             </a:pPr>
             <a:r>
-              <a:rPr lang="fr"/>
+              <a:rPr lang="fr" sz="2000">
+                <a:latin typeface="Economica"/>
+                <a:ea typeface="Economica"/>
+                <a:cs typeface="Economica"/>
+                <a:sym typeface="Economica"/>
+              </a:rPr>
               <a:t>Indeed, the study of specific attributes like the date, the browser or the time spent on a</a:t>
             </a:r>
             <a:r>
-              <a:rPr lang="fr"/>
+              <a:rPr lang="fr" sz="2000">
+                <a:latin typeface="Economica"/>
+                <a:ea typeface="Economica"/>
+                <a:cs typeface="Economica"/>
+                <a:sym typeface="Economica"/>
+              </a:rPr>
               <a:t> particular page can determine a buyer’s profile and preferences. It can also give clues about what a potential shopper likes or dislikes, in order to optimize the website and make more sales.</a:t>
             </a:r>
-            <a:endParaRPr/>
+            <a:endParaRPr sz="2000">
+              <a:latin typeface="Economica"/>
+              <a:ea typeface="Economica"/>
+              <a:cs typeface="Economica"/>
+              <a:sym typeface="Economica"/>
+            </a:endParaRPr>
           </a:p>
         </p:txBody>
       </p:sp>
@@ -9477,18 +9598,38 @@
               <a:buNone/>
             </a:pPr>
             <a:r>
-              <a:rPr lang="fr"/>
+              <a:rPr lang="fr" sz="2000">
+                <a:latin typeface="Economica"/>
+                <a:ea typeface="Economica"/>
+                <a:cs typeface="Economica"/>
+                <a:sym typeface="Economica"/>
+              </a:rPr>
               <a:t>Our goal is to predict if </a:t>
             </a:r>
             <a:r>
-              <a:rPr lang="fr"/>
+              <a:rPr lang="fr" sz="2000">
+                <a:latin typeface="Economica"/>
+                <a:ea typeface="Economica"/>
+                <a:cs typeface="Economica"/>
+                <a:sym typeface="Economica"/>
+              </a:rPr>
               <a:t>a</a:t>
             </a:r>
             <a:r>
-              <a:rPr lang="fr"/>
+              <a:rPr lang="fr" sz="2000">
+                <a:latin typeface="Economica"/>
+                <a:ea typeface="Economica"/>
+                <a:cs typeface="Economica"/>
+                <a:sym typeface="Economica"/>
+              </a:rPr>
               <a:t> visitor is going to buy on the website according to his session’s data.</a:t>
             </a:r>
-            <a:endParaRPr/>
+            <a:endParaRPr sz="2000">
+              <a:latin typeface="Economica"/>
+              <a:ea typeface="Economica"/>
+              <a:cs typeface="Economica"/>
+              <a:sym typeface="Economica"/>
+            </a:endParaRPr>
           </a:p>
           <a:p>
             <a:pPr indent="0" lvl="0" marL="0" rtl="0" algn="l">
@@ -9501,26 +9642,56 @@
               <a:buNone/>
             </a:pPr>
             <a:r>
-              <a:rPr lang="fr"/>
+              <a:rPr lang="fr" sz="2000">
+                <a:latin typeface="Economica"/>
+                <a:ea typeface="Economica"/>
+                <a:cs typeface="Economica"/>
+                <a:sym typeface="Economica"/>
+              </a:rPr>
               <a:t>This is </a:t>
             </a:r>
             <a:r>
-              <a:rPr lang="fr"/>
+              <a:rPr lang="fr" sz="2000">
+                <a:latin typeface="Economica"/>
+                <a:ea typeface="Economica"/>
+                <a:cs typeface="Economica"/>
+                <a:sym typeface="Economica"/>
+              </a:rPr>
               <a:t>a</a:t>
             </a:r>
             <a:r>
-              <a:rPr lang="fr"/>
+              <a:rPr lang="fr" sz="2000">
+                <a:latin typeface="Economica"/>
+                <a:ea typeface="Economica"/>
+                <a:cs typeface="Economica"/>
+                <a:sym typeface="Economica"/>
+              </a:rPr>
               <a:t> </a:t>
             </a:r>
             <a:r>
-              <a:rPr b="1" lang="fr"/>
+              <a:rPr b="1" lang="fr" sz="2000">
+                <a:latin typeface="Economica"/>
+                <a:ea typeface="Economica"/>
+                <a:cs typeface="Economica"/>
+                <a:sym typeface="Economica"/>
+              </a:rPr>
               <a:t>classification problem</a:t>
             </a:r>
             <a:r>
-              <a:rPr lang="fr"/>
+              <a:rPr lang="fr" sz="2000">
+                <a:latin typeface="Economica"/>
+                <a:ea typeface="Economica"/>
+                <a:cs typeface="Economica"/>
+                <a:sym typeface="Economica"/>
+              </a:rPr>
               <a:t>.</a:t>
             </a:r>
-            <a:endParaRPr/>
+            <a:endParaRPr sz="2000">
+              <a:latin typeface="Economica"/>
+              <a:ea typeface="Economica"/>
+              <a:cs typeface="Economica"/>
+              <a:sym typeface="Economica"/>
+            </a:endParaRPr>
           </a:p>
           <a:p>
             <a:pPr indent="0" lvl="0" marL="0" rtl="0" algn="l">
@@ -9533,10 +9704,20 @@
               <a:buNone/>
             </a:pPr>
             <a:r>
-              <a:rPr lang="fr"/>
+              <a:rPr lang="fr" sz="2000">
+                <a:latin typeface="Economica"/>
+                <a:ea typeface="Economica"/>
+                <a:cs typeface="Economica"/>
+                <a:sym typeface="Economica"/>
+              </a:rPr>
               <a:t>In order to resolve this problem, we will first do some features engineering on the dataset. </a:t>
             </a:r>
-            <a:endParaRPr/>
+            <a:endParaRPr sz="2000">
+              <a:latin typeface="Economica"/>
+              <a:ea typeface="Economica"/>
+              <a:cs typeface="Economica"/>
+              <a:sym typeface="Economica"/>
+            </a:endParaRPr>
           </a:p>
           <a:p>
             <a:pPr indent="0" lvl="0" marL="0" rtl="0" algn="l">
@@ -9549,61 +9730,104 @@
               <a:buNone/>
             </a:pPr>
             <a:r>
-              <a:rPr lang="fr"/>
+              <a:rPr lang="fr" sz="2000">
+                <a:latin typeface="Economica"/>
+                <a:ea typeface="Economica"/>
+                <a:cs typeface="Economica"/>
+                <a:sym typeface="Economica"/>
+              </a:rPr>
               <a:t>Then, we will apply 3 differents models made for classification problems :</a:t>
             </a:r>
-            <a:endParaRPr/>
+            <a:endParaRPr sz="2000">
+              <a:latin typeface="Economica"/>
+              <a:ea typeface="Economica"/>
+              <a:cs typeface="Economica"/>
+              <a:sym typeface="Economica"/>
+            </a:endParaRPr>
           </a:p>
           <a:p>
-            <a:pPr indent="-342900" lvl="0" marL="457200" rtl="0" algn="l">
+            <a:pPr indent="-355600" lvl="0" marL="457200" rtl="0" algn="l">
               <a:spcBef>
                 <a:spcPts val="1600"/>
               </a:spcBef>
               <a:spcAft>
                 <a:spcPts val="0"/>
               </a:spcAft>
-              <a:buSzPts val="1800"/>
+              <a:buSzPts val="2000"/>
+              <a:buFont typeface="Economica"/>
               <a:buChar char="●"/>
             </a:pPr>
             <a:r>
-              <a:rPr lang="fr"/>
+              <a:rPr lang="fr" sz="2000">
+                <a:latin typeface="Economica"/>
+                <a:ea typeface="Economica"/>
+                <a:cs typeface="Economica"/>
+                <a:sym typeface="Economica"/>
+              </a:rPr>
               <a:t>Decision Tree</a:t>
             </a:r>
-            <a:endParaRPr/>
+            <a:endParaRPr sz="2000">
+              <a:latin typeface="Economica"/>
+              <a:ea typeface="Economica"/>
+              <a:cs typeface="Economica"/>
+              <a:sym typeface="Economica"/>
+            </a:endParaRPr>
           </a:p>
           <a:p>
-            <a:pPr indent="-342900" lvl="0" marL="457200" rtl="0" algn="l">
-              <a:spcBef>
-                <a:spcPts val="0"/>
-              </a:spcBef>
-              <a:spcAft>
-                <a:spcPts val="0"/>
-              </a:spcAft>
-              <a:buSzPts val="1800"/>
+            <a:pPr indent="-355600" lvl="0" marL="457200" rtl="0" algn="l">
+              <a:spcBef>
+                <a:spcPts val="0"/>
+              </a:spcBef>
+              <a:spcAft>
+                <a:spcPts val="0"/>
+              </a:spcAft>
+              <a:buSzPts val="2000"/>
+              <a:buFont typeface="Economica"/>
               <a:buChar char="●"/>
             </a:pPr>
             <a:r>
-              <a:rPr lang="fr"/>
+              <a:rPr lang="fr" sz="2000">
+                <a:latin typeface="Economica"/>
+                <a:ea typeface="Economica"/>
+                <a:cs typeface="Economica"/>
+                <a:sym typeface="Economica"/>
+              </a:rPr>
               <a:t>Multi-Layer Perceptron</a:t>
             </a:r>
-            <a:endParaRPr/>
+            <a:endParaRPr sz="2000">
+              <a:latin typeface="Economica"/>
+              <a:ea typeface="Economica"/>
+              <a:cs typeface="Economica"/>
+              <a:sym typeface="Economica"/>
+            </a:endParaRPr>
           </a:p>
           <a:p>
-            <a:pPr indent="-342900" lvl="0" marL="457200" rtl="0" algn="l">
-              <a:spcBef>
-                <a:spcPts val="0"/>
-              </a:spcBef>
-              <a:spcAft>
-                <a:spcPts val="0"/>
-              </a:spcAft>
-              <a:buSzPts val="1800"/>
+            <a:pPr indent="-355600" lvl="0" marL="457200" rtl="0" algn="l">
+              <a:spcBef>
+                <a:spcPts val="0"/>
+              </a:spcBef>
+              <a:spcAft>
+                <a:spcPts val="0"/>
+              </a:spcAft>
+              <a:buSzPts val="2000"/>
+              <a:buFont typeface="Economica"/>
               <a:buChar char="●"/>
             </a:pPr>
             <a:r>
-              <a:rPr lang="fr"/>
+              <a:rPr lang="fr" sz="2000">
+                <a:latin typeface="Economica"/>
+                <a:ea typeface="Economica"/>
+                <a:cs typeface="Economica"/>
+                <a:sym typeface="Economica"/>
+              </a:rPr>
               <a:t>Random Forest Classifier </a:t>
             </a:r>
-            <a:endParaRPr/>
+            <a:endParaRPr sz="2000">
+              <a:latin typeface="Economica"/>
+              <a:ea typeface="Economica"/>
+              <a:cs typeface="Economica"/>
+              <a:sym typeface="Economica"/>
+            </a:endParaRPr>
           </a:p>
           <a:p>
             <a:pPr indent="0" lvl="0" marL="0" rtl="0" algn="l">
@@ -9616,10 +9840,20 @@
               <a:buNone/>
             </a:pPr>
             <a:r>
-              <a:rPr lang="fr"/>
+              <a:rPr lang="fr" sz="2000">
+                <a:latin typeface="Economica"/>
+                <a:ea typeface="Economica"/>
+                <a:cs typeface="Economica"/>
+                <a:sym typeface="Economica"/>
+              </a:rPr>
               <a:t>We will see which one is more effective on our dataset.</a:t>
             </a:r>
-            <a:endParaRPr/>
+            <a:endParaRPr sz="2000">
+              <a:latin typeface="Economica"/>
+              <a:ea typeface="Economica"/>
+              <a:cs typeface="Economica"/>
+              <a:sym typeface="Economica"/>
+            </a:endParaRPr>
           </a:p>
         </p:txBody>
       </p:sp>
@@ -9721,10 +9955,20 @@
               <a:buNone/>
             </a:pPr>
             <a:r>
-              <a:rPr lang="fr"/>
+              <a:rPr lang="fr" sz="2000">
+                <a:latin typeface="Economica"/>
+                <a:ea typeface="Economica"/>
+                <a:cs typeface="Economica"/>
+                <a:sym typeface="Economica"/>
+              </a:rPr>
               <a:t>Here are some diagrams made in order to evaluate our dataset. </a:t>
             </a:r>
-            <a:endParaRPr/>
+            <a:endParaRPr sz="2000">
+              <a:latin typeface="Economica"/>
+              <a:ea typeface="Economica"/>
+              <a:cs typeface="Economica"/>
+              <a:sym typeface="Economica"/>
+            </a:endParaRPr>
           </a:p>
           <a:p>
             <a:pPr indent="0" lvl="0" marL="0" rtl="0" algn="l">
@@ -9737,10 +9981,20 @@
               <a:buNone/>
             </a:pPr>
             <a:r>
-              <a:rPr lang="fr"/>
+              <a:rPr lang="fr" sz="2000">
+                <a:latin typeface="Economica"/>
+                <a:ea typeface="Economica"/>
+                <a:cs typeface="Economica"/>
+                <a:sym typeface="Economica"/>
+              </a:rPr>
               <a:t>We can see that the majority of visitors (85.6%)  have already been on the website before. </a:t>
             </a:r>
-            <a:endParaRPr/>
+            <a:endParaRPr sz="2000">
+              <a:latin typeface="Economica"/>
+              <a:ea typeface="Economica"/>
+              <a:cs typeface="Economica"/>
+              <a:sym typeface="Economica"/>
+            </a:endParaRPr>
           </a:p>
           <a:p>
             <a:pPr indent="0" lvl="0" marL="0" rtl="0" algn="l">
@@ -9755,7 +10009,12 @@
             <a:r>
               <a:t/>
             </a:r>
-            <a:endParaRPr/>
+            <a:endParaRPr sz="2000">
+              <a:latin typeface="Economica"/>
+              <a:ea typeface="Economica"/>
+              <a:cs typeface="Economica"/>
+              <a:sym typeface="Economica"/>
+            </a:endParaRPr>
           </a:p>
         </p:txBody>
       </p:sp>
@@ -9822,7 +10081,7 @@
         </p:nvSpPr>
         <p:spPr>
           <a:xfrm>
-            <a:off x="319500" y="3915200"/>
+            <a:off x="319500" y="4013725"/>
             <a:ext cx="8213700" cy="1228200"/>
           </a:xfrm>
           <a:prstGeom prst="rect">
@@ -9845,10 +10104,20 @@
               <a:buNone/>
             </a:pPr>
             <a:r>
-              <a:rPr lang="fr"/>
+              <a:rPr lang="fr">
+                <a:latin typeface="Economica"/>
+                <a:ea typeface="Economica"/>
+                <a:cs typeface="Economica"/>
+                <a:sym typeface="Economica"/>
+              </a:rPr>
               <a:t>This visualization is very interesting because we can see that the number of visitor is the highest on May, however, the visitors that purchase are more numerous on November.</a:t>
             </a:r>
-            <a:endParaRPr/>
+            <a:endParaRPr>
+              <a:latin typeface="Economica"/>
+              <a:ea typeface="Economica"/>
+              <a:cs typeface="Economica"/>
+              <a:sym typeface="Economica"/>
+            </a:endParaRPr>
           </a:p>
         </p:txBody>
       </p:sp>

--- a/Python for data analysis.pptx
+++ b/Python for data analysis.pptx
@@ -1,54 +1,54 @@
 
 <file path=ppt/presentation.xml><?xml version="1.0" encoding="utf-8"?>
-<p:presentation xmlns:a="http://schemas.openxmlformats.org/drawingml/2006/main" xmlns:r="http://schemas.openxmlformats.org/officeDocument/2006/relationships" xmlns:mc="http://schemas.openxmlformats.org/markup-compatibility/2006" xmlns:mv="urn:schemas-microsoft-com:mac:vml" xmlns:p="http://schemas.openxmlformats.org/presentationml/2006/main" xmlns:c="http://schemas.openxmlformats.org/drawingml/2006/chart" xmlns:dgm="http://schemas.openxmlformats.org/drawingml/2006/diagram" xmlns:o="urn:schemas-microsoft-com:office:office" xmlns:v="urn:schemas-microsoft-com:vml" xmlns:pvml="urn:schemas-microsoft-com:office:powerpoint" xmlns:com="http://schemas.openxmlformats.org/drawingml/2006/compatibility" xmlns:p14="http://schemas.microsoft.com/office/powerpoint/2010/main" xmlns:p15="http://schemas.microsoft.com/office/powerpoint/2012/main" xmlns:ahyp="http://schemas.microsoft.com/office/drawing/2018/hyperlinkcolor" autoCompressPictures="0" embedTrueTypeFonts="1" strictFirstAndLastChars="0" saveSubsetFonts="1">
+<p:presentation xmlns:a="http://schemas.openxmlformats.org/drawingml/2006/main" xmlns:r="http://schemas.openxmlformats.org/officeDocument/2006/relationships" xmlns:p="http://schemas.openxmlformats.org/presentationml/2006/main" strictFirstAndLastChars="0" embedTrueTypeFonts="1" saveSubsetFonts="1" autoCompressPictures="0">
   <p:sldMasterIdLst>
-    <p:sldMasterId id="2147483659" r:id="rId4"/>
+    <p:sldMasterId id="2147483659" r:id="rId1"/>
   </p:sldMasterIdLst>
   <p:notesMasterIdLst>
-    <p:notesMasterId r:id="rId5"/>
+    <p:notesMasterId r:id="rId15"/>
   </p:notesMasterIdLst>
   <p:sldIdLst>
-    <p:sldId id="256" r:id="rId6"/>
-    <p:sldId id="257" r:id="rId7"/>
-    <p:sldId id="258" r:id="rId8"/>
-    <p:sldId id="259" r:id="rId9"/>
-    <p:sldId id="260" r:id="rId10"/>
-    <p:sldId id="261" r:id="rId11"/>
-    <p:sldId id="262" r:id="rId12"/>
-    <p:sldId id="263" r:id="rId13"/>
-    <p:sldId id="264" r:id="rId14"/>
-    <p:sldId id="265" r:id="rId15"/>
-    <p:sldId id="266" r:id="rId16"/>
-    <p:sldId id="267" r:id="rId17"/>
-    <p:sldId id="268" r:id="rId18"/>
+    <p:sldId id="256" r:id="rId2"/>
+    <p:sldId id="257" r:id="rId3"/>
+    <p:sldId id="258" r:id="rId4"/>
+    <p:sldId id="259" r:id="rId5"/>
+    <p:sldId id="260" r:id="rId6"/>
+    <p:sldId id="261" r:id="rId7"/>
+    <p:sldId id="262" r:id="rId8"/>
+    <p:sldId id="263" r:id="rId9"/>
+    <p:sldId id="264" r:id="rId10"/>
+    <p:sldId id="265" r:id="rId11"/>
+    <p:sldId id="266" r:id="rId12"/>
+    <p:sldId id="267" r:id="rId13"/>
+    <p:sldId id="268" r:id="rId14"/>
   </p:sldIdLst>
-  <p:sldSz cy="5143500" cx="9144000"/>
+  <p:sldSz cx="9144000" cy="5143500" type="screen16x9"/>
   <p:notesSz cx="6858000" cy="9144000"/>
   <p:embeddedFontLst>
     <p:embeddedFont>
-      <p:font typeface="Economica"/>
-      <p:regular r:id="rId19"/>
-      <p:bold r:id="rId20"/>
-      <p:italic r:id="rId21"/>
-      <p:boldItalic r:id="rId22"/>
+      <p:font typeface="Economica" panose="020B0604020202020204" charset="0"/>
+      <p:regular r:id="rId16"/>
+      <p:bold r:id="rId17"/>
+      <p:italic r:id="rId18"/>
+      <p:boldItalic r:id="rId19"/>
     </p:embeddedFont>
     <p:embeddedFont>
-      <p:font typeface="Roboto"/>
-      <p:regular r:id="rId23"/>
-      <p:bold r:id="rId24"/>
-      <p:italic r:id="rId25"/>
-      <p:boldItalic r:id="rId26"/>
+      <p:font typeface="Open Sans" panose="020B0604020202020204" charset="0"/>
+      <p:regular r:id="rId20"/>
+      <p:bold r:id="rId21"/>
+      <p:italic r:id="rId22"/>
+      <p:boldItalic r:id="rId23"/>
     </p:embeddedFont>
     <p:embeddedFont>
-      <p:font typeface="Open Sans"/>
-      <p:regular r:id="rId27"/>
-      <p:bold r:id="rId28"/>
-      <p:italic r:id="rId29"/>
-      <p:boldItalic r:id="rId30"/>
+      <p:font typeface="Roboto" panose="020B0604020202020204" charset="0"/>
+      <p:regular r:id="rId24"/>
+      <p:bold r:id="rId25"/>
+      <p:italic r:id="rId26"/>
+      <p:boldItalic r:id="rId27"/>
     </p:embeddedFont>
   </p:embeddedFontLst>
   <p:defaultTextStyle>
-    <a:defPPr lvl="0" marR="0" rtl="0" algn="l">
+    <a:defPPr marR="0" lvl="0" algn="l" rtl="0">
       <a:lnSpc>
         <a:spcPct val="100000"/>
       </a:lnSpc>
@@ -59,7 +59,7 @@
         <a:spcPts val="0"/>
       </a:spcAft>
     </a:defPPr>
-    <a:lvl1pPr lvl="0" marR="0" rtl="0" algn="l">
+    <a:lvl1pPr marR="0" lvl="0" algn="l" rtl="0">
       <a:lnSpc>
         <a:spcPct val="100000"/>
       </a:lnSpc>
@@ -73,7 +73,7 @@
         <a:srgbClr val="000000"/>
       </a:buClr>
       <a:buFont typeface="Arial"/>
-      <a:defRPr b="0" i="0" sz="1400" u="none" cap="none" strike="noStrike">
+      <a:defRPr sz="1400" b="0" i="0" u="none" strike="noStrike" cap="none">
         <a:solidFill>
           <a:srgbClr val="000000"/>
         </a:solidFill>
@@ -83,7 +83,7 @@
         <a:sym typeface="Arial"/>
       </a:defRPr>
     </a:lvl1pPr>
-    <a:lvl2pPr lvl="1" marR="0" rtl="0" algn="l">
+    <a:lvl2pPr marR="0" lvl="1" algn="l" rtl="0">
       <a:lnSpc>
         <a:spcPct val="100000"/>
       </a:lnSpc>
@@ -97,7 +97,7 @@
         <a:srgbClr val="000000"/>
       </a:buClr>
       <a:buFont typeface="Arial"/>
-      <a:defRPr b="0" i="0" sz="1400" u="none" cap="none" strike="noStrike">
+      <a:defRPr sz="1400" b="0" i="0" u="none" strike="noStrike" cap="none">
         <a:solidFill>
           <a:srgbClr val="000000"/>
         </a:solidFill>
@@ -107,7 +107,7 @@
         <a:sym typeface="Arial"/>
       </a:defRPr>
     </a:lvl2pPr>
-    <a:lvl3pPr lvl="2" marR="0" rtl="0" algn="l">
+    <a:lvl3pPr marR="0" lvl="2" algn="l" rtl="0">
       <a:lnSpc>
         <a:spcPct val="100000"/>
       </a:lnSpc>
@@ -121,7 +121,7 @@
         <a:srgbClr val="000000"/>
       </a:buClr>
       <a:buFont typeface="Arial"/>
-      <a:defRPr b="0" i="0" sz="1400" u="none" cap="none" strike="noStrike">
+      <a:defRPr sz="1400" b="0" i="0" u="none" strike="noStrike" cap="none">
         <a:solidFill>
           <a:srgbClr val="000000"/>
         </a:solidFill>
@@ -131,7 +131,7 @@
         <a:sym typeface="Arial"/>
       </a:defRPr>
     </a:lvl3pPr>
-    <a:lvl4pPr lvl="3" marR="0" rtl="0" algn="l">
+    <a:lvl4pPr marR="0" lvl="3" algn="l" rtl="0">
       <a:lnSpc>
         <a:spcPct val="100000"/>
       </a:lnSpc>
@@ -145,7 +145,7 @@
         <a:srgbClr val="000000"/>
       </a:buClr>
       <a:buFont typeface="Arial"/>
-      <a:defRPr b="0" i="0" sz="1400" u="none" cap="none" strike="noStrike">
+      <a:defRPr sz="1400" b="0" i="0" u="none" strike="noStrike" cap="none">
         <a:solidFill>
           <a:srgbClr val="000000"/>
         </a:solidFill>
@@ -155,7 +155,7 @@
         <a:sym typeface="Arial"/>
       </a:defRPr>
     </a:lvl4pPr>
-    <a:lvl5pPr lvl="4" marR="0" rtl="0" algn="l">
+    <a:lvl5pPr marR="0" lvl="4" algn="l" rtl="0">
       <a:lnSpc>
         <a:spcPct val="100000"/>
       </a:lnSpc>
@@ -169,7 +169,7 @@
         <a:srgbClr val="000000"/>
       </a:buClr>
       <a:buFont typeface="Arial"/>
-      <a:defRPr b="0" i="0" sz="1400" u="none" cap="none" strike="noStrike">
+      <a:defRPr sz="1400" b="0" i="0" u="none" strike="noStrike" cap="none">
         <a:solidFill>
           <a:srgbClr val="000000"/>
         </a:solidFill>
@@ -179,7 +179,7 @@
         <a:sym typeface="Arial"/>
       </a:defRPr>
     </a:lvl5pPr>
-    <a:lvl6pPr lvl="5" marR="0" rtl="0" algn="l">
+    <a:lvl6pPr marR="0" lvl="5" algn="l" rtl="0">
       <a:lnSpc>
         <a:spcPct val="100000"/>
       </a:lnSpc>
@@ -193,7 +193,7 @@
         <a:srgbClr val="000000"/>
       </a:buClr>
       <a:buFont typeface="Arial"/>
-      <a:defRPr b="0" i="0" sz="1400" u="none" cap="none" strike="noStrike">
+      <a:defRPr sz="1400" b="0" i="0" u="none" strike="noStrike" cap="none">
         <a:solidFill>
           <a:srgbClr val="000000"/>
         </a:solidFill>
@@ -203,7 +203,7 @@
         <a:sym typeface="Arial"/>
       </a:defRPr>
     </a:lvl6pPr>
-    <a:lvl7pPr lvl="6" marR="0" rtl="0" algn="l">
+    <a:lvl7pPr marR="0" lvl="6" algn="l" rtl="0">
       <a:lnSpc>
         <a:spcPct val="100000"/>
       </a:lnSpc>
@@ -217,7 +217,7 @@
         <a:srgbClr val="000000"/>
       </a:buClr>
       <a:buFont typeface="Arial"/>
-      <a:defRPr b="0" i="0" sz="1400" u="none" cap="none" strike="noStrike">
+      <a:defRPr sz="1400" b="0" i="0" u="none" strike="noStrike" cap="none">
         <a:solidFill>
           <a:srgbClr val="000000"/>
         </a:solidFill>
@@ -227,7 +227,7 @@
         <a:sym typeface="Arial"/>
       </a:defRPr>
     </a:lvl7pPr>
-    <a:lvl8pPr lvl="7" marR="0" rtl="0" algn="l">
+    <a:lvl8pPr marR="0" lvl="7" algn="l" rtl="0">
       <a:lnSpc>
         <a:spcPct val="100000"/>
       </a:lnSpc>
@@ -241,7 +241,7 @@
         <a:srgbClr val="000000"/>
       </a:buClr>
       <a:buFont typeface="Arial"/>
-      <a:defRPr b="0" i="0" sz="1400" u="none" cap="none" strike="noStrike">
+      <a:defRPr sz="1400" b="0" i="0" u="none" strike="noStrike" cap="none">
         <a:solidFill>
           <a:srgbClr val="000000"/>
         </a:solidFill>
@@ -251,7 +251,7 @@
         <a:sym typeface="Arial"/>
       </a:defRPr>
     </a:lvl8pPr>
-    <a:lvl9pPr lvl="8" marR="0" rtl="0" algn="l">
+    <a:lvl9pPr marR="0" lvl="8" algn="l" rtl="0">
       <a:lnSpc>
         <a:spcPct val="100000"/>
       </a:lnSpc>
@@ -265,7 +265,7 @@
         <a:srgbClr val="000000"/>
       </a:buClr>
       <a:buFont typeface="Arial"/>
-      <a:defRPr b="0" i="0" sz="1400" u="none" cap="none" strike="noStrike">
+      <a:defRPr sz="1400" b="0" i="0" u="none" strike="noStrike" cap="none">
         <a:solidFill>
           <a:srgbClr val="000000"/>
         </a:solidFill>
@@ -278,7 +278,7 @@
   </p:defaultTextStyle>
   <p:extLst>
     <p:ext uri="{EFAFB233-063F-42B5-8137-9DF3F51BA10A}">
-      <p15:sldGuideLst>
+      <p15:sldGuideLst xmlns:p15="http://schemas.microsoft.com/office/powerpoint/2012/main">
         <p15:guide id="1" orient="horz" pos="1620">
           <p15:clr>
             <a:srgbClr val="A4A3A4"/>
@@ -296,11 +296,16 @@
 </file>
 
 <file path=ppt/notesMasters/notesMaster1.xml><?xml version="1.0" encoding="utf-8"?>
-<p:notesMaster xmlns:a="http://schemas.openxmlformats.org/drawingml/2006/main" xmlns:r="http://schemas.openxmlformats.org/officeDocument/2006/relationships" xmlns:mc="http://schemas.openxmlformats.org/markup-compatibility/2006" xmlns:mv="urn:schemas-microsoft-com:mac:vml" xmlns:p="http://schemas.openxmlformats.org/presentationml/2006/main" xmlns:c="http://schemas.openxmlformats.org/drawingml/2006/chart" xmlns:dgm="http://schemas.openxmlformats.org/drawingml/2006/diagram" xmlns:o="urn:schemas-microsoft-com:office:office" xmlns:v="urn:schemas-microsoft-com:vml" xmlns:pvml="urn:schemas-microsoft-com:office:powerpoint" xmlns:com="http://schemas.openxmlformats.org/drawingml/2006/compatibility" xmlns:p14="http://schemas.microsoft.com/office/powerpoint/2010/main" xmlns:p15="http://schemas.microsoft.com/office/powerpoint/2012/main" xmlns:ahyp="http://schemas.microsoft.com/office/drawing/2018/hyperlinkcolor">
+<p:notesMaster xmlns:a="http://schemas.openxmlformats.org/drawingml/2006/main" xmlns:r="http://schemas.openxmlformats.org/officeDocument/2006/relationships" xmlns:p="http://schemas.openxmlformats.org/presentationml/2006/main">
   <p:cSld>
+    <p:bg>
+      <p:bgRef idx="1001">
+        <a:schemeClr val="bg1"/>
+      </p:bgRef>
+    </p:bg>
     <p:spTree>
       <p:nvGrpSpPr>
-        <p:cNvPr id="2" name="Shape 2"/>
+        <p:cNvPr id="1" name="Shape 2"/>
         <p:cNvGrpSpPr/>
         <p:nvPr/>
       </p:nvGrpSpPr>
@@ -315,9 +320,11 @@
       <p:sp>
         <p:nvSpPr>
           <p:cNvPr id="3" name="Google Shape;3;n"/>
-          <p:cNvSpPr/>
+          <p:cNvSpPr>
+            <a:spLocks noGrp="1" noRot="1" noChangeAspect="1"/>
+          </p:cNvSpPr>
           <p:nvPr>
-            <p:ph idx="2" type="sldImg"/>
+            <p:ph type="sldImg" idx="2"/>
           </p:nvPr>
         </p:nvSpPr>
         <p:spPr>
@@ -326,9 +333,13 @@
             <a:ext cx="6096075" cy="3429000"/>
           </a:xfrm>
           <a:custGeom>
-            <a:rect b="b" l="l" r="r" t="t"/>
+            <a:avLst/>
+            <a:gdLst/>
+            <a:ahLst/>
+            <a:cxnLst/>
+            <a:rect l="l" t="t" r="r" b="b"/>
             <a:pathLst>
-              <a:path extrusionOk="0" h="120000" w="120000">
+              <a:path w="120000" h="120000" extrusionOk="0">
                 <a:moveTo>
                   <a:pt x="0" y="0"/>
                 </a:moveTo>
@@ -346,23 +357,25 @@
             </a:pathLst>
           </a:custGeom>
           <a:noFill/>
-          <a:ln cap="flat" cmpd="sng" w="9525">
+          <a:ln w="9525" cap="flat" cmpd="sng">
             <a:solidFill>
               <a:srgbClr val="000000"/>
             </a:solidFill>
             <a:prstDash val="solid"/>
             <a:round/>
-            <a:headEnd len="sm" w="sm" type="none"/>
-            <a:tailEnd len="sm" w="sm" type="none"/>
+            <a:headEnd type="none" w="sm" len="sm"/>
+            <a:tailEnd type="none" w="sm" len="sm"/>
           </a:ln>
         </p:spPr>
       </p:sp>
       <p:sp>
         <p:nvSpPr>
           <p:cNvPr id="4" name="Google Shape;4;n"/>
-          <p:cNvSpPr txBox="1"/>
+          <p:cNvSpPr txBox="1">
+            <a:spLocks noGrp="1"/>
+          </p:cNvSpPr>
           <p:nvPr>
-            <p:ph idx="1" type="body"/>
+            <p:ph type="body" idx="1"/>
           </p:nvPr>
         </p:nvSpPr>
         <p:spPr>
@@ -379,11 +392,11 @@
           </a:ln>
         </p:spPr>
         <p:txBody>
-          <a:bodyPr anchorCtr="0" anchor="t" bIns="91425" lIns="91425" spcFirstLastPara="1" rIns="91425" wrap="square" tIns="91425">
+          <a:bodyPr spcFirstLastPara="1" wrap="square" lIns="91425" tIns="91425" rIns="91425" bIns="91425" anchor="t" anchorCtr="0">
             <a:noAutofit/>
           </a:bodyPr>
           <a:lstStyle>
-            <a:lvl1pPr indent="-298450" lvl="0" marL="457200">
+            <a:lvl1pPr marL="457200" lvl="0" indent="-298450">
               <a:spcBef>
                 <a:spcPts val="0"/>
               </a:spcBef>
@@ -394,7 +407,7 @@
               <a:buChar char="●"/>
               <a:defRPr sz="1100"/>
             </a:lvl1pPr>
-            <a:lvl2pPr indent="-298450" lvl="1" marL="914400">
+            <a:lvl2pPr marL="914400" lvl="1" indent="-298450">
               <a:spcBef>
                 <a:spcPts val="0"/>
               </a:spcBef>
@@ -405,7 +418,7 @@
               <a:buChar char="○"/>
               <a:defRPr sz="1100"/>
             </a:lvl2pPr>
-            <a:lvl3pPr indent="-298450" lvl="2" marL="1371600">
+            <a:lvl3pPr marL="1371600" lvl="2" indent="-298450">
               <a:spcBef>
                 <a:spcPts val="0"/>
               </a:spcBef>
@@ -416,7 +429,7 @@
               <a:buChar char="■"/>
               <a:defRPr sz="1100"/>
             </a:lvl3pPr>
-            <a:lvl4pPr indent="-298450" lvl="3" marL="1828800">
+            <a:lvl4pPr marL="1828800" lvl="3" indent="-298450">
               <a:spcBef>
                 <a:spcPts val="0"/>
               </a:spcBef>
@@ -427,7 +440,7 @@
               <a:buChar char="●"/>
               <a:defRPr sz="1100"/>
             </a:lvl4pPr>
-            <a:lvl5pPr indent="-298450" lvl="4" marL="2286000">
+            <a:lvl5pPr marL="2286000" lvl="4" indent="-298450">
               <a:spcBef>
                 <a:spcPts val="0"/>
               </a:spcBef>
@@ -438,7 +451,7 @@
               <a:buChar char="○"/>
               <a:defRPr sz="1100"/>
             </a:lvl5pPr>
-            <a:lvl6pPr indent="-298450" lvl="5" marL="2743200">
+            <a:lvl6pPr marL="2743200" lvl="5" indent="-298450">
               <a:spcBef>
                 <a:spcPts val="0"/>
               </a:spcBef>
@@ -449,7 +462,7 @@
               <a:buChar char="■"/>
               <a:defRPr sz="1100"/>
             </a:lvl6pPr>
-            <a:lvl7pPr indent="-298450" lvl="6" marL="3200400">
+            <a:lvl7pPr marL="3200400" lvl="6" indent="-298450">
               <a:spcBef>
                 <a:spcPts val="0"/>
               </a:spcBef>
@@ -460,7 +473,7 @@
               <a:buChar char="●"/>
               <a:defRPr sz="1100"/>
             </a:lvl7pPr>
-            <a:lvl8pPr indent="-298450" lvl="7" marL="3657600">
+            <a:lvl8pPr marL="3657600" lvl="7" indent="-298450">
               <a:spcBef>
                 <a:spcPts val="0"/>
               </a:spcBef>
@@ -471,7 +484,7 @@
               <a:buChar char="○"/>
               <a:defRPr sz="1100"/>
             </a:lvl8pPr>
-            <a:lvl9pPr indent="-298450" lvl="8" marL="4114800">
+            <a:lvl9pPr marL="4114800" lvl="8" indent="-298450">
               <a:spcBef>
                 <a:spcPts val="0"/>
               </a:spcBef>
@@ -483,14 +496,16 @@
               <a:defRPr sz="1100"/>
             </a:lvl9pPr>
           </a:lstStyle>
-          <a:p/>
+          <a:p>
+            <a:endParaRPr/>
+          </a:p>
         </p:txBody>
       </p:sp>
     </p:spTree>
   </p:cSld>
-  <p:clrMap accent1="accent1" accent2="accent2" accent3="accent3" accent4="accent4" accent5="accent5" accent6="accent6" bg1="lt1" bg2="dk2" tx1="dk1" tx2="lt2" folHlink="folHlink" hlink="hlink"/>
+  <p:clrMap bg1="lt1" tx1="dk1" bg2="dk2" tx2="lt2" accent1="accent1" accent2="accent2" accent3="accent3" accent4="accent4" accent5="accent5" accent6="accent6" hlink="hlink" folHlink="folHlink"/>
   <p:notesStyle>
-    <a:defPPr lvl="0" marR="0" rtl="0" algn="l">
+    <a:defPPr marR="0" lvl="0" algn="l" rtl="0">
       <a:lnSpc>
         <a:spcPct val="100000"/>
       </a:lnSpc>
@@ -501,7 +516,7 @@
         <a:spcPts val="0"/>
       </a:spcAft>
     </a:defPPr>
-    <a:lvl1pPr lvl="0" marR="0" rtl="0" algn="l">
+    <a:lvl1pPr marR="0" lvl="0" algn="l" rtl="0">
       <a:lnSpc>
         <a:spcPct val="100000"/>
       </a:lnSpc>
@@ -515,7 +530,7 @@
         <a:srgbClr val="000000"/>
       </a:buClr>
       <a:buFont typeface="Arial"/>
-      <a:defRPr b="0" i="0" sz="1400" u="none" cap="none" strike="noStrike">
+      <a:defRPr sz="1400" b="0" i="0" u="none" strike="noStrike" cap="none">
         <a:solidFill>
           <a:srgbClr val="000000"/>
         </a:solidFill>
@@ -525,7 +540,7 @@
         <a:sym typeface="Arial"/>
       </a:defRPr>
     </a:lvl1pPr>
-    <a:lvl2pPr lvl="1" marR="0" rtl="0" algn="l">
+    <a:lvl2pPr marR="0" lvl="1" algn="l" rtl="0">
       <a:lnSpc>
         <a:spcPct val="100000"/>
       </a:lnSpc>
@@ -539,7 +554,7 @@
         <a:srgbClr val="000000"/>
       </a:buClr>
       <a:buFont typeface="Arial"/>
-      <a:defRPr b="0" i="0" sz="1400" u="none" cap="none" strike="noStrike">
+      <a:defRPr sz="1400" b="0" i="0" u="none" strike="noStrike" cap="none">
         <a:solidFill>
           <a:srgbClr val="000000"/>
         </a:solidFill>
@@ -549,7 +564,7 @@
         <a:sym typeface="Arial"/>
       </a:defRPr>
     </a:lvl2pPr>
-    <a:lvl3pPr lvl="2" marR="0" rtl="0" algn="l">
+    <a:lvl3pPr marR="0" lvl="2" algn="l" rtl="0">
       <a:lnSpc>
         <a:spcPct val="100000"/>
       </a:lnSpc>
@@ -563,7 +578,7 @@
         <a:srgbClr val="000000"/>
       </a:buClr>
       <a:buFont typeface="Arial"/>
-      <a:defRPr b="0" i="0" sz="1400" u="none" cap="none" strike="noStrike">
+      <a:defRPr sz="1400" b="0" i="0" u="none" strike="noStrike" cap="none">
         <a:solidFill>
           <a:srgbClr val="000000"/>
         </a:solidFill>
@@ -573,7 +588,7 @@
         <a:sym typeface="Arial"/>
       </a:defRPr>
     </a:lvl3pPr>
-    <a:lvl4pPr lvl="3" marR="0" rtl="0" algn="l">
+    <a:lvl4pPr marR="0" lvl="3" algn="l" rtl="0">
       <a:lnSpc>
         <a:spcPct val="100000"/>
       </a:lnSpc>
@@ -587,7 +602,7 @@
         <a:srgbClr val="000000"/>
       </a:buClr>
       <a:buFont typeface="Arial"/>
-      <a:defRPr b="0" i="0" sz="1400" u="none" cap="none" strike="noStrike">
+      <a:defRPr sz="1400" b="0" i="0" u="none" strike="noStrike" cap="none">
         <a:solidFill>
           <a:srgbClr val="000000"/>
         </a:solidFill>
@@ -597,7 +612,7 @@
         <a:sym typeface="Arial"/>
       </a:defRPr>
     </a:lvl4pPr>
-    <a:lvl5pPr lvl="4" marR="0" rtl="0" algn="l">
+    <a:lvl5pPr marR="0" lvl="4" algn="l" rtl="0">
       <a:lnSpc>
         <a:spcPct val="100000"/>
       </a:lnSpc>
@@ -611,7 +626,7 @@
         <a:srgbClr val="000000"/>
       </a:buClr>
       <a:buFont typeface="Arial"/>
-      <a:defRPr b="0" i="0" sz="1400" u="none" cap="none" strike="noStrike">
+      <a:defRPr sz="1400" b="0" i="0" u="none" strike="noStrike" cap="none">
         <a:solidFill>
           <a:srgbClr val="000000"/>
         </a:solidFill>
@@ -621,7 +636,7 @@
         <a:sym typeface="Arial"/>
       </a:defRPr>
     </a:lvl5pPr>
-    <a:lvl6pPr lvl="5" marR="0" rtl="0" algn="l">
+    <a:lvl6pPr marR="0" lvl="5" algn="l" rtl="0">
       <a:lnSpc>
         <a:spcPct val="100000"/>
       </a:lnSpc>
@@ -635,7 +650,7 @@
         <a:srgbClr val="000000"/>
       </a:buClr>
       <a:buFont typeface="Arial"/>
-      <a:defRPr b="0" i="0" sz="1400" u="none" cap="none" strike="noStrike">
+      <a:defRPr sz="1400" b="0" i="0" u="none" strike="noStrike" cap="none">
         <a:solidFill>
           <a:srgbClr val="000000"/>
         </a:solidFill>
@@ -645,7 +660,7 @@
         <a:sym typeface="Arial"/>
       </a:defRPr>
     </a:lvl6pPr>
-    <a:lvl7pPr lvl="6" marR="0" rtl="0" algn="l">
+    <a:lvl7pPr marR="0" lvl="6" algn="l" rtl="0">
       <a:lnSpc>
         <a:spcPct val="100000"/>
       </a:lnSpc>
@@ -659,7 +674,7 @@
         <a:srgbClr val="000000"/>
       </a:buClr>
       <a:buFont typeface="Arial"/>
-      <a:defRPr b="0" i="0" sz="1400" u="none" cap="none" strike="noStrike">
+      <a:defRPr sz="1400" b="0" i="0" u="none" strike="noStrike" cap="none">
         <a:solidFill>
           <a:srgbClr val="000000"/>
         </a:solidFill>
@@ -669,7 +684,7 @@
         <a:sym typeface="Arial"/>
       </a:defRPr>
     </a:lvl7pPr>
-    <a:lvl8pPr lvl="7" marR="0" rtl="0" algn="l">
+    <a:lvl8pPr marR="0" lvl="7" algn="l" rtl="0">
       <a:lnSpc>
         <a:spcPct val="100000"/>
       </a:lnSpc>
@@ -683,7 +698,7 @@
         <a:srgbClr val="000000"/>
       </a:buClr>
       <a:buFont typeface="Arial"/>
-      <a:defRPr b="0" i="0" sz="1400" u="none" cap="none" strike="noStrike">
+      <a:defRPr sz="1400" b="0" i="0" u="none" strike="noStrike" cap="none">
         <a:solidFill>
           <a:srgbClr val="000000"/>
         </a:solidFill>
@@ -693,7 +708,7 @@
         <a:sym typeface="Arial"/>
       </a:defRPr>
     </a:lvl8pPr>
-    <a:lvl9pPr lvl="8" marR="0" rtl="0" algn="l">
+    <a:lvl9pPr marR="0" lvl="8" algn="l" rtl="0">
       <a:lnSpc>
         <a:spcPct val="100000"/>
       </a:lnSpc>
@@ -707,7 +722,7 @@
         <a:srgbClr val="000000"/>
       </a:buClr>
       <a:buFont typeface="Arial"/>
-      <a:defRPr b="0" i="0" sz="1400" u="none" cap="none" strike="noStrike">
+      <a:defRPr sz="1400" b="0" i="0" u="none" strike="noStrike" cap="none">
         <a:solidFill>
           <a:srgbClr val="000000"/>
         </a:solidFill>
@@ -722,11 +737,11 @@
 </file>
 
 <file path=ppt/notesSlides/notesSlide1.xml><?xml version="1.0" encoding="utf-8"?>
-<p:notes xmlns:a="http://schemas.openxmlformats.org/drawingml/2006/main" xmlns:r="http://schemas.openxmlformats.org/officeDocument/2006/relationships" xmlns:mc="http://schemas.openxmlformats.org/markup-compatibility/2006" xmlns:mv="urn:schemas-microsoft-com:mac:vml" xmlns:p="http://schemas.openxmlformats.org/presentationml/2006/main" xmlns:c="http://schemas.openxmlformats.org/drawingml/2006/chart" xmlns:dgm="http://schemas.openxmlformats.org/drawingml/2006/diagram" xmlns:o="urn:schemas-microsoft-com:office:office" xmlns:v="urn:schemas-microsoft-com:vml" xmlns:pvml="urn:schemas-microsoft-com:office:powerpoint" xmlns:com="http://schemas.openxmlformats.org/drawingml/2006/compatibility" xmlns:p14="http://schemas.microsoft.com/office/powerpoint/2010/main" xmlns:p15="http://schemas.microsoft.com/office/powerpoint/2012/main" xmlns:ahyp="http://schemas.microsoft.com/office/drawing/2018/hyperlinkcolor" showMasterPhAnim="0" showMasterSp="0">
+<p:notes xmlns:a="http://schemas.openxmlformats.org/drawingml/2006/main" xmlns:r="http://schemas.openxmlformats.org/officeDocument/2006/relationships" xmlns:p="http://schemas.openxmlformats.org/presentationml/2006/main" showMasterSp="0" showMasterPhAnim="0">
   <p:cSld>
     <p:spTree>
       <p:nvGrpSpPr>
-        <p:cNvPr id="58" name="Shape 58"/>
+        <p:cNvPr id="1" name="Shape 58"/>
         <p:cNvGrpSpPr/>
         <p:nvPr/>
       </p:nvGrpSpPr>
@@ -741,20 +756,26 @@
       <p:sp>
         <p:nvSpPr>
           <p:cNvPr id="59" name="Google Shape;59;p:notes"/>
-          <p:cNvSpPr/>
+          <p:cNvSpPr>
+            <a:spLocks noGrp="1" noRot="1" noChangeAspect="1"/>
+          </p:cNvSpPr>
           <p:nvPr>
-            <p:ph idx="2" type="sldImg"/>
+            <p:ph type="sldImg" idx="2"/>
           </p:nvPr>
         </p:nvSpPr>
         <p:spPr>
           <a:xfrm>
-            <a:off x="381300" y="685800"/>
-            <a:ext cx="6096075" cy="3429000"/>
+            <a:off x="381000" y="685800"/>
+            <a:ext cx="6096000" cy="3429000"/>
           </a:xfrm>
           <a:custGeom>
-            <a:rect b="b" l="l" r="r" t="t"/>
+            <a:avLst/>
+            <a:gdLst/>
+            <a:ahLst/>
+            <a:cxnLst/>
+            <a:rect l="l" t="t" r="r" b="b"/>
             <a:pathLst>
-              <a:path extrusionOk="0" h="120000" w="120000">
+              <a:path w="120000" h="120000" extrusionOk="0">
                 <a:moveTo>
                   <a:pt x="0" y="0"/>
                 </a:moveTo>
@@ -776,9 +797,11 @@
       <p:sp>
         <p:nvSpPr>
           <p:cNvPr id="60" name="Google Shape;60;p:notes"/>
-          <p:cNvSpPr txBox="1"/>
+          <p:cNvSpPr txBox="1">
+            <a:spLocks noGrp="1"/>
+          </p:cNvSpPr>
           <p:nvPr>
-            <p:ph idx="1" type="body"/>
+            <p:ph type="body" idx="1"/>
           </p:nvPr>
         </p:nvSpPr>
         <p:spPr>
@@ -791,12 +814,12 @@
           </a:prstGeom>
         </p:spPr>
         <p:txBody>
-          <a:bodyPr anchorCtr="0" anchor="t" bIns="91425" lIns="91425" spcFirstLastPara="1" rIns="91425" wrap="square" tIns="91425">
+          <a:bodyPr spcFirstLastPara="1" wrap="square" lIns="91425" tIns="91425" rIns="91425" bIns="91425" anchor="t" anchorCtr="0">
             <a:noAutofit/>
           </a:bodyPr>
           <a:lstStyle/>
           <a:p>
-            <a:pPr indent="0" lvl="0" marL="0" rtl="0" algn="l">
+            <a:pPr marL="0" lvl="0" indent="0" algn="l" rtl="0">
               <a:spcBef>
                 <a:spcPts val="0"/>
               </a:spcBef>
@@ -805,9 +828,6 @@
               </a:spcAft>
               <a:buNone/>
             </a:pPr>
-            <a:r>
-              <a:t/>
-            </a:r>
             <a:endParaRPr/>
           </a:p>
         </p:txBody>
@@ -821,11 +841,11 @@
 </file>
 
 <file path=ppt/notesSlides/notesSlide10.xml><?xml version="1.0" encoding="utf-8"?>
-<p:notes xmlns:a="http://schemas.openxmlformats.org/drawingml/2006/main" xmlns:r="http://schemas.openxmlformats.org/officeDocument/2006/relationships" xmlns:mc="http://schemas.openxmlformats.org/markup-compatibility/2006" xmlns:mv="urn:schemas-microsoft-com:mac:vml" xmlns:p="http://schemas.openxmlformats.org/presentationml/2006/main" xmlns:c="http://schemas.openxmlformats.org/drawingml/2006/chart" xmlns:dgm="http://schemas.openxmlformats.org/drawingml/2006/diagram" xmlns:o="urn:schemas-microsoft-com:office:office" xmlns:v="urn:schemas-microsoft-com:vml" xmlns:pvml="urn:schemas-microsoft-com:office:powerpoint" xmlns:com="http://schemas.openxmlformats.org/drawingml/2006/compatibility" xmlns:p14="http://schemas.microsoft.com/office/powerpoint/2010/main" xmlns:p15="http://schemas.microsoft.com/office/powerpoint/2012/main" xmlns:ahyp="http://schemas.microsoft.com/office/drawing/2018/hyperlinkcolor" showMasterPhAnim="0" showMasterSp="0">
+<p:notes xmlns:a="http://schemas.openxmlformats.org/drawingml/2006/main" xmlns:r="http://schemas.openxmlformats.org/officeDocument/2006/relationships" xmlns:p="http://schemas.openxmlformats.org/presentationml/2006/main" showMasterSp="0" showMasterPhAnim="0">
   <p:cSld>
     <p:spTree>
       <p:nvGrpSpPr>
-        <p:cNvPr id="115" name="Shape 115"/>
+        <p:cNvPr id="1" name="Shape 115"/>
         <p:cNvGrpSpPr/>
         <p:nvPr/>
       </p:nvGrpSpPr>
@@ -840,9 +860,11 @@
       <p:sp>
         <p:nvSpPr>
           <p:cNvPr id="116" name="Google Shape;116;gb48cc048dc_0_64:notes"/>
-          <p:cNvSpPr/>
+          <p:cNvSpPr>
+            <a:spLocks noGrp="1" noRot="1" noChangeAspect="1"/>
+          </p:cNvSpPr>
           <p:nvPr>
-            <p:ph idx="2" type="sldImg"/>
+            <p:ph type="sldImg" idx="2"/>
           </p:nvPr>
         </p:nvSpPr>
         <p:spPr>
@@ -851,9 +873,13 @@
             <a:ext cx="6096000" cy="3429000"/>
           </a:xfrm>
           <a:custGeom>
-            <a:rect b="b" l="l" r="r" t="t"/>
+            <a:avLst/>
+            <a:gdLst/>
+            <a:ahLst/>
+            <a:cxnLst/>
+            <a:rect l="l" t="t" r="r" b="b"/>
             <a:pathLst>
-              <a:path extrusionOk="0" h="120000" w="120000">
+              <a:path w="120000" h="120000" extrusionOk="0">
                 <a:moveTo>
                   <a:pt x="0" y="0"/>
                 </a:moveTo>
@@ -875,9 +901,11 @@
       <p:sp>
         <p:nvSpPr>
           <p:cNvPr id="117" name="Google Shape;117;gb48cc048dc_0_64:notes"/>
-          <p:cNvSpPr txBox="1"/>
+          <p:cNvSpPr txBox="1">
+            <a:spLocks noGrp="1"/>
+          </p:cNvSpPr>
           <p:nvPr>
-            <p:ph idx="1" type="body"/>
+            <p:ph type="body" idx="1"/>
           </p:nvPr>
         </p:nvSpPr>
         <p:spPr>
@@ -890,12 +918,12 @@
           </a:prstGeom>
         </p:spPr>
         <p:txBody>
-          <a:bodyPr anchorCtr="0" anchor="t" bIns="91425" lIns="91425" spcFirstLastPara="1" rIns="91425" wrap="square" tIns="91425">
+          <a:bodyPr spcFirstLastPara="1" wrap="square" lIns="91425" tIns="91425" rIns="91425" bIns="91425" anchor="t" anchorCtr="0">
             <a:noAutofit/>
           </a:bodyPr>
           <a:lstStyle/>
           <a:p>
-            <a:pPr indent="0" lvl="0" marL="0" rtl="0" algn="l">
+            <a:pPr marL="0" lvl="0" indent="0" algn="l" rtl="0">
               <a:spcBef>
                 <a:spcPts val="0"/>
               </a:spcBef>
@@ -904,9 +932,6 @@
               </a:spcAft>
               <a:buNone/>
             </a:pPr>
-            <a:r>
-              <a:t/>
-            </a:r>
             <a:endParaRPr/>
           </a:p>
         </p:txBody>
@@ -920,11 +945,11 @@
 </file>
 
 <file path=ppt/notesSlides/notesSlide11.xml><?xml version="1.0" encoding="utf-8"?>
-<p:notes xmlns:a="http://schemas.openxmlformats.org/drawingml/2006/main" xmlns:r="http://schemas.openxmlformats.org/officeDocument/2006/relationships" xmlns:mc="http://schemas.openxmlformats.org/markup-compatibility/2006" xmlns:mv="urn:schemas-microsoft-com:mac:vml" xmlns:p="http://schemas.openxmlformats.org/presentationml/2006/main" xmlns:c="http://schemas.openxmlformats.org/drawingml/2006/chart" xmlns:dgm="http://schemas.openxmlformats.org/drawingml/2006/diagram" xmlns:o="urn:schemas-microsoft-com:office:office" xmlns:v="urn:schemas-microsoft-com:vml" xmlns:pvml="urn:schemas-microsoft-com:office:powerpoint" xmlns:com="http://schemas.openxmlformats.org/drawingml/2006/compatibility" xmlns:p14="http://schemas.microsoft.com/office/powerpoint/2010/main" xmlns:p15="http://schemas.microsoft.com/office/powerpoint/2012/main" xmlns:ahyp="http://schemas.microsoft.com/office/drawing/2018/hyperlinkcolor" showMasterPhAnim="0" showMasterSp="0">
+<p:notes xmlns:a="http://schemas.openxmlformats.org/drawingml/2006/main" xmlns:r="http://schemas.openxmlformats.org/officeDocument/2006/relationships" xmlns:p="http://schemas.openxmlformats.org/presentationml/2006/main" showMasterSp="0" showMasterPhAnim="0">
   <p:cSld>
     <p:spTree>
       <p:nvGrpSpPr>
-        <p:cNvPr id="121" name="Shape 121"/>
+        <p:cNvPr id="1" name="Shape 121"/>
         <p:cNvGrpSpPr/>
         <p:nvPr/>
       </p:nvGrpSpPr>
@@ -939,9 +964,11 @@
       <p:sp>
         <p:nvSpPr>
           <p:cNvPr id="122" name="Google Shape;122;gb48cc048dc_0_55:notes"/>
-          <p:cNvSpPr/>
+          <p:cNvSpPr>
+            <a:spLocks noGrp="1" noRot="1" noChangeAspect="1"/>
+          </p:cNvSpPr>
           <p:nvPr>
-            <p:ph idx="2" type="sldImg"/>
+            <p:ph type="sldImg" idx="2"/>
           </p:nvPr>
         </p:nvSpPr>
         <p:spPr>
@@ -950,9 +977,13 @@
             <a:ext cx="6096000" cy="3429000"/>
           </a:xfrm>
           <a:custGeom>
-            <a:rect b="b" l="l" r="r" t="t"/>
+            <a:avLst/>
+            <a:gdLst/>
+            <a:ahLst/>
+            <a:cxnLst/>
+            <a:rect l="l" t="t" r="r" b="b"/>
             <a:pathLst>
-              <a:path extrusionOk="0" h="120000" w="120000">
+              <a:path w="120000" h="120000" extrusionOk="0">
                 <a:moveTo>
                   <a:pt x="0" y="0"/>
                 </a:moveTo>
@@ -974,9 +1005,11 @@
       <p:sp>
         <p:nvSpPr>
           <p:cNvPr id="123" name="Google Shape;123;gb48cc048dc_0_55:notes"/>
-          <p:cNvSpPr txBox="1"/>
+          <p:cNvSpPr txBox="1">
+            <a:spLocks noGrp="1"/>
+          </p:cNvSpPr>
           <p:nvPr>
-            <p:ph idx="1" type="body"/>
+            <p:ph type="body" idx="1"/>
           </p:nvPr>
         </p:nvSpPr>
         <p:spPr>
@@ -989,12 +1022,12 @@
           </a:prstGeom>
         </p:spPr>
         <p:txBody>
-          <a:bodyPr anchorCtr="0" anchor="t" bIns="91425" lIns="91425" spcFirstLastPara="1" rIns="91425" wrap="square" tIns="91425">
+          <a:bodyPr spcFirstLastPara="1" wrap="square" lIns="91425" tIns="91425" rIns="91425" bIns="91425" anchor="t" anchorCtr="0">
             <a:noAutofit/>
           </a:bodyPr>
           <a:lstStyle/>
           <a:p>
-            <a:pPr indent="0" lvl="0" marL="0" rtl="0" algn="l">
+            <a:pPr marL="0" lvl="0" indent="0" algn="l" rtl="0">
               <a:spcBef>
                 <a:spcPts val="0"/>
               </a:spcBef>
@@ -1003,9 +1036,6 @@
               </a:spcAft>
               <a:buNone/>
             </a:pPr>
-            <a:r>
-              <a:t/>
-            </a:r>
             <a:endParaRPr/>
           </a:p>
         </p:txBody>
@@ -1019,11 +1049,11 @@
 </file>
 
 <file path=ppt/notesSlides/notesSlide12.xml><?xml version="1.0" encoding="utf-8"?>
-<p:notes xmlns:a="http://schemas.openxmlformats.org/drawingml/2006/main" xmlns:r="http://schemas.openxmlformats.org/officeDocument/2006/relationships" xmlns:mc="http://schemas.openxmlformats.org/markup-compatibility/2006" xmlns:mv="urn:schemas-microsoft-com:mac:vml" xmlns:p="http://schemas.openxmlformats.org/presentationml/2006/main" xmlns:c="http://schemas.openxmlformats.org/drawingml/2006/chart" xmlns:dgm="http://schemas.openxmlformats.org/drawingml/2006/diagram" xmlns:o="urn:schemas-microsoft-com:office:office" xmlns:v="urn:schemas-microsoft-com:vml" xmlns:pvml="urn:schemas-microsoft-com:office:powerpoint" xmlns:com="http://schemas.openxmlformats.org/drawingml/2006/compatibility" xmlns:p14="http://schemas.microsoft.com/office/powerpoint/2010/main" xmlns:p15="http://schemas.microsoft.com/office/powerpoint/2012/main" xmlns:ahyp="http://schemas.microsoft.com/office/drawing/2018/hyperlinkcolor" showMasterPhAnim="0" showMasterSp="0">
+<p:notes xmlns:a="http://schemas.openxmlformats.org/drawingml/2006/main" xmlns:r="http://schemas.openxmlformats.org/officeDocument/2006/relationships" xmlns:p="http://schemas.openxmlformats.org/presentationml/2006/main" showMasterSp="0" showMasterPhAnim="0">
   <p:cSld>
     <p:spTree>
       <p:nvGrpSpPr>
-        <p:cNvPr id="129" name="Shape 129"/>
+        <p:cNvPr id="1" name="Shape 129"/>
         <p:cNvGrpSpPr/>
         <p:nvPr/>
       </p:nvGrpSpPr>
@@ -1038,9 +1068,11 @@
       <p:sp>
         <p:nvSpPr>
           <p:cNvPr id="130" name="Google Shape;130;gb48cc048dc_0_70:notes"/>
-          <p:cNvSpPr/>
+          <p:cNvSpPr>
+            <a:spLocks noGrp="1" noRot="1" noChangeAspect="1"/>
+          </p:cNvSpPr>
           <p:nvPr>
-            <p:ph idx="2" type="sldImg"/>
+            <p:ph type="sldImg" idx="2"/>
           </p:nvPr>
         </p:nvSpPr>
         <p:spPr>
@@ -1049,9 +1081,13 @@
             <a:ext cx="6096000" cy="3429000"/>
           </a:xfrm>
           <a:custGeom>
-            <a:rect b="b" l="l" r="r" t="t"/>
+            <a:avLst/>
+            <a:gdLst/>
+            <a:ahLst/>
+            <a:cxnLst/>
+            <a:rect l="l" t="t" r="r" b="b"/>
             <a:pathLst>
-              <a:path extrusionOk="0" h="120000" w="120000">
+              <a:path w="120000" h="120000" extrusionOk="0">
                 <a:moveTo>
                   <a:pt x="0" y="0"/>
                 </a:moveTo>
@@ -1073,9 +1109,11 @@
       <p:sp>
         <p:nvSpPr>
           <p:cNvPr id="131" name="Google Shape;131;gb48cc048dc_0_70:notes"/>
-          <p:cNvSpPr txBox="1"/>
+          <p:cNvSpPr txBox="1">
+            <a:spLocks noGrp="1"/>
+          </p:cNvSpPr>
           <p:nvPr>
-            <p:ph idx="1" type="body"/>
+            <p:ph type="body" idx="1"/>
           </p:nvPr>
         </p:nvSpPr>
         <p:spPr>
@@ -1088,12 +1126,12 @@
           </a:prstGeom>
         </p:spPr>
         <p:txBody>
-          <a:bodyPr anchorCtr="0" anchor="t" bIns="91425" lIns="91425" spcFirstLastPara="1" rIns="91425" wrap="square" tIns="91425">
+          <a:bodyPr spcFirstLastPara="1" wrap="square" lIns="91425" tIns="91425" rIns="91425" bIns="91425" anchor="t" anchorCtr="0">
             <a:noAutofit/>
           </a:bodyPr>
           <a:lstStyle/>
           <a:p>
-            <a:pPr indent="0" lvl="0" marL="0" rtl="0" algn="l">
+            <a:pPr marL="0" lvl="0" indent="0" algn="l" rtl="0">
               <a:spcBef>
                 <a:spcPts val="0"/>
               </a:spcBef>
@@ -1102,9 +1140,6 @@
               </a:spcAft>
               <a:buNone/>
             </a:pPr>
-            <a:r>
-              <a:t/>
-            </a:r>
             <a:endParaRPr/>
           </a:p>
         </p:txBody>
@@ -1118,11 +1153,11 @@
 </file>
 
 <file path=ppt/notesSlides/notesSlide13.xml><?xml version="1.0" encoding="utf-8"?>
-<p:notes xmlns:a="http://schemas.openxmlformats.org/drawingml/2006/main" xmlns:r="http://schemas.openxmlformats.org/officeDocument/2006/relationships" xmlns:mc="http://schemas.openxmlformats.org/markup-compatibility/2006" xmlns:mv="urn:schemas-microsoft-com:mac:vml" xmlns:p="http://schemas.openxmlformats.org/presentationml/2006/main" xmlns:c="http://schemas.openxmlformats.org/drawingml/2006/chart" xmlns:dgm="http://schemas.openxmlformats.org/drawingml/2006/diagram" xmlns:o="urn:schemas-microsoft-com:office:office" xmlns:v="urn:schemas-microsoft-com:vml" xmlns:pvml="urn:schemas-microsoft-com:office:powerpoint" xmlns:com="http://schemas.openxmlformats.org/drawingml/2006/compatibility" xmlns:p14="http://schemas.microsoft.com/office/powerpoint/2010/main" xmlns:p15="http://schemas.microsoft.com/office/powerpoint/2012/main" xmlns:ahyp="http://schemas.microsoft.com/office/drawing/2018/hyperlinkcolor" showMasterPhAnim="0" showMasterSp="0">
+<p:notes xmlns:a="http://schemas.openxmlformats.org/drawingml/2006/main" xmlns:r="http://schemas.openxmlformats.org/officeDocument/2006/relationships" xmlns:p="http://schemas.openxmlformats.org/presentationml/2006/main" showMasterSp="0" showMasterPhAnim="0">
   <p:cSld>
     <p:spTree>
       <p:nvGrpSpPr>
-        <p:cNvPr id="137" name="Shape 137"/>
+        <p:cNvPr id="1" name="Shape 137"/>
         <p:cNvGrpSpPr/>
         <p:nvPr/>
       </p:nvGrpSpPr>
@@ -1137,9 +1172,11 @@
       <p:sp>
         <p:nvSpPr>
           <p:cNvPr id="138" name="Google Shape;138;gb48cc048dc_0_74:notes"/>
-          <p:cNvSpPr/>
+          <p:cNvSpPr>
+            <a:spLocks noGrp="1" noRot="1" noChangeAspect="1"/>
+          </p:cNvSpPr>
           <p:nvPr>
-            <p:ph idx="2" type="sldImg"/>
+            <p:ph type="sldImg" idx="2"/>
           </p:nvPr>
         </p:nvSpPr>
         <p:spPr>
@@ -1148,9 +1185,13 @@
             <a:ext cx="6096000" cy="3429000"/>
           </a:xfrm>
           <a:custGeom>
-            <a:rect b="b" l="l" r="r" t="t"/>
+            <a:avLst/>
+            <a:gdLst/>
+            <a:ahLst/>
+            <a:cxnLst/>
+            <a:rect l="l" t="t" r="r" b="b"/>
             <a:pathLst>
-              <a:path extrusionOk="0" h="120000" w="120000">
+              <a:path w="120000" h="120000" extrusionOk="0">
                 <a:moveTo>
                   <a:pt x="0" y="0"/>
                 </a:moveTo>
@@ -1172,9 +1213,11 @@
       <p:sp>
         <p:nvSpPr>
           <p:cNvPr id="139" name="Google Shape;139;gb48cc048dc_0_74:notes"/>
-          <p:cNvSpPr txBox="1"/>
+          <p:cNvSpPr txBox="1">
+            <a:spLocks noGrp="1"/>
+          </p:cNvSpPr>
           <p:nvPr>
-            <p:ph idx="1" type="body"/>
+            <p:ph type="body" idx="1"/>
           </p:nvPr>
         </p:nvSpPr>
         <p:spPr>
@@ -1187,12 +1230,12 @@
           </a:prstGeom>
         </p:spPr>
         <p:txBody>
-          <a:bodyPr anchorCtr="0" anchor="t" bIns="91425" lIns="91425" spcFirstLastPara="1" rIns="91425" wrap="square" tIns="91425">
+          <a:bodyPr spcFirstLastPara="1" wrap="square" lIns="91425" tIns="91425" rIns="91425" bIns="91425" anchor="t" anchorCtr="0">
             <a:noAutofit/>
           </a:bodyPr>
           <a:lstStyle/>
           <a:p>
-            <a:pPr indent="0" lvl="0" marL="0" rtl="0" algn="l">
+            <a:pPr marL="0" lvl="0" indent="0" algn="l" rtl="0">
               <a:spcBef>
                 <a:spcPts val="0"/>
               </a:spcBef>
@@ -1201,9 +1244,6 @@
               </a:spcAft>
               <a:buNone/>
             </a:pPr>
-            <a:r>
-              <a:t/>
-            </a:r>
             <a:endParaRPr/>
           </a:p>
         </p:txBody>
@@ -1217,11 +1257,11 @@
 </file>
 
 <file path=ppt/notesSlides/notesSlide2.xml><?xml version="1.0" encoding="utf-8"?>
-<p:notes xmlns:a="http://schemas.openxmlformats.org/drawingml/2006/main" xmlns:r="http://schemas.openxmlformats.org/officeDocument/2006/relationships" xmlns:mc="http://schemas.openxmlformats.org/markup-compatibility/2006" xmlns:mv="urn:schemas-microsoft-com:mac:vml" xmlns:p="http://schemas.openxmlformats.org/presentationml/2006/main" xmlns:c="http://schemas.openxmlformats.org/drawingml/2006/chart" xmlns:dgm="http://schemas.openxmlformats.org/drawingml/2006/diagram" xmlns:o="urn:schemas-microsoft-com:office:office" xmlns:v="urn:schemas-microsoft-com:vml" xmlns:pvml="urn:schemas-microsoft-com:office:powerpoint" xmlns:com="http://schemas.openxmlformats.org/drawingml/2006/compatibility" xmlns:p14="http://schemas.microsoft.com/office/powerpoint/2010/main" xmlns:p15="http://schemas.microsoft.com/office/powerpoint/2012/main" xmlns:ahyp="http://schemas.microsoft.com/office/drawing/2018/hyperlinkcolor" showMasterPhAnim="0" showMasterSp="0">
+<p:notes xmlns:a="http://schemas.openxmlformats.org/drawingml/2006/main" xmlns:r="http://schemas.openxmlformats.org/officeDocument/2006/relationships" xmlns:p="http://schemas.openxmlformats.org/presentationml/2006/main" showMasterSp="0" showMasterPhAnim="0">
   <p:cSld>
     <p:spTree>
       <p:nvGrpSpPr>
-        <p:cNvPr id="65" name="Shape 65"/>
+        <p:cNvPr id="1" name="Shape 65"/>
         <p:cNvGrpSpPr/>
         <p:nvPr/>
       </p:nvGrpSpPr>
@@ -1236,9 +1276,11 @@
       <p:sp>
         <p:nvSpPr>
           <p:cNvPr id="66" name="Google Shape;66;gaad8878e68_3_0:notes"/>
-          <p:cNvSpPr/>
+          <p:cNvSpPr>
+            <a:spLocks noGrp="1" noRot="1" noChangeAspect="1"/>
+          </p:cNvSpPr>
           <p:nvPr>
-            <p:ph idx="2" type="sldImg"/>
+            <p:ph type="sldImg" idx="2"/>
           </p:nvPr>
         </p:nvSpPr>
         <p:spPr>
@@ -1247,9 +1289,13 @@
             <a:ext cx="6096000" cy="3429000"/>
           </a:xfrm>
           <a:custGeom>
-            <a:rect b="b" l="l" r="r" t="t"/>
+            <a:avLst/>
+            <a:gdLst/>
+            <a:ahLst/>
+            <a:cxnLst/>
+            <a:rect l="l" t="t" r="r" b="b"/>
             <a:pathLst>
-              <a:path extrusionOk="0" h="120000" w="120000">
+              <a:path w="120000" h="120000" extrusionOk="0">
                 <a:moveTo>
                   <a:pt x="0" y="0"/>
                 </a:moveTo>
@@ -1271,9 +1317,11 @@
       <p:sp>
         <p:nvSpPr>
           <p:cNvPr id="67" name="Google Shape;67;gaad8878e68_3_0:notes"/>
-          <p:cNvSpPr txBox="1"/>
+          <p:cNvSpPr txBox="1">
+            <a:spLocks noGrp="1"/>
+          </p:cNvSpPr>
           <p:nvPr>
-            <p:ph idx="1" type="body"/>
+            <p:ph type="body" idx="1"/>
           </p:nvPr>
         </p:nvSpPr>
         <p:spPr>
@@ -1286,12 +1334,12 @@
           </a:prstGeom>
         </p:spPr>
         <p:txBody>
-          <a:bodyPr anchorCtr="0" anchor="t" bIns="91425" lIns="91425" spcFirstLastPara="1" rIns="91425" wrap="square" tIns="91425">
+          <a:bodyPr spcFirstLastPara="1" wrap="square" lIns="91425" tIns="91425" rIns="91425" bIns="91425" anchor="t" anchorCtr="0">
             <a:noAutofit/>
           </a:bodyPr>
           <a:lstStyle/>
           <a:p>
-            <a:pPr indent="0" lvl="0" marL="0" rtl="0" algn="l">
+            <a:pPr marL="0" lvl="0" indent="0" algn="l" rtl="0">
               <a:spcBef>
                 <a:spcPts val="0"/>
               </a:spcBef>
@@ -1300,9 +1348,6 @@
               </a:spcAft>
               <a:buNone/>
             </a:pPr>
-            <a:r>
-              <a:t/>
-            </a:r>
             <a:endParaRPr/>
           </a:p>
         </p:txBody>
@@ -1316,11 +1361,11 @@
 </file>
 
 <file path=ppt/notesSlides/notesSlide3.xml><?xml version="1.0" encoding="utf-8"?>
-<p:notes xmlns:a="http://schemas.openxmlformats.org/drawingml/2006/main" xmlns:r="http://schemas.openxmlformats.org/officeDocument/2006/relationships" xmlns:mc="http://schemas.openxmlformats.org/markup-compatibility/2006" xmlns:mv="urn:schemas-microsoft-com:mac:vml" xmlns:p="http://schemas.openxmlformats.org/presentationml/2006/main" xmlns:c="http://schemas.openxmlformats.org/drawingml/2006/chart" xmlns:dgm="http://schemas.openxmlformats.org/drawingml/2006/diagram" xmlns:o="urn:schemas-microsoft-com:office:office" xmlns:v="urn:schemas-microsoft-com:vml" xmlns:pvml="urn:schemas-microsoft-com:office:powerpoint" xmlns:com="http://schemas.openxmlformats.org/drawingml/2006/compatibility" xmlns:p14="http://schemas.microsoft.com/office/powerpoint/2010/main" xmlns:p15="http://schemas.microsoft.com/office/powerpoint/2012/main" xmlns:ahyp="http://schemas.microsoft.com/office/drawing/2018/hyperlinkcolor" showMasterPhAnim="0" showMasterSp="0">
+<p:notes xmlns:a="http://schemas.openxmlformats.org/drawingml/2006/main" xmlns:r="http://schemas.openxmlformats.org/officeDocument/2006/relationships" xmlns:p="http://schemas.openxmlformats.org/presentationml/2006/main" showMasterSp="0" showMasterPhAnim="0">
   <p:cSld>
     <p:spTree>
       <p:nvGrpSpPr>
-        <p:cNvPr id="71" name="Shape 71"/>
+        <p:cNvPr id="1" name="Shape 71"/>
         <p:cNvGrpSpPr/>
         <p:nvPr/>
       </p:nvGrpSpPr>
@@ -1335,9 +1380,11 @@
       <p:sp>
         <p:nvSpPr>
           <p:cNvPr id="72" name="Google Shape;72;gb2d4fa0f3c_0_58:notes"/>
-          <p:cNvSpPr/>
+          <p:cNvSpPr>
+            <a:spLocks noGrp="1" noRot="1" noChangeAspect="1"/>
+          </p:cNvSpPr>
           <p:nvPr>
-            <p:ph idx="2" type="sldImg"/>
+            <p:ph type="sldImg" idx="2"/>
           </p:nvPr>
         </p:nvSpPr>
         <p:spPr>
@@ -1346,9 +1393,13 @@
             <a:ext cx="6096000" cy="3429000"/>
           </a:xfrm>
           <a:custGeom>
-            <a:rect b="b" l="l" r="r" t="t"/>
+            <a:avLst/>
+            <a:gdLst/>
+            <a:ahLst/>
+            <a:cxnLst/>
+            <a:rect l="l" t="t" r="r" b="b"/>
             <a:pathLst>
-              <a:path extrusionOk="0" h="120000" w="120000">
+              <a:path w="120000" h="120000" extrusionOk="0">
                 <a:moveTo>
                   <a:pt x="0" y="0"/>
                 </a:moveTo>
@@ -1370,9 +1421,11 @@
       <p:sp>
         <p:nvSpPr>
           <p:cNvPr id="73" name="Google Shape;73;gb2d4fa0f3c_0_58:notes"/>
-          <p:cNvSpPr txBox="1"/>
+          <p:cNvSpPr txBox="1">
+            <a:spLocks noGrp="1"/>
+          </p:cNvSpPr>
           <p:nvPr>
-            <p:ph idx="1" type="body"/>
+            <p:ph type="body" idx="1"/>
           </p:nvPr>
         </p:nvSpPr>
         <p:spPr>
@@ -1385,12 +1438,12 @@
           </a:prstGeom>
         </p:spPr>
         <p:txBody>
-          <a:bodyPr anchorCtr="0" anchor="t" bIns="91425" lIns="91425" spcFirstLastPara="1" rIns="91425" wrap="square" tIns="91425">
+          <a:bodyPr spcFirstLastPara="1" wrap="square" lIns="91425" tIns="91425" rIns="91425" bIns="91425" anchor="t" anchorCtr="0">
             <a:noAutofit/>
           </a:bodyPr>
           <a:lstStyle/>
           <a:p>
-            <a:pPr indent="0" lvl="0" marL="0" rtl="0" algn="l">
+            <a:pPr marL="0" lvl="0" indent="0" algn="l" rtl="0">
               <a:spcBef>
                 <a:spcPts val="0"/>
               </a:spcBef>
@@ -1399,9 +1452,6 @@
               </a:spcAft>
               <a:buNone/>
             </a:pPr>
-            <a:r>
-              <a:t/>
-            </a:r>
             <a:endParaRPr/>
           </a:p>
         </p:txBody>
@@ -1415,11 +1465,11 @@
 </file>
 
 <file path=ppt/notesSlides/notesSlide4.xml><?xml version="1.0" encoding="utf-8"?>
-<p:notes xmlns:a="http://schemas.openxmlformats.org/drawingml/2006/main" xmlns:r="http://schemas.openxmlformats.org/officeDocument/2006/relationships" xmlns:mc="http://schemas.openxmlformats.org/markup-compatibility/2006" xmlns:mv="urn:schemas-microsoft-com:mac:vml" xmlns:p="http://schemas.openxmlformats.org/presentationml/2006/main" xmlns:c="http://schemas.openxmlformats.org/drawingml/2006/chart" xmlns:dgm="http://schemas.openxmlformats.org/drawingml/2006/diagram" xmlns:o="urn:schemas-microsoft-com:office:office" xmlns:v="urn:schemas-microsoft-com:vml" xmlns:pvml="urn:schemas-microsoft-com:office:powerpoint" xmlns:com="http://schemas.openxmlformats.org/drawingml/2006/compatibility" xmlns:p14="http://schemas.microsoft.com/office/powerpoint/2010/main" xmlns:p15="http://schemas.microsoft.com/office/powerpoint/2012/main" xmlns:ahyp="http://schemas.microsoft.com/office/drawing/2018/hyperlinkcolor" showMasterPhAnim="0" showMasterSp="0">
+<p:notes xmlns:a="http://schemas.openxmlformats.org/drawingml/2006/main" xmlns:r="http://schemas.openxmlformats.org/officeDocument/2006/relationships" xmlns:p="http://schemas.openxmlformats.org/presentationml/2006/main" showMasterSp="0" showMasterPhAnim="0">
   <p:cSld>
     <p:spTree>
       <p:nvGrpSpPr>
-        <p:cNvPr id="78" name="Shape 78"/>
+        <p:cNvPr id="1" name="Shape 78"/>
         <p:cNvGrpSpPr/>
         <p:nvPr/>
       </p:nvGrpSpPr>
@@ -1434,9 +1484,11 @@
       <p:sp>
         <p:nvSpPr>
           <p:cNvPr id="79" name="Google Shape;79;gb2d4fa0f3c_0_66:notes"/>
-          <p:cNvSpPr/>
+          <p:cNvSpPr>
+            <a:spLocks noGrp="1" noRot="1" noChangeAspect="1"/>
+          </p:cNvSpPr>
           <p:nvPr>
-            <p:ph idx="2" type="sldImg"/>
+            <p:ph type="sldImg" idx="2"/>
           </p:nvPr>
         </p:nvSpPr>
         <p:spPr>
@@ -1445,9 +1497,13 @@
             <a:ext cx="6096000" cy="3429000"/>
           </a:xfrm>
           <a:custGeom>
-            <a:rect b="b" l="l" r="r" t="t"/>
+            <a:avLst/>
+            <a:gdLst/>
+            <a:ahLst/>
+            <a:cxnLst/>
+            <a:rect l="l" t="t" r="r" b="b"/>
             <a:pathLst>
-              <a:path extrusionOk="0" h="120000" w="120000">
+              <a:path w="120000" h="120000" extrusionOk="0">
                 <a:moveTo>
                   <a:pt x="0" y="0"/>
                 </a:moveTo>
@@ -1469,9 +1525,11 @@
       <p:sp>
         <p:nvSpPr>
           <p:cNvPr id="80" name="Google Shape;80;gb2d4fa0f3c_0_66:notes"/>
-          <p:cNvSpPr txBox="1"/>
+          <p:cNvSpPr txBox="1">
+            <a:spLocks noGrp="1"/>
+          </p:cNvSpPr>
           <p:nvPr>
-            <p:ph idx="1" type="body"/>
+            <p:ph type="body" idx="1"/>
           </p:nvPr>
         </p:nvSpPr>
         <p:spPr>
@@ -1484,12 +1542,12 @@
           </a:prstGeom>
         </p:spPr>
         <p:txBody>
-          <a:bodyPr anchorCtr="0" anchor="t" bIns="91425" lIns="91425" spcFirstLastPara="1" rIns="91425" wrap="square" tIns="91425">
+          <a:bodyPr spcFirstLastPara="1" wrap="square" lIns="91425" tIns="91425" rIns="91425" bIns="91425" anchor="t" anchorCtr="0">
             <a:noAutofit/>
           </a:bodyPr>
           <a:lstStyle/>
           <a:p>
-            <a:pPr indent="0" lvl="0" marL="0" rtl="0" algn="l">
+            <a:pPr marL="0" lvl="0" indent="0" algn="l" rtl="0">
               <a:spcBef>
                 <a:spcPts val="0"/>
               </a:spcBef>
@@ -1498,9 +1556,6 @@
               </a:spcAft>
               <a:buNone/>
             </a:pPr>
-            <a:r>
-              <a:t/>
-            </a:r>
             <a:endParaRPr/>
           </a:p>
         </p:txBody>
@@ -1514,11 +1569,11 @@
 </file>
 
 <file path=ppt/notesSlides/notesSlide5.xml><?xml version="1.0" encoding="utf-8"?>
-<p:notes xmlns:a="http://schemas.openxmlformats.org/drawingml/2006/main" xmlns:r="http://schemas.openxmlformats.org/officeDocument/2006/relationships" xmlns:mc="http://schemas.openxmlformats.org/markup-compatibility/2006" xmlns:mv="urn:schemas-microsoft-com:mac:vml" xmlns:p="http://schemas.openxmlformats.org/presentationml/2006/main" xmlns:c="http://schemas.openxmlformats.org/drawingml/2006/chart" xmlns:dgm="http://schemas.openxmlformats.org/drawingml/2006/diagram" xmlns:o="urn:schemas-microsoft-com:office:office" xmlns:v="urn:schemas-microsoft-com:vml" xmlns:pvml="urn:schemas-microsoft-com:office:powerpoint" xmlns:com="http://schemas.openxmlformats.org/drawingml/2006/compatibility" xmlns:p14="http://schemas.microsoft.com/office/powerpoint/2010/main" xmlns:p15="http://schemas.microsoft.com/office/powerpoint/2012/main" xmlns:ahyp="http://schemas.microsoft.com/office/drawing/2018/hyperlinkcolor" showMasterPhAnim="0" showMasterSp="0">
+<p:notes xmlns:a="http://schemas.openxmlformats.org/drawingml/2006/main" xmlns:r="http://schemas.openxmlformats.org/officeDocument/2006/relationships" xmlns:p="http://schemas.openxmlformats.org/presentationml/2006/main" showMasterSp="0" showMasterPhAnim="0">
   <p:cSld>
     <p:spTree>
       <p:nvGrpSpPr>
-        <p:cNvPr id="84" name="Shape 84"/>
+        <p:cNvPr id="1" name="Shape 84"/>
         <p:cNvGrpSpPr/>
         <p:nvPr/>
       </p:nvGrpSpPr>
@@ -1533,9 +1588,11 @@
       <p:sp>
         <p:nvSpPr>
           <p:cNvPr id="85" name="Google Shape;85;gb2d4fa0f3c_0_77:notes"/>
-          <p:cNvSpPr/>
+          <p:cNvSpPr>
+            <a:spLocks noGrp="1" noRot="1" noChangeAspect="1"/>
+          </p:cNvSpPr>
           <p:nvPr>
-            <p:ph idx="2" type="sldImg"/>
+            <p:ph type="sldImg" idx="2"/>
           </p:nvPr>
         </p:nvSpPr>
         <p:spPr>
@@ -1544,9 +1601,13 @@
             <a:ext cx="6096000" cy="3429000"/>
           </a:xfrm>
           <a:custGeom>
-            <a:rect b="b" l="l" r="r" t="t"/>
+            <a:avLst/>
+            <a:gdLst/>
+            <a:ahLst/>
+            <a:cxnLst/>
+            <a:rect l="l" t="t" r="r" b="b"/>
             <a:pathLst>
-              <a:path extrusionOk="0" h="120000" w="120000">
+              <a:path w="120000" h="120000" extrusionOk="0">
                 <a:moveTo>
                   <a:pt x="0" y="0"/>
                 </a:moveTo>
@@ -1568,9 +1629,11 @@
       <p:sp>
         <p:nvSpPr>
           <p:cNvPr id="86" name="Google Shape;86;gb2d4fa0f3c_0_77:notes"/>
-          <p:cNvSpPr txBox="1"/>
+          <p:cNvSpPr txBox="1">
+            <a:spLocks noGrp="1"/>
+          </p:cNvSpPr>
           <p:nvPr>
-            <p:ph idx="1" type="body"/>
+            <p:ph type="body" idx="1"/>
           </p:nvPr>
         </p:nvSpPr>
         <p:spPr>
@@ -1583,12 +1646,12 @@
           </a:prstGeom>
         </p:spPr>
         <p:txBody>
-          <a:bodyPr anchorCtr="0" anchor="t" bIns="91425" lIns="91425" spcFirstLastPara="1" rIns="91425" wrap="square" tIns="91425">
+          <a:bodyPr spcFirstLastPara="1" wrap="square" lIns="91425" tIns="91425" rIns="91425" bIns="91425" anchor="t" anchorCtr="0">
             <a:noAutofit/>
           </a:bodyPr>
           <a:lstStyle/>
           <a:p>
-            <a:pPr indent="0" lvl="0" marL="0" rtl="0" algn="l">
+            <a:pPr marL="0" lvl="0" indent="0" algn="l" rtl="0">
               <a:spcBef>
                 <a:spcPts val="0"/>
               </a:spcBef>
@@ -1597,9 +1660,6 @@
               </a:spcAft>
               <a:buNone/>
             </a:pPr>
-            <a:r>
-              <a:t/>
-            </a:r>
             <a:endParaRPr/>
           </a:p>
         </p:txBody>
@@ -1613,11 +1673,11 @@
 </file>
 
 <file path=ppt/notesSlides/notesSlide6.xml><?xml version="1.0" encoding="utf-8"?>
-<p:notes xmlns:a="http://schemas.openxmlformats.org/drawingml/2006/main" xmlns:r="http://schemas.openxmlformats.org/officeDocument/2006/relationships" xmlns:mc="http://schemas.openxmlformats.org/markup-compatibility/2006" xmlns:mv="urn:schemas-microsoft-com:mac:vml" xmlns:p="http://schemas.openxmlformats.org/presentationml/2006/main" xmlns:c="http://schemas.openxmlformats.org/drawingml/2006/chart" xmlns:dgm="http://schemas.openxmlformats.org/drawingml/2006/diagram" xmlns:o="urn:schemas-microsoft-com:office:office" xmlns:v="urn:schemas-microsoft-com:vml" xmlns:pvml="urn:schemas-microsoft-com:office:powerpoint" xmlns:com="http://schemas.openxmlformats.org/drawingml/2006/compatibility" xmlns:p14="http://schemas.microsoft.com/office/powerpoint/2010/main" xmlns:p15="http://schemas.microsoft.com/office/powerpoint/2012/main" xmlns:ahyp="http://schemas.microsoft.com/office/drawing/2018/hyperlinkcolor" showMasterPhAnim="0" showMasterSp="0">
+<p:notes xmlns:a="http://schemas.openxmlformats.org/drawingml/2006/main" xmlns:r="http://schemas.openxmlformats.org/officeDocument/2006/relationships" xmlns:p="http://schemas.openxmlformats.org/presentationml/2006/main" showMasterSp="0" showMasterPhAnim="0">
   <p:cSld>
     <p:spTree>
       <p:nvGrpSpPr>
-        <p:cNvPr id="89" name="Shape 89"/>
+        <p:cNvPr id="1" name="Shape 89"/>
         <p:cNvGrpSpPr/>
         <p:nvPr/>
       </p:nvGrpSpPr>
@@ -1632,9 +1692,11 @@
       <p:sp>
         <p:nvSpPr>
           <p:cNvPr id="90" name="Google Shape;90;gb2d4fa0f3c_0_88:notes"/>
-          <p:cNvSpPr/>
+          <p:cNvSpPr>
+            <a:spLocks noGrp="1" noRot="1" noChangeAspect="1"/>
+          </p:cNvSpPr>
           <p:nvPr>
-            <p:ph idx="2" type="sldImg"/>
+            <p:ph type="sldImg" idx="2"/>
           </p:nvPr>
         </p:nvSpPr>
         <p:spPr>
@@ -1643,9 +1705,13 @@
             <a:ext cx="6096000" cy="3429000"/>
           </a:xfrm>
           <a:custGeom>
-            <a:rect b="b" l="l" r="r" t="t"/>
+            <a:avLst/>
+            <a:gdLst/>
+            <a:ahLst/>
+            <a:cxnLst/>
+            <a:rect l="l" t="t" r="r" b="b"/>
             <a:pathLst>
-              <a:path extrusionOk="0" h="120000" w="120000">
+              <a:path w="120000" h="120000" extrusionOk="0">
                 <a:moveTo>
                   <a:pt x="0" y="0"/>
                 </a:moveTo>
@@ -1667,9 +1733,11 @@
       <p:sp>
         <p:nvSpPr>
           <p:cNvPr id="91" name="Google Shape;91;gb2d4fa0f3c_0_88:notes"/>
-          <p:cNvSpPr txBox="1"/>
+          <p:cNvSpPr txBox="1">
+            <a:spLocks noGrp="1"/>
+          </p:cNvSpPr>
           <p:nvPr>
-            <p:ph idx="1" type="body"/>
+            <p:ph type="body" idx="1"/>
           </p:nvPr>
         </p:nvSpPr>
         <p:spPr>
@@ -1682,12 +1750,12 @@
           </a:prstGeom>
         </p:spPr>
         <p:txBody>
-          <a:bodyPr anchorCtr="0" anchor="t" bIns="91425" lIns="91425" spcFirstLastPara="1" rIns="91425" wrap="square" tIns="91425">
+          <a:bodyPr spcFirstLastPara="1" wrap="square" lIns="91425" tIns="91425" rIns="91425" bIns="91425" anchor="t" anchorCtr="0">
             <a:noAutofit/>
           </a:bodyPr>
           <a:lstStyle/>
           <a:p>
-            <a:pPr indent="0" lvl="0" marL="0" rtl="0" algn="l">
+            <a:pPr marL="0" lvl="0" indent="0" algn="l" rtl="0">
               <a:spcBef>
                 <a:spcPts val="0"/>
               </a:spcBef>
@@ -1696,9 +1764,6 @@
               </a:spcAft>
               <a:buNone/>
             </a:pPr>
-            <a:r>
-              <a:t/>
-            </a:r>
             <a:endParaRPr/>
           </a:p>
         </p:txBody>
@@ -1712,11 +1777,11 @@
 </file>
 
 <file path=ppt/notesSlides/notesSlide7.xml><?xml version="1.0" encoding="utf-8"?>
-<p:notes xmlns:a="http://schemas.openxmlformats.org/drawingml/2006/main" xmlns:r="http://schemas.openxmlformats.org/officeDocument/2006/relationships" xmlns:mc="http://schemas.openxmlformats.org/markup-compatibility/2006" xmlns:mv="urn:schemas-microsoft-com:mac:vml" xmlns:p="http://schemas.openxmlformats.org/presentationml/2006/main" xmlns:c="http://schemas.openxmlformats.org/drawingml/2006/chart" xmlns:dgm="http://schemas.openxmlformats.org/drawingml/2006/diagram" xmlns:o="urn:schemas-microsoft-com:office:office" xmlns:v="urn:schemas-microsoft-com:vml" xmlns:pvml="urn:schemas-microsoft-com:office:powerpoint" xmlns:com="http://schemas.openxmlformats.org/drawingml/2006/compatibility" xmlns:p14="http://schemas.microsoft.com/office/powerpoint/2010/main" xmlns:p15="http://schemas.microsoft.com/office/powerpoint/2012/main" xmlns:ahyp="http://schemas.microsoft.com/office/drawing/2018/hyperlinkcolor" showMasterPhAnim="0" showMasterSp="0">
+<p:notes xmlns:a="http://schemas.openxmlformats.org/drawingml/2006/main" xmlns:r="http://schemas.openxmlformats.org/officeDocument/2006/relationships" xmlns:p="http://schemas.openxmlformats.org/presentationml/2006/main" showMasterSp="0" showMasterPhAnim="0">
   <p:cSld>
     <p:spTree>
       <p:nvGrpSpPr>
-        <p:cNvPr id="94" name="Shape 94"/>
+        <p:cNvPr id="1" name="Shape 94"/>
         <p:cNvGrpSpPr/>
         <p:nvPr/>
       </p:nvGrpSpPr>
@@ -1731,9 +1796,11 @@
       <p:sp>
         <p:nvSpPr>
           <p:cNvPr id="95" name="Google Shape;95;gb48cc048dc_0_0:notes"/>
-          <p:cNvSpPr/>
+          <p:cNvSpPr>
+            <a:spLocks noGrp="1" noRot="1" noChangeAspect="1"/>
+          </p:cNvSpPr>
           <p:nvPr>
-            <p:ph idx="2" type="sldImg"/>
+            <p:ph type="sldImg" idx="2"/>
           </p:nvPr>
         </p:nvSpPr>
         <p:spPr>
@@ -1742,9 +1809,13 @@
             <a:ext cx="6096000" cy="3429000"/>
           </a:xfrm>
           <a:custGeom>
-            <a:rect b="b" l="l" r="r" t="t"/>
+            <a:avLst/>
+            <a:gdLst/>
+            <a:ahLst/>
+            <a:cxnLst/>
+            <a:rect l="l" t="t" r="r" b="b"/>
             <a:pathLst>
-              <a:path extrusionOk="0" h="120000" w="120000">
+              <a:path w="120000" h="120000" extrusionOk="0">
                 <a:moveTo>
                   <a:pt x="0" y="0"/>
                 </a:moveTo>
@@ -1766,9 +1837,11 @@
       <p:sp>
         <p:nvSpPr>
           <p:cNvPr id="96" name="Google Shape;96;gb48cc048dc_0_0:notes"/>
-          <p:cNvSpPr txBox="1"/>
+          <p:cNvSpPr txBox="1">
+            <a:spLocks noGrp="1"/>
+          </p:cNvSpPr>
           <p:nvPr>
-            <p:ph idx="1" type="body"/>
+            <p:ph type="body" idx="1"/>
           </p:nvPr>
         </p:nvSpPr>
         <p:spPr>
@@ -1781,12 +1854,12 @@
           </a:prstGeom>
         </p:spPr>
         <p:txBody>
-          <a:bodyPr anchorCtr="0" anchor="t" bIns="91425" lIns="91425" spcFirstLastPara="1" rIns="91425" wrap="square" tIns="91425">
+          <a:bodyPr spcFirstLastPara="1" wrap="square" lIns="91425" tIns="91425" rIns="91425" bIns="91425" anchor="t" anchorCtr="0">
             <a:noAutofit/>
           </a:bodyPr>
           <a:lstStyle/>
           <a:p>
-            <a:pPr indent="0" lvl="0" marL="0" rtl="0" algn="l">
+            <a:pPr marL="0" lvl="0" indent="0" algn="l" rtl="0">
               <a:spcBef>
                 <a:spcPts val="0"/>
               </a:spcBef>
@@ -1795,9 +1868,6 @@
               </a:spcAft>
               <a:buNone/>
             </a:pPr>
-            <a:r>
-              <a:t/>
-            </a:r>
             <a:endParaRPr/>
           </a:p>
         </p:txBody>
@@ -1811,11 +1881,11 @@
 </file>
 
 <file path=ppt/notesSlides/notesSlide8.xml><?xml version="1.0" encoding="utf-8"?>
-<p:notes xmlns:a="http://schemas.openxmlformats.org/drawingml/2006/main" xmlns:r="http://schemas.openxmlformats.org/officeDocument/2006/relationships" xmlns:mc="http://schemas.openxmlformats.org/markup-compatibility/2006" xmlns:mv="urn:schemas-microsoft-com:mac:vml" xmlns:p="http://schemas.openxmlformats.org/presentationml/2006/main" xmlns:c="http://schemas.openxmlformats.org/drawingml/2006/chart" xmlns:dgm="http://schemas.openxmlformats.org/drawingml/2006/diagram" xmlns:o="urn:schemas-microsoft-com:office:office" xmlns:v="urn:schemas-microsoft-com:vml" xmlns:pvml="urn:schemas-microsoft-com:office:powerpoint" xmlns:com="http://schemas.openxmlformats.org/drawingml/2006/compatibility" xmlns:p14="http://schemas.microsoft.com/office/powerpoint/2010/main" xmlns:p15="http://schemas.microsoft.com/office/powerpoint/2012/main" xmlns:ahyp="http://schemas.microsoft.com/office/drawing/2018/hyperlinkcolor" showMasterPhAnim="0" showMasterSp="0">
+<p:notes xmlns:a="http://schemas.openxmlformats.org/drawingml/2006/main" xmlns:r="http://schemas.openxmlformats.org/officeDocument/2006/relationships" xmlns:p="http://schemas.openxmlformats.org/presentationml/2006/main" showMasterSp="0" showMasterPhAnim="0">
   <p:cSld>
     <p:spTree>
       <p:nvGrpSpPr>
-        <p:cNvPr id="101" name="Shape 101"/>
+        <p:cNvPr id="1" name="Shape 101"/>
         <p:cNvGrpSpPr/>
         <p:nvPr/>
       </p:nvGrpSpPr>
@@ -1830,9 +1900,11 @@
       <p:sp>
         <p:nvSpPr>
           <p:cNvPr id="102" name="Google Shape;102;gb48cc048dc_0_85:notes"/>
-          <p:cNvSpPr/>
+          <p:cNvSpPr>
+            <a:spLocks noGrp="1" noRot="1" noChangeAspect="1"/>
+          </p:cNvSpPr>
           <p:nvPr>
-            <p:ph idx="2" type="sldImg"/>
+            <p:ph type="sldImg" idx="2"/>
           </p:nvPr>
         </p:nvSpPr>
         <p:spPr>
@@ -1841,9 +1913,13 @@
             <a:ext cx="6096000" cy="3429000"/>
           </a:xfrm>
           <a:custGeom>
-            <a:rect b="b" l="l" r="r" t="t"/>
+            <a:avLst/>
+            <a:gdLst/>
+            <a:ahLst/>
+            <a:cxnLst/>
+            <a:rect l="l" t="t" r="r" b="b"/>
             <a:pathLst>
-              <a:path extrusionOk="0" h="120000" w="120000">
+              <a:path w="120000" h="120000" extrusionOk="0">
                 <a:moveTo>
                   <a:pt x="0" y="0"/>
                 </a:moveTo>
@@ -1865,9 +1941,11 @@
       <p:sp>
         <p:nvSpPr>
           <p:cNvPr id="103" name="Google Shape;103;gb48cc048dc_0_85:notes"/>
-          <p:cNvSpPr txBox="1"/>
+          <p:cNvSpPr txBox="1">
+            <a:spLocks noGrp="1"/>
+          </p:cNvSpPr>
           <p:nvPr>
-            <p:ph idx="1" type="body"/>
+            <p:ph type="body" idx="1"/>
           </p:nvPr>
         </p:nvSpPr>
         <p:spPr>
@@ -1880,12 +1958,12 @@
           </a:prstGeom>
         </p:spPr>
         <p:txBody>
-          <a:bodyPr anchorCtr="0" anchor="t" bIns="91425" lIns="91425" spcFirstLastPara="1" rIns="91425" wrap="square" tIns="91425">
+          <a:bodyPr spcFirstLastPara="1" wrap="square" lIns="91425" tIns="91425" rIns="91425" bIns="91425" anchor="t" anchorCtr="0">
             <a:noAutofit/>
           </a:bodyPr>
           <a:lstStyle/>
           <a:p>
-            <a:pPr indent="0" lvl="0" marL="0" rtl="0" algn="l">
+            <a:pPr marL="0" lvl="0" indent="0" algn="l" rtl="0">
               <a:spcBef>
                 <a:spcPts val="0"/>
               </a:spcBef>
@@ -1894,9 +1972,6 @@
               </a:spcAft>
               <a:buNone/>
             </a:pPr>
-            <a:r>
-              <a:t/>
-            </a:r>
             <a:endParaRPr/>
           </a:p>
         </p:txBody>
@@ -1910,11 +1985,11 @@
 </file>
 
 <file path=ppt/notesSlides/notesSlide9.xml><?xml version="1.0" encoding="utf-8"?>
-<p:notes xmlns:a="http://schemas.openxmlformats.org/drawingml/2006/main" xmlns:r="http://schemas.openxmlformats.org/officeDocument/2006/relationships" xmlns:mc="http://schemas.openxmlformats.org/markup-compatibility/2006" xmlns:mv="urn:schemas-microsoft-com:mac:vml" xmlns:p="http://schemas.openxmlformats.org/presentationml/2006/main" xmlns:c="http://schemas.openxmlformats.org/drawingml/2006/chart" xmlns:dgm="http://schemas.openxmlformats.org/drawingml/2006/diagram" xmlns:o="urn:schemas-microsoft-com:office:office" xmlns:v="urn:schemas-microsoft-com:vml" xmlns:pvml="urn:schemas-microsoft-com:office:powerpoint" xmlns:com="http://schemas.openxmlformats.org/drawingml/2006/compatibility" xmlns:p14="http://schemas.microsoft.com/office/powerpoint/2010/main" xmlns:p15="http://schemas.microsoft.com/office/powerpoint/2012/main" xmlns:ahyp="http://schemas.microsoft.com/office/drawing/2018/hyperlinkcolor" showMasterPhAnim="0" showMasterSp="0">
+<p:notes xmlns:a="http://schemas.openxmlformats.org/drawingml/2006/main" xmlns:r="http://schemas.openxmlformats.org/officeDocument/2006/relationships" xmlns:p="http://schemas.openxmlformats.org/presentationml/2006/main" showMasterSp="0" showMasterPhAnim="0">
   <p:cSld>
     <p:spTree>
       <p:nvGrpSpPr>
-        <p:cNvPr id="107" name="Shape 107"/>
+        <p:cNvPr id="1" name="Shape 107"/>
         <p:cNvGrpSpPr/>
         <p:nvPr/>
       </p:nvGrpSpPr>
@@ -1929,9 +2004,11 @@
       <p:sp>
         <p:nvSpPr>
           <p:cNvPr id="108" name="Google Shape;108;gb48cc048dc_0_89:notes"/>
-          <p:cNvSpPr/>
+          <p:cNvSpPr>
+            <a:spLocks noGrp="1" noRot="1" noChangeAspect="1"/>
+          </p:cNvSpPr>
           <p:nvPr>
-            <p:ph idx="2" type="sldImg"/>
+            <p:ph type="sldImg" idx="2"/>
           </p:nvPr>
         </p:nvSpPr>
         <p:spPr>
@@ -1940,9 +2017,13 @@
             <a:ext cx="6096000" cy="3429000"/>
           </a:xfrm>
           <a:custGeom>
-            <a:rect b="b" l="l" r="r" t="t"/>
+            <a:avLst/>
+            <a:gdLst/>
+            <a:ahLst/>
+            <a:cxnLst/>
+            <a:rect l="l" t="t" r="r" b="b"/>
             <a:pathLst>
-              <a:path extrusionOk="0" h="120000" w="120000">
+              <a:path w="120000" h="120000" extrusionOk="0">
                 <a:moveTo>
                   <a:pt x="0" y="0"/>
                 </a:moveTo>
@@ -1964,9 +2045,11 @@
       <p:sp>
         <p:nvSpPr>
           <p:cNvPr id="109" name="Google Shape;109;gb48cc048dc_0_89:notes"/>
-          <p:cNvSpPr txBox="1"/>
+          <p:cNvSpPr txBox="1">
+            <a:spLocks noGrp="1"/>
+          </p:cNvSpPr>
           <p:nvPr>
-            <p:ph idx="1" type="body"/>
+            <p:ph type="body" idx="1"/>
           </p:nvPr>
         </p:nvSpPr>
         <p:spPr>
@@ -1979,12 +2062,12 @@
           </a:prstGeom>
         </p:spPr>
         <p:txBody>
-          <a:bodyPr anchorCtr="0" anchor="t" bIns="91425" lIns="91425" spcFirstLastPara="1" rIns="91425" wrap="square" tIns="91425">
+          <a:bodyPr spcFirstLastPara="1" wrap="square" lIns="91425" tIns="91425" rIns="91425" bIns="91425" anchor="t" anchorCtr="0">
             <a:noAutofit/>
           </a:bodyPr>
           <a:lstStyle/>
           <a:p>
-            <a:pPr indent="0" lvl="0" marL="0" rtl="0" algn="l">
+            <a:pPr marL="0" lvl="0" indent="0" algn="l" rtl="0">
               <a:spcBef>
                 <a:spcPts val="0"/>
               </a:spcBef>
@@ -1993,9 +2076,6 @@
               </a:spcAft>
               <a:buNone/>
             </a:pPr>
-            <a:r>
-              <a:t/>
-            </a:r>
             <a:endParaRPr/>
           </a:p>
         </p:txBody>
@@ -2009,11 +2089,11 @@
 </file>
 
 <file path=ppt/slideLayouts/slideLayout1.xml><?xml version="1.0" encoding="utf-8"?>
-<p:sldLayout xmlns:a="http://schemas.openxmlformats.org/drawingml/2006/main" xmlns:r="http://schemas.openxmlformats.org/officeDocument/2006/relationships" xmlns:mc="http://schemas.openxmlformats.org/markup-compatibility/2006" xmlns:mv="urn:schemas-microsoft-com:mac:vml" xmlns:p="http://schemas.openxmlformats.org/presentationml/2006/main" xmlns:c="http://schemas.openxmlformats.org/drawingml/2006/chart" xmlns:dgm="http://schemas.openxmlformats.org/drawingml/2006/diagram" xmlns:o="urn:schemas-microsoft-com:office:office" xmlns:v="urn:schemas-microsoft-com:vml" xmlns:pvml="urn:schemas-microsoft-com:office:powerpoint" xmlns:com="http://schemas.openxmlformats.org/drawingml/2006/compatibility" xmlns:p14="http://schemas.microsoft.com/office/powerpoint/2010/main" xmlns:p15="http://schemas.microsoft.com/office/powerpoint/2012/main" xmlns:ahyp="http://schemas.microsoft.com/office/drawing/2018/hyperlinkcolor" matchingName="Title slide" type="title">
+<p:sldLayout xmlns:a="http://schemas.openxmlformats.org/drawingml/2006/main" xmlns:r="http://schemas.openxmlformats.org/officeDocument/2006/relationships" xmlns:p="http://schemas.openxmlformats.org/presentationml/2006/main" matchingName="Title slide" type="title">
   <p:cSld name="TITLE">
     <p:spTree>
       <p:nvGrpSpPr>
-        <p:cNvPr id="9" name="Shape 9"/>
+        <p:cNvPr id="1" name="Shape 9"/>
         <p:cNvGrpSpPr/>
         <p:nvPr/>
       </p:nvGrpSpPr>
@@ -2037,9 +2117,13 @@
             <a:ext cx="1081625" cy="1124950"/>
           </a:xfrm>
           <a:custGeom>
-            <a:rect b="b" l="l" r="r" t="t"/>
+            <a:avLst/>
+            <a:gdLst/>
+            <a:ahLst/>
+            <a:cxnLst/>
+            <a:rect l="l" t="t" r="r" b="b"/>
             <a:pathLst>
-              <a:path extrusionOk="0" h="44998" w="43265">
+              <a:path w="43265" h="44998" extrusionOk="0">
                 <a:moveTo>
                   <a:pt x="0" y="44998"/>
                 </a:moveTo>
@@ -2053,14 +2137,14 @@
             </a:pathLst>
           </a:custGeom>
           <a:noFill/>
-          <a:ln cap="flat" cmpd="sng" w="28575">
+          <a:ln w="28575" cap="flat" cmpd="sng">
             <a:solidFill>
               <a:schemeClr val="lt2"/>
             </a:solidFill>
             <a:prstDash val="solid"/>
             <a:miter lim="8000"/>
-            <a:headEnd len="sm" w="sm" type="none"/>
-            <a:tailEnd len="sm" w="sm" type="none"/>
+            <a:headEnd type="none" w="sm" len="sm"/>
+            <a:tailEnd type="none" w="sm" len="sm"/>
           </a:ln>
         </p:spPr>
       </p:sp>
@@ -2076,9 +2160,13 @@
             <a:ext cx="1081625" cy="1124950"/>
           </a:xfrm>
           <a:custGeom>
-            <a:rect b="b" l="l" r="r" t="t"/>
+            <a:avLst/>
+            <a:gdLst/>
+            <a:ahLst/>
+            <a:cxnLst/>
+            <a:rect l="l" t="t" r="r" b="b"/>
             <a:pathLst>
-              <a:path extrusionOk="0" h="44998" w="43265">
+              <a:path w="43265" h="44998" extrusionOk="0">
                 <a:moveTo>
                   <a:pt x="0" y="44998"/>
                 </a:moveTo>
@@ -2092,21 +2180,23 @@
             </a:pathLst>
           </a:custGeom>
           <a:noFill/>
-          <a:ln cap="flat" cmpd="sng" w="28575">
+          <a:ln w="28575" cap="flat" cmpd="sng">
             <a:solidFill>
               <a:schemeClr val="lt2"/>
             </a:solidFill>
             <a:prstDash val="solid"/>
             <a:miter lim="8000"/>
-            <a:headEnd len="sm" w="sm" type="none"/>
-            <a:tailEnd len="sm" w="sm" type="none"/>
+            <a:headEnd type="none" w="sm" len="sm"/>
+            <a:tailEnd type="none" w="sm" len="sm"/>
           </a:ln>
         </p:spPr>
       </p:sp>
       <p:sp>
         <p:nvSpPr>
           <p:cNvPr id="12" name="Google Shape;12;p2"/>
-          <p:cNvSpPr txBox="1"/>
+          <p:cNvSpPr txBox="1">
+            <a:spLocks noGrp="1"/>
+          </p:cNvSpPr>
           <p:nvPr>
             <p:ph type="ctrTitle"/>
           </p:nvPr>
@@ -2121,7 +2211,7 @@
           </a:prstGeom>
         </p:spPr>
         <p:txBody>
-          <a:bodyPr anchorCtr="0" anchor="b" bIns="91425" lIns="91425" spcFirstLastPara="1" rIns="91425" wrap="square" tIns="91425">
+          <a:bodyPr spcFirstLastPara="1" wrap="square" lIns="91425" tIns="91425" rIns="91425" bIns="91425" anchor="b" anchorCtr="0">
             <a:noAutofit/>
           </a:bodyPr>
           <a:lstStyle>
@@ -2225,15 +2315,19 @@
               <a:defRPr/>
             </a:lvl9pPr>
           </a:lstStyle>
-          <a:p/>
+          <a:p>
+            <a:endParaRPr/>
+          </a:p>
         </p:txBody>
       </p:sp>
       <p:sp>
         <p:nvSpPr>
           <p:cNvPr id="13" name="Google Shape;13;p2"/>
-          <p:cNvSpPr txBox="1"/>
+          <p:cNvSpPr txBox="1">
+            <a:spLocks noGrp="1"/>
+          </p:cNvSpPr>
           <p:nvPr>
-            <p:ph idx="1" type="subTitle"/>
+            <p:ph type="subTitle" idx="1"/>
           </p:nvPr>
         </p:nvSpPr>
         <p:spPr>
@@ -2246,7 +2340,7 @@
           </a:prstGeom>
         </p:spPr>
         <p:txBody>
-          <a:bodyPr anchorCtr="0" anchor="t" bIns="91425" lIns="91425" spcFirstLastPara="1" rIns="91425" wrap="square" tIns="91425">
+          <a:bodyPr spcFirstLastPara="1" wrap="square" lIns="91425" tIns="91425" rIns="91425" bIns="91425" anchor="t" anchorCtr="0">
             <a:noAutofit/>
           </a:bodyPr>
           <a:lstStyle>
@@ -2431,15 +2525,19 @@
               </a:defRPr>
             </a:lvl9pPr>
           </a:lstStyle>
-          <a:p/>
+          <a:p>
+            <a:endParaRPr/>
+          </a:p>
         </p:txBody>
       </p:sp>
       <p:sp>
         <p:nvSpPr>
           <p:cNvPr id="14" name="Google Shape;14;p2"/>
-          <p:cNvSpPr txBox="1"/>
+          <p:cNvSpPr txBox="1">
+            <a:spLocks noGrp="1"/>
+          </p:cNvSpPr>
           <p:nvPr>
-            <p:ph idx="12" type="sldNum"/>
+            <p:ph type="sldNum" idx="12"/>
           </p:nvPr>
         </p:nvSpPr>
         <p:spPr>
@@ -2452,7 +2550,7 @@
           </a:prstGeom>
         </p:spPr>
         <p:txBody>
-          <a:bodyPr anchorCtr="0" anchor="ctr" bIns="91425" lIns="91425" spcFirstLastPara="1" rIns="91425" wrap="square" tIns="91425">
+          <a:bodyPr spcFirstLastPara="1" wrap="square" lIns="91425" tIns="91425" rIns="91425" bIns="91425" anchor="ctr" anchorCtr="0">
             <a:noAutofit/>
           </a:bodyPr>
           <a:lstStyle>
@@ -2494,7 +2592,7 @@
             </a:lvl9pPr>
           </a:lstStyle>
           <a:p>
-            <a:pPr indent="0" lvl="0" marL="0" rtl="0" algn="r">
+            <a:pPr marL="0" lvl="0" indent="0" algn="r" rtl="0">
               <a:spcBef>
                 <a:spcPts val="0"/>
               </a:spcBef>
@@ -2505,7 +2603,7 @@
             </a:pPr>
             <a:fld id="{00000000-1234-1234-1234-123412341234}" type="slidenum">
               <a:rPr lang="fr"/>
-              <a:t>‹#›</a:t>
+              <a:t>‹N°›</a:t>
             </a:fld>
             <a:endParaRPr/>
           </a:p>
@@ -2520,11 +2618,11 @@
 </file>
 
 <file path=ppt/slideLayouts/slideLayout10.xml><?xml version="1.0" encoding="utf-8"?>
-<p:sldLayout xmlns:a="http://schemas.openxmlformats.org/drawingml/2006/main" xmlns:r="http://schemas.openxmlformats.org/officeDocument/2006/relationships" xmlns:mc="http://schemas.openxmlformats.org/markup-compatibility/2006" xmlns:mv="urn:schemas-microsoft-com:mac:vml" xmlns:p="http://schemas.openxmlformats.org/presentationml/2006/main" xmlns:c="http://schemas.openxmlformats.org/drawingml/2006/chart" xmlns:dgm="http://schemas.openxmlformats.org/drawingml/2006/diagram" xmlns:o="urn:schemas-microsoft-com:office:office" xmlns:v="urn:schemas-microsoft-com:vml" xmlns:pvml="urn:schemas-microsoft-com:office:powerpoint" xmlns:com="http://schemas.openxmlformats.org/drawingml/2006/compatibility" xmlns:p14="http://schemas.microsoft.com/office/powerpoint/2010/main" xmlns:p15="http://schemas.microsoft.com/office/powerpoint/2012/main" xmlns:ahyp="http://schemas.microsoft.com/office/drawing/2018/hyperlinkcolor" matchingName="Big number">
+<p:sldLayout xmlns:a="http://schemas.openxmlformats.org/drawingml/2006/main" xmlns:r="http://schemas.openxmlformats.org/officeDocument/2006/relationships" xmlns:p="http://schemas.openxmlformats.org/presentationml/2006/main" matchingName="Big number">
   <p:cSld name="BIG_NUMBER">
     <p:spTree>
       <p:nvGrpSpPr>
-        <p:cNvPr id="51" name="Shape 51"/>
+        <p:cNvPr id="1" name="Shape 51"/>
         <p:cNvGrpSpPr/>
         <p:nvPr/>
       </p:nvGrpSpPr>
@@ -2558,12 +2656,12 @@
           </a:ln>
         </p:spPr>
         <p:txBody>
-          <a:bodyPr anchorCtr="0" anchor="ctr" bIns="91425" lIns="91425" spcFirstLastPara="1" rIns="91425" wrap="square" tIns="91425">
+          <a:bodyPr spcFirstLastPara="1" wrap="square" lIns="91425" tIns="91425" rIns="91425" bIns="91425" anchor="ctr" anchorCtr="0">
             <a:noAutofit/>
           </a:bodyPr>
           <a:lstStyle/>
           <a:p>
-            <a:pPr indent="0" lvl="0" marL="0" rtl="0" algn="l">
+            <a:pPr marL="0" lvl="0" indent="0" algn="l" rtl="0">
               <a:spcBef>
                 <a:spcPts val="0"/>
               </a:spcBef>
@@ -2572,9 +2670,6 @@
               </a:spcAft>
               <a:buNone/>
             </a:pPr>
-            <a:r>
-              <a:t/>
-            </a:r>
             <a:endParaRPr/>
           </a:p>
         </p:txBody>
@@ -2582,9 +2677,11 @@
       <p:sp>
         <p:nvSpPr>
           <p:cNvPr id="53" name="Google Shape;53;p11"/>
-          <p:cNvSpPr txBox="1"/>
+          <p:cNvSpPr txBox="1">
+            <a:spLocks noGrp="1"/>
+          </p:cNvSpPr>
           <p:nvPr>
-            <p:ph hasCustomPrompt="1" type="title"/>
+            <p:ph type="title" hasCustomPrompt="1"/>
           </p:nvPr>
         </p:nvSpPr>
         <p:spPr>
@@ -2597,7 +2694,7 @@
           </a:prstGeom>
         </p:spPr>
         <p:txBody>
-          <a:bodyPr anchorCtr="0" anchor="ctr" bIns="91425" lIns="91425" spcFirstLastPara="1" rIns="91425" wrap="square" tIns="91425">
+          <a:bodyPr spcFirstLastPara="1" wrap="square" lIns="91425" tIns="91425" rIns="91425" bIns="91425" anchor="ctr" anchorCtr="0">
             <a:noAutofit/>
           </a:bodyPr>
           <a:lstStyle>
@@ -2774,9 +2871,11 @@
       <p:sp>
         <p:nvSpPr>
           <p:cNvPr id="54" name="Google Shape;54;p11"/>
-          <p:cNvSpPr txBox="1"/>
+          <p:cNvSpPr txBox="1">
+            <a:spLocks noGrp="1"/>
+          </p:cNvSpPr>
           <p:nvPr>
-            <p:ph idx="1" type="body"/>
+            <p:ph type="body" idx="1"/>
           </p:nvPr>
         </p:nvSpPr>
         <p:spPr>
@@ -2789,11 +2888,11 @@
           </a:prstGeom>
         </p:spPr>
         <p:txBody>
-          <a:bodyPr anchorCtr="0" anchor="t" bIns="91425" lIns="91425" spcFirstLastPara="1" rIns="91425" wrap="square" tIns="91425">
+          <a:bodyPr spcFirstLastPara="1" wrap="square" lIns="91425" tIns="91425" rIns="91425" bIns="91425" anchor="t" anchorCtr="0">
             <a:noAutofit/>
           </a:bodyPr>
           <a:lstStyle>
-            <a:lvl1pPr indent="-342900" lvl="0" marL="457200" algn="ctr">
+            <a:lvl1pPr marL="457200" lvl="0" indent="-342900" algn="ctr">
               <a:spcBef>
                 <a:spcPts val="0"/>
               </a:spcBef>
@@ -2804,7 +2903,7 @@
               <a:buChar char="●"/>
               <a:defRPr/>
             </a:lvl1pPr>
-            <a:lvl2pPr indent="-317500" lvl="1" marL="914400" algn="ctr">
+            <a:lvl2pPr marL="914400" lvl="1" indent="-317500" algn="ctr">
               <a:spcBef>
                 <a:spcPts val="1600"/>
               </a:spcBef>
@@ -2815,7 +2914,7 @@
               <a:buChar char="○"/>
               <a:defRPr/>
             </a:lvl2pPr>
-            <a:lvl3pPr indent="-317500" lvl="2" marL="1371600" algn="ctr">
+            <a:lvl3pPr marL="1371600" lvl="2" indent="-317500" algn="ctr">
               <a:spcBef>
                 <a:spcPts val="1600"/>
               </a:spcBef>
@@ -2826,7 +2925,7 @@
               <a:buChar char="■"/>
               <a:defRPr/>
             </a:lvl3pPr>
-            <a:lvl4pPr indent="-317500" lvl="3" marL="1828800" algn="ctr">
+            <a:lvl4pPr marL="1828800" lvl="3" indent="-317500" algn="ctr">
               <a:spcBef>
                 <a:spcPts val="1600"/>
               </a:spcBef>
@@ -2837,7 +2936,7 @@
               <a:buChar char="●"/>
               <a:defRPr/>
             </a:lvl4pPr>
-            <a:lvl5pPr indent="-317500" lvl="4" marL="2286000" algn="ctr">
+            <a:lvl5pPr marL="2286000" lvl="4" indent="-317500" algn="ctr">
               <a:spcBef>
                 <a:spcPts val="1600"/>
               </a:spcBef>
@@ -2848,7 +2947,7 @@
               <a:buChar char="○"/>
               <a:defRPr/>
             </a:lvl5pPr>
-            <a:lvl6pPr indent="-317500" lvl="5" marL="2743200" algn="ctr">
+            <a:lvl6pPr marL="2743200" lvl="5" indent="-317500" algn="ctr">
               <a:spcBef>
                 <a:spcPts val="1600"/>
               </a:spcBef>
@@ -2859,7 +2958,7 @@
               <a:buChar char="■"/>
               <a:defRPr/>
             </a:lvl6pPr>
-            <a:lvl7pPr indent="-317500" lvl="6" marL="3200400" algn="ctr">
+            <a:lvl7pPr marL="3200400" lvl="6" indent="-317500" algn="ctr">
               <a:spcBef>
                 <a:spcPts val="1600"/>
               </a:spcBef>
@@ -2870,7 +2969,7 @@
               <a:buChar char="●"/>
               <a:defRPr/>
             </a:lvl7pPr>
-            <a:lvl8pPr indent="-317500" lvl="7" marL="3657600" algn="ctr">
+            <a:lvl8pPr marL="3657600" lvl="7" indent="-317500" algn="ctr">
               <a:spcBef>
                 <a:spcPts val="1600"/>
               </a:spcBef>
@@ -2881,7 +2980,7 @@
               <a:buChar char="○"/>
               <a:defRPr/>
             </a:lvl8pPr>
-            <a:lvl9pPr indent="-317500" lvl="8" marL="4114800" algn="ctr">
+            <a:lvl9pPr marL="4114800" lvl="8" indent="-317500" algn="ctr">
               <a:spcBef>
                 <a:spcPts val="1600"/>
               </a:spcBef>
@@ -2893,15 +2992,19 @@
               <a:defRPr/>
             </a:lvl9pPr>
           </a:lstStyle>
-          <a:p/>
+          <a:p>
+            <a:endParaRPr/>
+          </a:p>
         </p:txBody>
       </p:sp>
       <p:sp>
         <p:nvSpPr>
           <p:cNvPr id="55" name="Google Shape;55;p11"/>
-          <p:cNvSpPr txBox="1"/>
+          <p:cNvSpPr txBox="1">
+            <a:spLocks noGrp="1"/>
+          </p:cNvSpPr>
           <p:nvPr>
-            <p:ph idx="12" type="sldNum"/>
+            <p:ph type="sldNum" idx="12"/>
           </p:nvPr>
         </p:nvSpPr>
         <p:spPr>
@@ -2914,7 +3017,7 @@
           </a:prstGeom>
         </p:spPr>
         <p:txBody>
-          <a:bodyPr anchorCtr="0" anchor="ctr" bIns="91425" lIns="91425" spcFirstLastPara="1" rIns="91425" wrap="square" tIns="91425">
+          <a:bodyPr spcFirstLastPara="1" wrap="square" lIns="91425" tIns="91425" rIns="91425" bIns="91425" anchor="ctr" anchorCtr="0">
             <a:noAutofit/>
           </a:bodyPr>
           <a:lstStyle>
@@ -2956,7 +3059,7 @@
             </a:lvl9pPr>
           </a:lstStyle>
           <a:p>
-            <a:pPr indent="0" lvl="0" marL="0" rtl="0" algn="r">
+            <a:pPr marL="0" lvl="0" indent="0" algn="r" rtl="0">
               <a:spcBef>
                 <a:spcPts val="0"/>
               </a:spcBef>
@@ -2967,7 +3070,7 @@
             </a:pPr>
             <a:fld id="{00000000-1234-1234-1234-123412341234}" type="slidenum">
               <a:rPr lang="fr"/>
-              <a:t>‹#›</a:t>
+              <a:t>‹N°›</a:t>
             </a:fld>
             <a:endParaRPr/>
           </a:p>
@@ -2982,11 +3085,11 @@
 </file>
 
 <file path=ppt/slideLayouts/slideLayout11.xml><?xml version="1.0" encoding="utf-8"?>
-<p:sldLayout xmlns:a="http://schemas.openxmlformats.org/drawingml/2006/main" xmlns:r="http://schemas.openxmlformats.org/officeDocument/2006/relationships" xmlns:mc="http://schemas.openxmlformats.org/markup-compatibility/2006" xmlns:mv="urn:schemas-microsoft-com:mac:vml" xmlns:p="http://schemas.openxmlformats.org/presentationml/2006/main" xmlns:c="http://schemas.openxmlformats.org/drawingml/2006/chart" xmlns:dgm="http://schemas.openxmlformats.org/drawingml/2006/diagram" xmlns:o="urn:schemas-microsoft-com:office:office" xmlns:v="urn:schemas-microsoft-com:vml" xmlns:pvml="urn:schemas-microsoft-com:office:powerpoint" xmlns:com="http://schemas.openxmlformats.org/drawingml/2006/compatibility" xmlns:p14="http://schemas.microsoft.com/office/powerpoint/2010/main" xmlns:p15="http://schemas.microsoft.com/office/powerpoint/2012/main" xmlns:ahyp="http://schemas.microsoft.com/office/drawing/2018/hyperlinkcolor" matchingName="Blank" type="blank">
+<p:sldLayout xmlns:a="http://schemas.openxmlformats.org/drawingml/2006/main" xmlns:r="http://schemas.openxmlformats.org/officeDocument/2006/relationships" xmlns:p="http://schemas.openxmlformats.org/presentationml/2006/main" matchingName="Blank" type="blank">
   <p:cSld name="BLANK">
     <p:spTree>
       <p:nvGrpSpPr>
-        <p:cNvPr id="56" name="Shape 56"/>
+        <p:cNvPr id="1" name="Shape 56"/>
         <p:cNvGrpSpPr/>
         <p:nvPr/>
       </p:nvGrpSpPr>
@@ -3001,9 +3104,11 @@
       <p:sp>
         <p:nvSpPr>
           <p:cNvPr id="57" name="Google Shape;57;p12"/>
-          <p:cNvSpPr txBox="1"/>
+          <p:cNvSpPr txBox="1">
+            <a:spLocks noGrp="1"/>
+          </p:cNvSpPr>
           <p:nvPr>
-            <p:ph idx="12" type="sldNum"/>
+            <p:ph type="sldNum" idx="12"/>
           </p:nvPr>
         </p:nvSpPr>
         <p:spPr>
@@ -3016,7 +3121,7 @@
           </a:prstGeom>
         </p:spPr>
         <p:txBody>
-          <a:bodyPr anchorCtr="0" anchor="ctr" bIns="91425" lIns="91425" spcFirstLastPara="1" rIns="91425" wrap="square" tIns="91425">
+          <a:bodyPr spcFirstLastPara="1" wrap="square" lIns="91425" tIns="91425" rIns="91425" bIns="91425" anchor="ctr" anchorCtr="0">
             <a:noAutofit/>
           </a:bodyPr>
           <a:lstStyle>
@@ -3058,7 +3163,7 @@
             </a:lvl9pPr>
           </a:lstStyle>
           <a:p>
-            <a:pPr indent="0" lvl="0" marL="0" rtl="0" algn="r">
+            <a:pPr marL="0" lvl="0" indent="0" algn="r" rtl="0">
               <a:spcBef>
                 <a:spcPts val="0"/>
               </a:spcBef>
@@ -3069,7 +3174,7 @@
             </a:pPr>
             <a:fld id="{00000000-1234-1234-1234-123412341234}" type="slidenum">
               <a:rPr lang="fr"/>
-              <a:t>‹#›</a:t>
+              <a:t>‹N°›</a:t>
             </a:fld>
             <a:endParaRPr/>
           </a:p>
@@ -3084,11 +3189,11 @@
 </file>
 
 <file path=ppt/slideLayouts/slideLayout2.xml><?xml version="1.0" encoding="utf-8"?>
-<p:sldLayout xmlns:a="http://schemas.openxmlformats.org/drawingml/2006/main" xmlns:r="http://schemas.openxmlformats.org/officeDocument/2006/relationships" xmlns:mc="http://schemas.openxmlformats.org/markup-compatibility/2006" xmlns:mv="urn:schemas-microsoft-com:mac:vml" xmlns:p="http://schemas.openxmlformats.org/presentationml/2006/main" xmlns:c="http://schemas.openxmlformats.org/drawingml/2006/chart" xmlns:dgm="http://schemas.openxmlformats.org/drawingml/2006/diagram" xmlns:o="urn:schemas-microsoft-com:office:office" xmlns:v="urn:schemas-microsoft-com:vml" xmlns:pvml="urn:schemas-microsoft-com:office:powerpoint" xmlns:com="http://schemas.openxmlformats.org/drawingml/2006/compatibility" xmlns:p14="http://schemas.microsoft.com/office/powerpoint/2010/main" xmlns:p15="http://schemas.microsoft.com/office/powerpoint/2012/main" xmlns:ahyp="http://schemas.microsoft.com/office/drawing/2018/hyperlinkcolor" matchingName="Section header" type="secHead">
+<p:sldLayout xmlns:a="http://schemas.openxmlformats.org/drawingml/2006/main" xmlns:r="http://schemas.openxmlformats.org/officeDocument/2006/relationships" xmlns:p="http://schemas.openxmlformats.org/presentationml/2006/main" matchingName="Section header" type="secHead">
   <p:cSld name="SECTION_HEADER">
     <p:spTree>
       <p:nvGrpSpPr>
-        <p:cNvPr id="15" name="Shape 15"/>
+        <p:cNvPr id="1" name="Shape 15"/>
         <p:cNvGrpSpPr/>
         <p:nvPr/>
       </p:nvGrpSpPr>
@@ -3112,9 +3217,13 @@
             <a:ext cx="1081625" cy="1124950"/>
           </a:xfrm>
           <a:custGeom>
-            <a:rect b="b" l="l" r="r" t="t"/>
+            <a:avLst/>
+            <a:gdLst/>
+            <a:ahLst/>
+            <a:cxnLst/>
+            <a:rect l="l" t="t" r="r" b="b"/>
             <a:pathLst>
-              <a:path extrusionOk="0" h="44998" w="43265">
+              <a:path w="43265" h="44998" extrusionOk="0">
                 <a:moveTo>
                   <a:pt x="0" y="44998"/>
                 </a:moveTo>
@@ -3128,14 +3237,14 @@
             </a:pathLst>
           </a:custGeom>
           <a:noFill/>
-          <a:ln cap="flat" cmpd="sng" w="28575">
+          <a:ln w="28575" cap="flat" cmpd="sng">
             <a:solidFill>
               <a:schemeClr val="lt2"/>
             </a:solidFill>
             <a:prstDash val="solid"/>
             <a:miter lim="8000"/>
-            <a:headEnd len="sm" w="sm" type="none"/>
-            <a:tailEnd len="sm" w="sm" type="none"/>
+            <a:headEnd type="none" w="sm" len="sm"/>
+            <a:tailEnd type="none" w="sm" len="sm"/>
           </a:ln>
         </p:spPr>
       </p:sp>
@@ -3146,14 +3255,18 @@
           <p:nvPr/>
         </p:nvSpPr>
         <p:spPr>
-          <a:xfrm flipH="1" rot="10800000">
+          <a:xfrm rot="10800000" flipH="1">
             <a:off x="466425" y="3558325"/>
             <a:ext cx="1081625" cy="1124950"/>
           </a:xfrm>
           <a:custGeom>
-            <a:rect b="b" l="l" r="r" t="t"/>
+            <a:avLst/>
+            <a:gdLst/>
+            <a:ahLst/>
+            <a:cxnLst/>
+            <a:rect l="l" t="t" r="r" b="b"/>
             <a:pathLst>
-              <a:path extrusionOk="0" h="44998" w="43265">
+              <a:path w="43265" h="44998" extrusionOk="0">
                 <a:moveTo>
                   <a:pt x="0" y="44998"/>
                 </a:moveTo>
@@ -3167,21 +3280,23 @@
             </a:pathLst>
           </a:custGeom>
           <a:noFill/>
-          <a:ln cap="flat" cmpd="sng" w="28575">
+          <a:ln w="28575" cap="flat" cmpd="sng">
             <a:solidFill>
               <a:schemeClr val="lt2"/>
             </a:solidFill>
             <a:prstDash val="solid"/>
             <a:miter lim="8000"/>
-            <a:headEnd len="sm" w="sm" type="none"/>
-            <a:tailEnd len="sm" w="sm" type="none"/>
+            <a:headEnd type="none" w="sm" len="sm"/>
+            <a:tailEnd type="none" w="sm" len="sm"/>
           </a:ln>
         </p:spPr>
       </p:sp>
       <p:sp>
         <p:nvSpPr>
           <p:cNvPr id="18" name="Google Shape;18;p3"/>
-          <p:cNvSpPr txBox="1"/>
+          <p:cNvSpPr txBox="1">
+            <a:spLocks noGrp="1"/>
+          </p:cNvSpPr>
           <p:nvPr>
             <p:ph type="title"/>
           </p:nvPr>
@@ -3196,7 +3311,7 @@
           </a:prstGeom>
         </p:spPr>
         <p:txBody>
-          <a:bodyPr anchorCtr="0" anchor="ctr" bIns="91425" lIns="91425" spcFirstLastPara="1" rIns="91425" wrap="square" tIns="91425">
+          <a:bodyPr spcFirstLastPara="1" wrap="square" lIns="91425" tIns="91425" rIns="91425" bIns="91425" anchor="ctr" anchorCtr="0">
             <a:noAutofit/>
           </a:bodyPr>
           <a:lstStyle>
@@ -3300,15 +3415,19 @@
               <a:defRPr/>
             </a:lvl9pPr>
           </a:lstStyle>
-          <a:p/>
+          <a:p>
+            <a:endParaRPr/>
+          </a:p>
         </p:txBody>
       </p:sp>
       <p:sp>
         <p:nvSpPr>
           <p:cNvPr id="19" name="Google Shape;19;p3"/>
-          <p:cNvSpPr txBox="1"/>
+          <p:cNvSpPr txBox="1">
+            <a:spLocks noGrp="1"/>
+          </p:cNvSpPr>
           <p:nvPr>
-            <p:ph idx="12" type="sldNum"/>
+            <p:ph type="sldNum" idx="12"/>
           </p:nvPr>
         </p:nvSpPr>
         <p:spPr>
@@ -3321,7 +3440,7 @@
           </a:prstGeom>
         </p:spPr>
         <p:txBody>
-          <a:bodyPr anchorCtr="0" anchor="ctr" bIns="91425" lIns="91425" spcFirstLastPara="1" rIns="91425" wrap="square" tIns="91425">
+          <a:bodyPr spcFirstLastPara="1" wrap="square" lIns="91425" tIns="91425" rIns="91425" bIns="91425" anchor="ctr" anchorCtr="0">
             <a:noAutofit/>
           </a:bodyPr>
           <a:lstStyle>
@@ -3363,7 +3482,7 @@
             </a:lvl9pPr>
           </a:lstStyle>
           <a:p>
-            <a:pPr indent="0" lvl="0" marL="0" rtl="0" algn="r">
+            <a:pPr marL="0" lvl="0" indent="0" algn="r" rtl="0">
               <a:spcBef>
                 <a:spcPts val="0"/>
               </a:spcBef>
@@ -3374,7 +3493,7 @@
             </a:pPr>
             <a:fld id="{00000000-1234-1234-1234-123412341234}" type="slidenum">
               <a:rPr lang="fr"/>
-              <a:t>‹#›</a:t>
+              <a:t>‹N°›</a:t>
             </a:fld>
             <a:endParaRPr/>
           </a:p>
@@ -3389,11 +3508,11 @@
 </file>
 
 <file path=ppt/slideLayouts/slideLayout3.xml><?xml version="1.0" encoding="utf-8"?>
-<p:sldLayout xmlns:a="http://schemas.openxmlformats.org/drawingml/2006/main" xmlns:r="http://schemas.openxmlformats.org/officeDocument/2006/relationships" xmlns:mc="http://schemas.openxmlformats.org/markup-compatibility/2006" xmlns:mv="urn:schemas-microsoft-com:mac:vml" xmlns:p="http://schemas.openxmlformats.org/presentationml/2006/main" xmlns:c="http://schemas.openxmlformats.org/drawingml/2006/chart" xmlns:dgm="http://schemas.openxmlformats.org/drawingml/2006/diagram" xmlns:o="urn:schemas-microsoft-com:office:office" xmlns:v="urn:schemas-microsoft-com:vml" xmlns:pvml="urn:schemas-microsoft-com:office:powerpoint" xmlns:com="http://schemas.openxmlformats.org/drawingml/2006/compatibility" xmlns:p14="http://schemas.microsoft.com/office/powerpoint/2010/main" xmlns:p15="http://schemas.microsoft.com/office/powerpoint/2012/main" xmlns:ahyp="http://schemas.microsoft.com/office/drawing/2018/hyperlinkcolor" matchingName="Title and body" type="tx">
+<p:sldLayout xmlns:a="http://schemas.openxmlformats.org/drawingml/2006/main" xmlns:r="http://schemas.openxmlformats.org/officeDocument/2006/relationships" xmlns:p="http://schemas.openxmlformats.org/presentationml/2006/main" matchingName="Title and body" type="tx">
   <p:cSld name="TITLE_AND_BODY">
     <p:spTree>
       <p:nvGrpSpPr>
-        <p:cNvPr id="20" name="Shape 20"/>
+        <p:cNvPr id="1" name="Shape 20"/>
         <p:cNvGrpSpPr/>
         <p:nvPr/>
       </p:nvGrpSpPr>
@@ -3427,12 +3546,12 @@
           </a:ln>
         </p:spPr>
         <p:txBody>
-          <a:bodyPr anchorCtr="0" anchor="ctr" bIns="91425" lIns="91425" spcFirstLastPara="1" rIns="91425" wrap="square" tIns="91425">
+          <a:bodyPr spcFirstLastPara="1" wrap="square" lIns="91425" tIns="91425" rIns="91425" bIns="91425" anchor="ctr" anchorCtr="0">
             <a:noAutofit/>
           </a:bodyPr>
           <a:lstStyle/>
           <a:p>
-            <a:pPr indent="0" lvl="0" marL="0" rtl="0" algn="l">
+            <a:pPr marL="0" lvl="0" indent="0" algn="l" rtl="0">
               <a:spcBef>
                 <a:spcPts val="0"/>
               </a:spcBef>
@@ -3441,9 +3560,6 @@
               </a:spcAft>
               <a:buNone/>
             </a:pPr>
-            <a:r>
-              <a:t/>
-            </a:r>
             <a:endParaRPr/>
           </a:p>
         </p:txBody>
@@ -3451,7 +3567,9 @@
       <p:sp>
         <p:nvSpPr>
           <p:cNvPr id="22" name="Google Shape;22;p4"/>
-          <p:cNvSpPr txBox="1"/>
+          <p:cNvSpPr txBox="1">
+            <a:spLocks noGrp="1"/>
+          </p:cNvSpPr>
           <p:nvPr>
             <p:ph type="title"/>
           </p:nvPr>
@@ -3466,7 +3584,7 @@
           </a:prstGeom>
         </p:spPr>
         <p:txBody>
-          <a:bodyPr anchorCtr="0" anchor="b" bIns="91425" lIns="91425" spcFirstLastPara="1" rIns="91425" wrap="square" tIns="91425">
+          <a:bodyPr spcFirstLastPara="1" wrap="square" lIns="91425" tIns="91425" rIns="91425" bIns="91425" anchor="b" anchorCtr="0">
             <a:noAutofit/>
           </a:bodyPr>
           <a:lstStyle>
@@ -3570,15 +3688,19 @@
               <a:defRPr/>
             </a:lvl9pPr>
           </a:lstStyle>
-          <a:p/>
+          <a:p>
+            <a:endParaRPr/>
+          </a:p>
         </p:txBody>
       </p:sp>
       <p:sp>
         <p:nvSpPr>
           <p:cNvPr id="23" name="Google Shape;23;p4"/>
-          <p:cNvSpPr txBox="1"/>
+          <p:cNvSpPr txBox="1">
+            <a:spLocks noGrp="1"/>
+          </p:cNvSpPr>
           <p:nvPr>
-            <p:ph idx="1" type="body"/>
+            <p:ph type="body" idx="1"/>
           </p:nvPr>
         </p:nvSpPr>
         <p:spPr>
@@ -3591,11 +3713,11 @@
           </a:prstGeom>
         </p:spPr>
         <p:txBody>
-          <a:bodyPr anchorCtr="0" anchor="t" bIns="91425" lIns="91425" spcFirstLastPara="1" rIns="91425" wrap="square" tIns="91425">
+          <a:bodyPr spcFirstLastPara="1" wrap="square" lIns="91425" tIns="91425" rIns="91425" bIns="91425" anchor="t" anchorCtr="0">
             <a:noAutofit/>
           </a:bodyPr>
           <a:lstStyle>
-            <a:lvl1pPr indent="-342900" lvl="0" marL="457200">
+            <a:lvl1pPr marL="457200" lvl="0" indent="-342900">
               <a:spcBef>
                 <a:spcPts val="0"/>
               </a:spcBef>
@@ -3606,7 +3728,7 @@
               <a:buChar char="●"/>
               <a:defRPr/>
             </a:lvl1pPr>
-            <a:lvl2pPr indent="-317500" lvl="1" marL="914400">
+            <a:lvl2pPr marL="914400" lvl="1" indent="-317500">
               <a:spcBef>
                 <a:spcPts val="1600"/>
               </a:spcBef>
@@ -3617,7 +3739,7 @@
               <a:buChar char="○"/>
               <a:defRPr/>
             </a:lvl2pPr>
-            <a:lvl3pPr indent="-317500" lvl="2" marL="1371600">
+            <a:lvl3pPr marL="1371600" lvl="2" indent="-317500">
               <a:spcBef>
                 <a:spcPts val="1600"/>
               </a:spcBef>
@@ -3628,7 +3750,7 @@
               <a:buChar char="■"/>
               <a:defRPr/>
             </a:lvl3pPr>
-            <a:lvl4pPr indent="-317500" lvl="3" marL="1828800">
+            <a:lvl4pPr marL="1828800" lvl="3" indent="-317500">
               <a:spcBef>
                 <a:spcPts val="1600"/>
               </a:spcBef>
@@ -3639,7 +3761,7 @@
               <a:buChar char="●"/>
               <a:defRPr/>
             </a:lvl4pPr>
-            <a:lvl5pPr indent="-317500" lvl="4" marL="2286000">
+            <a:lvl5pPr marL="2286000" lvl="4" indent="-317500">
               <a:spcBef>
                 <a:spcPts val="1600"/>
               </a:spcBef>
@@ -3650,7 +3772,7 @@
               <a:buChar char="○"/>
               <a:defRPr/>
             </a:lvl5pPr>
-            <a:lvl6pPr indent="-317500" lvl="5" marL="2743200">
+            <a:lvl6pPr marL="2743200" lvl="5" indent="-317500">
               <a:spcBef>
                 <a:spcPts val="1600"/>
               </a:spcBef>
@@ -3661,7 +3783,7 @@
               <a:buChar char="■"/>
               <a:defRPr/>
             </a:lvl6pPr>
-            <a:lvl7pPr indent="-317500" lvl="6" marL="3200400">
+            <a:lvl7pPr marL="3200400" lvl="6" indent="-317500">
               <a:spcBef>
                 <a:spcPts val="1600"/>
               </a:spcBef>
@@ -3672,7 +3794,7 @@
               <a:buChar char="●"/>
               <a:defRPr/>
             </a:lvl7pPr>
-            <a:lvl8pPr indent="-317500" lvl="7" marL="3657600">
+            <a:lvl8pPr marL="3657600" lvl="7" indent="-317500">
               <a:spcBef>
                 <a:spcPts val="1600"/>
               </a:spcBef>
@@ -3683,7 +3805,7 @@
               <a:buChar char="○"/>
               <a:defRPr/>
             </a:lvl8pPr>
-            <a:lvl9pPr indent="-317500" lvl="8" marL="4114800">
+            <a:lvl9pPr marL="4114800" lvl="8" indent="-317500">
               <a:spcBef>
                 <a:spcPts val="1600"/>
               </a:spcBef>
@@ -3695,15 +3817,19 @@
               <a:defRPr/>
             </a:lvl9pPr>
           </a:lstStyle>
-          <a:p/>
+          <a:p>
+            <a:endParaRPr/>
+          </a:p>
         </p:txBody>
       </p:sp>
       <p:sp>
         <p:nvSpPr>
           <p:cNvPr id="24" name="Google Shape;24;p4"/>
-          <p:cNvSpPr txBox="1"/>
+          <p:cNvSpPr txBox="1">
+            <a:spLocks noGrp="1"/>
+          </p:cNvSpPr>
           <p:nvPr>
-            <p:ph idx="12" type="sldNum"/>
+            <p:ph type="sldNum" idx="12"/>
           </p:nvPr>
         </p:nvSpPr>
         <p:spPr>
@@ -3716,7 +3842,7 @@
           </a:prstGeom>
         </p:spPr>
         <p:txBody>
-          <a:bodyPr anchorCtr="0" anchor="ctr" bIns="91425" lIns="91425" spcFirstLastPara="1" rIns="91425" wrap="square" tIns="91425">
+          <a:bodyPr spcFirstLastPara="1" wrap="square" lIns="91425" tIns="91425" rIns="91425" bIns="91425" anchor="ctr" anchorCtr="0">
             <a:noAutofit/>
           </a:bodyPr>
           <a:lstStyle>
@@ -3758,7 +3884,7 @@
             </a:lvl9pPr>
           </a:lstStyle>
           <a:p>
-            <a:pPr indent="0" lvl="0" marL="0" rtl="0" algn="r">
+            <a:pPr marL="0" lvl="0" indent="0" algn="r" rtl="0">
               <a:spcBef>
                 <a:spcPts val="0"/>
               </a:spcBef>
@@ -3769,7 +3895,7 @@
             </a:pPr>
             <a:fld id="{00000000-1234-1234-1234-123412341234}" type="slidenum">
               <a:rPr lang="fr"/>
-              <a:t>‹#›</a:t>
+              <a:t>‹N°›</a:t>
             </a:fld>
             <a:endParaRPr/>
           </a:p>
@@ -3784,11 +3910,11 @@
 </file>
 
 <file path=ppt/slideLayouts/slideLayout4.xml><?xml version="1.0" encoding="utf-8"?>
-<p:sldLayout xmlns:a="http://schemas.openxmlformats.org/drawingml/2006/main" xmlns:r="http://schemas.openxmlformats.org/officeDocument/2006/relationships" xmlns:mc="http://schemas.openxmlformats.org/markup-compatibility/2006" xmlns:mv="urn:schemas-microsoft-com:mac:vml" xmlns:p="http://schemas.openxmlformats.org/presentationml/2006/main" xmlns:c="http://schemas.openxmlformats.org/drawingml/2006/chart" xmlns:dgm="http://schemas.openxmlformats.org/drawingml/2006/diagram" xmlns:o="urn:schemas-microsoft-com:office:office" xmlns:v="urn:schemas-microsoft-com:vml" xmlns:pvml="urn:schemas-microsoft-com:office:powerpoint" xmlns:com="http://schemas.openxmlformats.org/drawingml/2006/compatibility" xmlns:p14="http://schemas.microsoft.com/office/powerpoint/2010/main" xmlns:p15="http://schemas.microsoft.com/office/powerpoint/2012/main" xmlns:ahyp="http://schemas.microsoft.com/office/drawing/2018/hyperlinkcolor" matchingName="Title and two columns" type="twoColTx">
+<p:sldLayout xmlns:a="http://schemas.openxmlformats.org/drawingml/2006/main" xmlns:r="http://schemas.openxmlformats.org/officeDocument/2006/relationships" xmlns:p="http://schemas.openxmlformats.org/presentationml/2006/main" matchingName="Title and two columns" type="twoColTx">
   <p:cSld name="TITLE_AND_TWO_COLUMNS">
     <p:spTree>
       <p:nvGrpSpPr>
-        <p:cNvPr id="25" name="Shape 25"/>
+        <p:cNvPr id="1" name="Shape 25"/>
         <p:cNvGrpSpPr/>
         <p:nvPr/>
       </p:nvGrpSpPr>
@@ -3803,7 +3929,9 @@
       <p:sp>
         <p:nvSpPr>
           <p:cNvPr id="26" name="Google Shape;26;p5"/>
-          <p:cNvSpPr txBox="1"/>
+          <p:cNvSpPr txBox="1">
+            <a:spLocks noGrp="1"/>
+          </p:cNvSpPr>
           <p:nvPr>
             <p:ph type="title"/>
           </p:nvPr>
@@ -3818,7 +3946,7 @@
           </a:prstGeom>
         </p:spPr>
         <p:txBody>
-          <a:bodyPr anchorCtr="0" anchor="b" bIns="91425" lIns="91425" spcFirstLastPara="1" rIns="91425" wrap="square" tIns="91425">
+          <a:bodyPr spcFirstLastPara="1" wrap="square" lIns="91425" tIns="91425" rIns="91425" bIns="91425" anchor="b" anchorCtr="0">
             <a:noAutofit/>
           </a:bodyPr>
           <a:lstStyle>
@@ -3922,15 +4050,19 @@
               <a:defRPr/>
             </a:lvl9pPr>
           </a:lstStyle>
-          <a:p/>
+          <a:p>
+            <a:endParaRPr/>
+          </a:p>
         </p:txBody>
       </p:sp>
       <p:sp>
         <p:nvSpPr>
           <p:cNvPr id="27" name="Google Shape;27;p5"/>
-          <p:cNvSpPr txBox="1"/>
+          <p:cNvSpPr txBox="1">
+            <a:spLocks noGrp="1"/>
+          </p:cNvSpPr>
           <p:nvPr>
-            <p:ph idx="1" type="body"/>
+            <p:ph type="body" idx="1"/>
           </p:nvPr>
         </p:nvSpPr>
         <p:spPr>
@@ -3943,11 +4075,11 @@
           </a:prstGeom>
         </p:spPr>
         <p:txBody>
-          <a:bodyPr anchorCtr="0" anchor="t" bIns="91425" lIns="91425" spcFirstLastPara="1" rIns="91425" wrap="square" tIns="91425">
+          <a:bodyPr spcFirstLastPara="1" wrap="square" lIns="91425" tIns="91425" rIns="91425" bIns="91425" anchor="t" anchorCtr="0">
             <a:noAutofit/>
           </a:bodyPr>
           <a:lstStyle>
-            <a:lvl1pPr indent="-317500" lvl="0" marL="457200">
+            <a:lvl1pPr marL="457200" lvl="0" indent="-317500">
               <a:spcBef>
                 <a:spcPts val="0"/>
               </a:spcBef>
@@ -3958,7 +4090,7 @@
               <a:buChar char="●"/>
               <a:defRPr sz="1400"/>
             </a:lvl1pPr>
-            <a:lvl2pPr indent="-304800" lvl="1" marL="914400">
+            <a:lvl2pPr marL="914400" lvl="1" indent="-304800">
               <a:spcBef>
                 <a:spcPts val="1600"/>
               </a:spcBef>
@@ -3969,7 +4101,7 @@
               <a:buChar char="○"/>
               <a:defRPr sz="1200"/>
             </a:lvl2pPr>
-            <a:lvl3pPr indent="-304800" lvl="2" marL="1371600">
+            <a:lvl3pPr marL="1371600" lvl="2" indent="-304800">
               <a:spcBef>
                 <a:spcPts val="1600"/>
               </a:spcBef>
@@ -3980,7 +4112,7 @@
               <a:buChar char="■"/>
               <a:defRPr sz="1200"/>
             </a:lvl3pPr>
-            <a:lvl4pPr indent="-304800" lvl="3" marL="1828800">
+            <a:lvl4pPr marL="1828800" lvl="3" indent="-304800">
               <a:spcBef>
                 <a:spcPts val="1600"/>
               </a:spcBef>
@@ -3991,7 +4123,7 @@
               <a:buChar char="●"/>
               <a:defRPr sz="1200"/>
             </a:lvl4pPr>
-            <a:lvl5pPr indent="-304800" lvl="4" marL="2286000">
+            <a:lvl5pPr marL="2286000" lvl="4" indent="-304800">
               <a:spcBef>
                 <a:spcPts val="1600"/>
               </a:spcBef>
@@ -4002,7 +4134,7 @@
               <a:buChar char="○"/>
               <a:defRPr sz="1200"/>
             </a:lvl5pPr>
-            <a:lvl6pPr indent="-304800" lvl="5" marL="2743200">
+            <a:lvl6pPr marL="2743200" lvl="5" indent="-304800">
               <a:spcBef>
                 <a:spcPts val="1600"/>
               </a:spcBef>
@@ -4013,7 +4145,7 @@
               <a:buChar char="■"/>
               <a:defRPr sz="1200"/>
             </a:lvl6pPr>
-            <a:lvl7pPr indent="-304800" lvl="6" marL="3200400">
+            <a:lvl7pPr marL="3200400" lvl="6" indent="-304800">
               <a:spcBef>
                 <a:spcPts val="1600"/>
               </a:spcBef>
@@ -4024,7 +4156,7 @@
               <a:buChar char="●"/>
               <a:defRPr sz="1200"/>
             </a:lvl7pPr>
-            <a:lvl8pPr indent="-304800" lvl="7" marL="3657600">
+            <a:lvl8pPr marL="3657600" lvl="7" indent="-304800">
               <a:spcBef>
                 <a:spcPts val="1600"/>
               </a:spcBef>
@@ -4035,7 +4167,7 @@
               <a:buChar char="○"/>
               <a:defRPr sz="1200"/>
             </a:lvl8pPr>
-            <a:lvl9pPr indent="-304800" lvl="8" marL="4114800">
+            <a:lvl9pPr marL="4114800" lvl="8" indent="-304800">
               <a:spcBef>
                 <a:spcPts val="1600"/>
               </a:spcBef>
@@ -4047,15 +4179,19 @@
               <a:defRPr sz="1200"/>
             </a:lvl9pPr>
           </a:lstStyle>
-          <a:p/>
+          <a:p>
+            <a:endParaRPr/>
+          </a:p>
         </p:txBody>
       </p:sp>
       <p:sp>
         <p:nvSpPr>
           <p:cNvPr id="28" name="Google Shape;28;p5"/>
-          <p:cNvSpPr txBox="1"/>
+          <p:cNvSpPr txBox="1">
+            <a:spLocks noGrp="1"/>
+          </p:cNvSpPr>
           <p:nvPr>
-            <p:ph idx="2" type="body"/>
+            <p:ph type="body" idx="2"/>
           </p:nvPr>
         </p:nvSpPr>
         <p:spPr>
@@ -4068,11 +4204,11 @@
           </a:prstGeom>
         </p:spPr>
         <p:txBody>
-          <a:bodyPr anchorCtr="0" anchor="t" bIns="91425" lIns="91425" spcFirstLastPara="1" rIns="91425" wrap="square" tIns="91425">
+          <a:bodyPr spcFirstLastPara="1" wrap="square" lIns="91425" tIns="91425" rIns="91425" bIns="91425" anchor="t" anchorCtr="0">
             <a:noAutofit/>
           </a:bodyPr>
           <a:lstStyle>
-            <a:lvl1pPr indent="-317500" lvl="0" marL="457200">
+            <a:lvl1pPr marL="457200" lvl="0" indent="-317500">
               <a:spcBef>
                 <a:spcPts val="0"/>
               </a:spcBef>
@@ -4083,7 +4219,7 @@
               <a:buChar char="●"/>
               <a:defRPr sz="1400"/>
             </a:lvl1pPr>
-            <a:lvl2pPr indent="-304800" lvl="1" marL="914400">
+            <a:lvl2pPr marL="914400" lvl="1" indent="-304800">
               <a:spcBef>
                 <a:spcPts val="1600"/>
               </a:spcBef>
@@ -4094,7 +4230,7 @@
               <a:buChar char="○"/>
               <a:defRPr sz="1200"/>
             </a:lvl2pPr>
-            <a:lvl3pPr indent="-304800" lvl="2" marL="1371600">
+            <a:lvl3pPr marL="1371600" lvl="2" indent="-304800">
               <a:spcBef>
                 <a:spcPts val="1600"/>
               </a:spcBef>
@@ -4105,7 +4241,7 @@
               <a:buChar char="■"/>
               <a:defRPr sz="1200"/>
             </a:lvl3pPr>
-            <a:lvl4pPr indent="-304800" lvl="3" marL="1828800">
+            <a:lvl4pPr marL="1828800" lvl="3" indent="-304800">
               <a:spcBef>
                 <a:spcPts val="1600"/>
               </a:spcBef>
@@ -4116,7 +4252,7 @@
               <a:buChar char="●"/>
               <a:defRPr sz="1200"/>
             </a:lvl4pPr>
-            <a:lvl5pPr indent="-304800" lvl="4" marL="2286000">
+            <a:lvl5pPr marL="2286000" lvl="4" indent="-304800">
               <a:spcBef>
                 <a:spcPts val="1600"/>
               </a:spcBef>
@@ -4127,7 +4263,7 @@
               <a:buChar char="○"/>
               <a:defRPr sz="1200"/>
             </a:lvl5pPr>
-            <a:lvl6pPr indent="-304800" lvl="5" marL="2743200">
+            <a:lvl6pPr marL="2743200" lvl="5" indent="-304800">
               <a:spcBef>
                 <a:spcPts val="1600"/>
               </a:spcBef>
@@ -4138,7 +4274,7 @@
               <a:buChar char="■"/>
               <a:defRPr sz="1200"/>
             </a:lvl6pPr>
-            <a:lvl7pPr indent="-304800" lvl="6" marL="3200400">
+            <a:lvl7pPr marL="3200400" lvl="6" indent="-304800">
               <a:spcBef>
                 <a:spcPts val="1600"/>
               </a:spcBef>
@@ -4149,7 +4285,7 @@
               <a:buChar char="●"/>
               <a:defRPr sz="1200"/>
             </a:lvl7pPr>
-            <a:lvl8pPr indent="-304800" lvl="7" marL="3657600">
+            <a:lvl8pPr marL="3657600" lvl="7" indent="-304800">
               <a:spcBef>
                 <a:spcPts val="1600"/>
               </a:spcBef>
@@ -4160,7 +4296,7 @@
               <a:buChar char="○"/>
               <a:defRPr sz="1200"/>
             </a:lvl8pPr>
-            <a:lvl9pPr indent="-304800" lvl="8" marL="4114800">
+            <a:lvl9pPr marL="4114800" lvl="8" indent="-304800">
               <a:spcBef>
                 <a:spcPts val="1600"/>
               </a:spcBef>
@@ -4172,15 +4308,19 @@
               <a:defRPr sz="1200"/>
             </a:lvl9pPr>
           </a:lstStyle>
-          <a:p/>
+          <a:p>
+            <a:endParaRPr/>
+          </a:p>
         </p:txBody>
       </p:sp>
       <p:sp>
         <p:nvSpPr>
           <p:cNvPr id="29" name="Google Shape;29;p5"/>
-          <p:cNvSpPr txBox="1"/>
+          <p:cNvSpPr txBox="1">
+            <a:spLocks noGrp="1"/>
+          </p:cNvSpPr>
           <p:nvPr>
-            <p:ph idx="12" type="sldNum"/>
+            <p:ph type="sldNum" idx="12"/>
           </p:nvPr>
         </p:nvSpPr>
         <p:spPr>
@@ -4193,7 +4333,7 @@
           </a:prstGeom>
         </p:spPr>
         <p:txBody>
-          <a:bodyPr anchorCtr="0" anchor="ctr" bIns="91425" lIns="91425" spcFirstLastPara="1" rIns="91425" wrap="square" tIns="91425">
+          <a:bodyPr spcFirstLastPara="1" wrap="square" lIns="91425" tIns="91425" rIns="91425" bIns="91425" anchor="ctr" anchorCtr="0">
             <a:noAutofit/>
           </a:bodyPr>
           <a:lstStyle>
@@ -4235,7 +4375,7 @@
             </a:lvl9pPr>
           </a:lstStyle>
           <a:p>
-            <a:pPr indent="0" lvl="0" marL="0" rtl="0" algn="r">
+            <a:pPr marL="0" lvl="0" indent="0" algn="r" rtl="0">
               <a:spcBef>
                 <a:spcPts val="0"/>
               </a:spcBef>
@@ -4246,7 +4386,7 @@
             </a:pPr>
             <a:fld id="{00000000-1234-1234-1234-123412341234}" type="slidenum">
               <a:rPr lang="fr"/>
-              <a:t>‹#›</a:t>
+              <a:t>‹N°›</a:t>
             </a:fld>
             <a:endParaRPr/>
           </a:p>
@@ -4261,11 +4401,11 @@
 </file>
 
 <file path=ppt/slideLayouts/slideLayout5.xml><?xml version="1.0" encoding="utf-8"?>
-<p:sldLayout xmlns:a="http://schemas.openxmlformats.org/drawingml/2006/main" xmlns:r="http://schemas.openxmlformats.org/officeDocument/2006/relationships" xmlns:mc="http://schemas.openxmlformats.org/markup-compatibility/2006" xmlns:mv="urn:schemas-microsoft-com:mac:vml" xmlns:p="http://schemas.openxmlformats.org/presentationml/2006/main" xmlns:c="http://schemas.openxmlformats.org/drawingml/2006/chart" xmlns:dgm="http://schemas.openxmlformats.org/drawingml/2006/diagram" xmlns:o="urn:schemas-microsoft-com:office:office" xmlns:v="urn:schemas-microsoft-com:vml" xmlns:pvml="urn:schemas-microsoft-com:office:powerpoint" xmlns:com="http://schemas.openxmlformats.org/drawingml/2006/compatibility" xmlns:p14="http://schemas.microsoft.com/office/powerpoint/2010/main" xmlns:p15="http://schemas.microsoft.com/office/powerpoint/2012/main" xmlns:ahyp="http://schemas.microsoft.com/office/drawing/2018/hyperlinkcolor" matchingName="Title only" type="titleOnly">
+<p:sldLayout xmlns:a="http://schemas.openxmlformats.org/drawingml/2006/main" xmlns:r="http://schemas.openxmlformats.org/officeDocument/2006/relationships" xmlns:p="http://schemas.openxmlformats.org/presentationml/2006/main" matchingName="Title only" type="titleOnly">
   <p:cSld name="TITLE_ONLY">
     <p:spTree>
       <p:nvGrpSpPr>
-        <p:cNvPr id="30" name="Shape 30"/>
+        <p:cNvPr id="1" name="Shape 30"/>
         <p:cNvGrpSpPr/>
         <p:nvPr/>
       </p:nvGrpSpPr>
@@ -4280,7 +4420,9 @@
       <p:sp>
         <p:nvSpPr>
           <p:cNvPr id="31" name="Google Shape;31;p6"/>
-          <p:cNvSpPr txBox="1"/>
+          <p:cNvSpPr txBox="1">
+            <a:spLocks noGrp="1"/>
+          </p:cNvSpPr>
           <p:nvPr>
             <p:ph type="title"/>
           </p:nvPr>
@@ -4295,7 +4437,7 @@
           </a:prstGeom>
         </p:spPr>
         <p:txBody>
-          <a:bodyPr anchorCtr="0" anchor="b" bIns="91425" lIns="91425" spcFirstLastPara="1" rIns="91425" wrap="square" tIns="91425">
+          <a:bodyPr spcFirstLastPara="1" wrap="square" lIns="91425" tIns="91425" rIns="91425" bIns="91425" anchor="b" anchorCtr="0">
             <a:noAutofit/>
           </a:bodyPr>
           <a:lstStyle>
@@ -4399,15 +4541,19 @@
               <a:defRPr/>
             </a:lvl9pPr>
           </a:lstStyle>
-          <a:p/>
+          <a:p>
+            <a:endParaRPr/>
+          </a:p>
         </p:txBody>
       </p:sp>
       <p:sp>
         <p:nvSpPr>
           <p:cNvPr id="32" name="Google Shape;32;p6"/>
-          <p:cNvSpPr txBox="1"/>
+          <p:cNvSpPr txBox="1">
+            <a:spLocks noGrp="1"/>
+          </p:cNvSpPr>
           <p:nvPr>
-            <p:ph idx="12" type="sldNum"/>
+            <p:ph type="sldNum" idx="12"/>
           </p:nvPr>
         </p:nvSpPr>
         <p:spPr>
@@ -4420,7 +4566,7 @@
           </a:prstGeom>
         </p:spPr>
         <p:txBody>
-          <a:bodyPr anchorCtr="0" anchor="ctr" bIns="91425" lIns="91425" spcFirstLastPara="1" rIns="91425" wrap="square" tIns="91425">
+          <a:bodyPr spcFirstLastPara="1" wrap="square" lIns="91425" tIns="91425" rIns="91425" bIns="91425" anchor="ctr" anchorCtr="0">
             <a:noAutofit/>
           </a:bodyPr>
           <a:lstStyle>
@@ -4462,7 +4608,7 @@
             </a:lvl9pPr>
           </a:lstStyle>
           <a:p>
-            <a:pPr indent="0" lvl="0" marL="0" rtl="0" algn="r">
+            <a:pPr marL="0" lvl="0" indent="0" algn="r" rtl="0">
               <a:spcBef>
                 <a:spcPts val="0"/>
               </a:spcBef>
@@ -4473,7 +4619,7 @@
             </a:pPr>
             <a:fld id="{00000000-1234-1234-1234-123412341234}" type="slidenum">
               <a:rPr lang="fr"/>
-              <a:t>‹#›</a:t>
+              <a:t>‹N°›</a:t>
             </a:fld>
             <a:endParaRPr/>
           </a:p>
@@ -4488,11 +4634,11 @@
 </file>
 
 <file path=ppt/slideLayouts/slideLayout6.xml><?xml version="1.0" encoding="utf-8"?>
-<p:sldLayout xmlns:a="http://schemas.openxmlformats.org/drawingml/2006/main" xmlns:r="http://schemas.openxmlformats.org/officeDocument/2006/relationships" xmlns:mc="http://schemas.openxmlformats.org/markup-compatibility/2006" xmlns:mv="urn:schemas-microsoft-com:mac:vml" xmlns:p="http://schemas.openxmlformats.org/presentationml/2006/main" xmlns:c="http://schemas.openxmlformats.org/drawingml/2006/chart" xmlns:dgm="http://schemas.openxmlformats.org/drawingml/2006/diagram" xmlns:o="urn:schemas-microsoft-com:office:office" xmlns:v="urn:schemas-microsoft-com:vml" xmlns:pvml="urn:schemas-microsoft-com:office:powerpoint" xmlns:com="http://schemas.openxmlformats.org/drawingml/2006/compatibility" xmlns:p14="http://schemas.microsoft.com/office/powerpoint/2010/main" xmlns:p15="http://schemas.microsoft.com/office/powerpoint/2012/main" xmlns:ahyp="http://schemas.microsoft.com/office/drawing/2018/hyperlinkcolor" matchingName="One column text">
+<p:sldLayout xmlns:a="http://schemas.openxmlformats.org/drawingml/2006/main" xmlns:r="http://schemas.openxmlformats.org/officeDocument/2006/relationships" xmlns:p="http://schemas.openxmlformats.org/presentationml/2006/main" matchingName="One column text">
   <p:cSld name="ONE_COLUMN_TEXT">
     <p:spTree>
       <p:nvGrpSpPr>
-        <p:cNvPr id="33" name="Shape 33"/>
+        <p:cNvPr id="1" name="Shape 33"/>
         <p:cNvGrpSpPr/>
         <p:nvPr/>
       </p:nvGrpSpPr>
@@ -4507,7 +4653,9 @@
       <p:sp>
         <p:nvSpPr>
           <p:cNvPr id="34" name="Google Shape;34;p7"/>
-          <p:cNvSpPr txBox="1"/>
+          <p:cNvSpPr txBox="1">
+            <a:spLocks noGrp="1"/>
+          </p:cNvSpPr>
           <p:nvPr>
             <p:ph type="title"/>
           </p:nvPr>
@@ -4522,7 +4670,7 @@
           </a:prstGeom>
         </p:spPr>
         <p:txBody>
-          <a:bodyPr anchorCtr="0" anchor="b" bIns="91425" lIns="91425" spcFirstLastPara="1" rIns="91425" wrap="square" tIns="91425">
+          <a:bodyPr spcFirstLastPara="1" wrap="square" lIns="91425" tIns="91425" rIns="91425" bIns="91425" anchor="b" anchorCtr="0">
             <a:noAutofit/>
           </a:bodyPr>
           <a:lstStyle>
@@ -4626,15 +4774,19 @@
               <a:defRPr sz="3000"/>
             </a:lvl9pPr>
           </a:lstStyle>
-          <a:p/>
+          <a:p>
+            <a:endParaRPr/>
+          </a:p>
         </p:txBody>
       </p:sp>
       <p:sp>
         <p:nvSpPr>
           <p:cNvPr id="35" name="Google Shape;35;p7"/>
-          <p:cNvSpPr txBox="1"/>
+          <p:cNvSpPr txBox="1">
+            <a:spLocks noGrp="1"/>
+          </p:cNvSpPr>
           <p:nvPr>
-            <p:ph idx="1" type="body"/>
+            <p:ph type="body" idx="1"/>
           </p:nvPr>
         </p:nvSpPr>
         <p:spPr>
@@ -4647,11 +4799,11 @@
           </a:prstGeom>
         </p:spPr>
         <p:txBody>
-          <a:bodyPr anchorCtr="0" anchor="t" bIns="91425" lIns="91425" spcFirstLastPara="1" rIns="91425" wrap="square" tIns="91425">
+          <a:bodyPr spcFirstLastPara="1" wrap="square" lIns="91425" tIns="91425" rIns="91425" bIns="91425" anchor="t" anchorCtr="0">
             <a:noAutofit/>
           </a:bodyPr>
           <a:lstStyle>
-            <a:lvl1pPr indent="-304800" lvl="0" marL="457200">
+            <a:lvl1pPr marL="457200" lvl="0" indent="-304800">
               <a:spcBef>
                 <a:spcPts val="0"/>
               </a:spcBef>
@@ -4662,7 +4814,7 @@
               <a:buChar char="●"/>
               <a:defRPr sz="1200"/>
             </a:lvl1pPr>
-            <a:lvl2pPr indent="-304800" lvl="1" marL="914400">
+            <a:lvl2pPr marL="914400" lvl="1" indent="-304800">
               <a:spcBef>
                 <a:spcPts val="1600"/>
               </a:spcBef>
@@ -4673,7 +4825,7 @@
               <a:buChar char="○"/>
               <a:defRPr sz="1200"/>
             </a:lvl2pPr>
-            <a:lvl3pPr indent="-304800" lvl="2" marL="1371600">
+            <a:lvl3pPr marL="1371600" lvl="2" indent="-304800">
               <a:spcBef>
                 <a:spcPts val="1600"/>
               </a:spcBef>
@@ -4684,7 +4836,7 @@
               <a:buChar char="■"/>
               <a:defRPr sz="1200"/>
             </a:lvl3pPr>
-            <a:lvl4pPr indent="-304800" lvl="3" marL="1828800">
+            <a:lvl4pPr marL="1828800" lvl="3" indent="-304800">
               <a:spcBef>
                 <a:spcPts val="1600"/>
               </a:spcBef>
@@ -4695,7 +4847,7 @@
               <a:buChar char="●"/>
               <a:defRPr sz="1200"/>
             </a:lvl4pPr>
-            <a:lvl5pPr indent="-304800" lvl="4" marL="2286000">
+            <a:lvl5pPr marL="2286000" lvl="4" indent="-304800">
               <a:spcBef>
                 <a:spcPts val="1600"/>
               </a:spcBef>
@@ -4706,7 +4858,7 @@
               <a:buChar char="○"/>
               <a:defRPr sz="1200"/>
             </a:lvl5pPr>
-            <a:lvl6pPr indent="-304800" lvl="5" marL="2743200">
+            <a:lvl6pPr marL="2743200" lvl="5" indent="-304800">
               <a:spcBef>
                 <a:spcPts val="1600"/>
               </a:spcBef>
@@ -4717,7 +4869,7 @@
               <a:buChar char="■"/>
               <a:defRPr sz="1200"/>
             </a:lvl6pPr>
-            <a:lvl7pPr indent="-304800" lvl="6" marL="3200400">
+            <a:lvl7pPr marL="3200400" lvl="6" indent="-304800">
               <a:spcBef>
                 <a:spcPts val="1600"/>
               </a:spcBef>
@@ -4728,7 +4880,7 @@
               <a:buChar char="●"/>
               <a:defRPr sz="1200"/>
             </a:lvl7pPr>
-            <a:lvl8pPr indent="-304800" lvl="7" marL="3657600">
+            <a:lvl8pPr marL="3657600" lvl="7" indent="-304800">
               <a:spcBef>
                 <a:spcPts val="1600"/>
               </a:spcBef>
@@ -4739,7 +4891,7 @@
               <a:buChar char="○"/>
               <a:defRPr sz="1200"/>
             </a:lvl8pPr>
-            <a:lvl9pPr indent="-304800" lvl="8" marL="4114800">
+            <a:lvl9pPr marL="4114800" lvl="8" indent="-304800">
               <a:spcBef>
                 <a:spcPts val="1600"/>
               </a:spcBef>
@@ -4751,15 +4903,19 @@
               <a:defRPr sz="1200"/>
             </a:lvl9pPr>
           </a:lstStyle>
-          <a:p/>
+          <a:p>
+            <a:endParaRPr/>
+          </a:p>
         </p:txBody>
       </p:sp>
       <p:sp>
         <p:nvSpPr>
           <p:cNvPr id="36" name="Google Shape;36;p7"/>
-          <p:cNvSpPr txBox="1"/>
+          <p:cNvSpPr txBox="1">
+            <a:spLocks noGrp="1"/>
+          </p:cNvSpPr>
           <p:nvPr>
-            <p:ph idx="12" type="sldNum"/>
+            <p:ph type="sldNum" idx="12"/>
           </p:nvPr>
         </p:nvSpPr>
         <p:spPr>
@@ -4772,7 +4928,7 @@
           </a:prstGeom>
         </p:spPr>
         <p:txBody>
-          <a:bodyPr anchorCtr="0" anchor="ctr" bIns="91425" lIns="91425" spcFirstLastPara="1" rIns="91425" wrap="square" tIns="91425">
+          <a:bodyPr spcFirstLastPara="1" wrap="square" lIns="91425" tIns="91425" rIns="91425" bIns="91425" anchor="ctr" anchorCtr="0">
             <a:noAutofit/>
           </a:bodyPr>
           <a:lstStyle>
@@ -4814,7 +4970,7 @@
             </a:lvl9pPr>
           </a:lstStyle>
           <a:p>
-            <a:pPr indent="0" lvl="0" marL="0" rtl="0" algn="r">
+            <a:pPr marL="0" lvl="0" indent="0" algn="r" rtl="0">
               <a:spcBef>
                 <a:spcPts val="0"/>
               </a:spcBef>
@@ -4825,7 +4981,7 @@
             </a:pPr>
             <a:fld id="{00000000-1234-1234-1234-123412341234}" type="slidenum">
               <a:rPr lang="fr"/>
-              <a:t>‹#›</a:t>
+              <a:t>‹N°›</a:t>
             </a:fld>
             <a:endParaRPr/>
           </a:p>
@@ -4840,11 +4996,11 @@
 </file>
 
 <file path=ppt/slideLayouts/slideLayout7.xml><?xml version="1.0" encoding="utf-8"?>
-<p:sldLayout xmlns:a="http://schemas.openxmlformats.org/drawingml/2006/main" xmlns:r="http://schemas.openxmlformats.org/officeDocument/2006/relationships" xmlns:mc="http://schemas.openxmlformats.org/markup-compatibility/2006" xmlns:mv="urn:schemas-microsoft-com:mac:vml" xmlns:p="http://schemas.openxmlformats.org/presentationml/2006/main" xmlns:c="http://schemas.openxmlformats.org/drawingml/2006/chart" xmlns:dgm="http://schemas.openxmlformats.org/drawingml/2006/diagram" xmlns:o="urn:schemas-microsoft-com:office:office" xmlns:v="urn:schemas-microsoft-com:vml" xmlns:pvml="urn:schemas-microsoft-com:office:powerpoint" xmlns:com="http://schemas.openxmlformats.org/drawingml/2006/compatibility" xmlns:p14="http://schemas.microsoft.com/office/powerpoint/2010/main" xmlns:p15="http://schemas.microsoft.com/office/powerpoint/2012/main" xmlns:ahyp="http://schemas.microsoft.com/office/drawing/2018/hyperlinkcolor" matchingName="Main point">
+<p:sldLayout xmlns:a="http://schemas.openxmlformats.org/drawingml/2006/main" xmlns:r="http://schemas.openxmlformats.org/officeDocument/2006/relationships" xmlns:p="http://schemas.openxmlformats.org/presentationml/2006/main" matchingName="Main point">
   <p:cSld name="MAIN_POINT">
     <p:spTree>
       <p:nvGrpSpPr>
-        <p:cNvPr id="37" name="Shape 37"/>
+        <p:cNvPr id="1" name="Shape 37"/>
         <p:cNvGrpSpPr/>
         <p:nvPr/>
       </p:nvGrpSpPr>
@@ -4878,12 +5034,12 @@
           </a:ln>
         </p:spPr>
         <p:txBody>
-          <a:bodyPr anchorCtr="0" anchor="ctr" bIns="91425" lIns="91425" spcFirstLastPara="1" rIns="91425" wrap="square" tIns="91425">
+          <a:bodyPr spcFirstLastPara="1" wrap="square" lIns="91425" tIns="91425" rIns="91425" bIns="91425" anchor="ctr" anchorCtr="0">
             <a:noAutofit/>
           </a:bodyPr>
           <a:lstStyle/>
           <a:p>
-            <a:pPr indent="0" lvl="0" marL="0" rtl="0" algn="l">
+            <a:pPr marL="0" lvl="0" indent="0" algn="l" rtl="0">
               <a:spcBef>
                 <a:spcPts val="0"/>
               </a:spcBef>
@@ -4892,9 +5048,6 @@
               </a:spcAft>
               <a:buNone/>
             </a:pPr>
-            <a:r>
-              <a:t/>
-            </a:r>
             <a:endParaRPr/>
           </a:p>
         </p:txBody>
@@ -4902,7 +5055,9 @@
       <p:sp>
         <p:nvSpPr>
           <p:cNvPr id="39" name="Google Shape;39;p8"/>
-          <p:cNvSpPr txBox="1"/>
+          <p:cNvSpPr txBox="1">
+            <a:spLocks noGrp="1"/>
+          </p:cNvSpPr>
           <p:nvPr>
             <p:ph type="title"/>
           </p:nvPr>
@@ -4917,7 +5072,7 @@
           </a:prstGeom>
         </p:spPr>
         <p:txBody>
-          <a:bodyPr anchorCtr="0" anchor="ctr" bIns="91425" lIns="91425" spcFirstLastPara="1" rIns="91425" wrap="square" tIns="91425">
+          <a:bodyPr spcFirstLastPara="1" wrap="square" lIns="91425" tIns="91425" rIns="91425" bIns="91425" anchor="ctr" anchorCtr="0">
             <a:noAutofit/>
           </a:bodyPr>
           <a:lstStyle>
@@ -5021,15 +5176,19 @@
               <a:defRPr sz="4800"/>
             </a:lvl9pPr>
           </a:lstStyle>
-          <a:p/>
+          <a:p>
+            <a:endParaRPr/>
+          </a:p>
         </p:txBody>
       </p:sp>
       <p:sp>
         <p:nvSpPr>
           <p:cNvPr id="40" name="Google Shape;40;p8"/>
-          <p:cNvSpPr txBox="1"/>
+          <p:cNvSpPr txBox="1">
+            <a:spLocks noGrp="1"/>
+          </p:cNvSpPr>
           <p:nvPr>
-            <p:ph idx="12" type="sldNum"/>
+            <p:ph type="sldNum" idx="12"/>
           </p:nvPr>
         </p:nvSpPr>
         <p:spPr>
@@ -5042,7 +5201,7 @@
           </a:prstGeom>
         </p:spPr>
         <p:txBody>
-          <a:bodyPr anchorCtr="0" anchor="ctr" bIns="91425" lIns="91425" spcFirstLastPara="1" rIns="91425" wrap="square" tIns="91425">
+          <a:bodyPr spcFirstLastPara="1" wrap="square" lIns="91425" tIns="91425" rIns="91425" bIns="91425" anchor="ctr" anchorCtr="0">
             <a:noAutofit/>
           </a:bodyPr>
           <a:lstStyle>
@@ -5084,7 +5243,7 @@
             </a:lvl9pPr>
           </a:lstStyle>
           <a:p>
-            <a:pPr indent="0" lvl="0" marL="0" rtl="0" algn="r">
+            <a:pPr marL="0" lvl="0" indent="0" algn="r" rtl="0">
               <a:spcBef>
                 <a:spcPts val="0"/>
               </a:spcBef>
@@ -5095,7 +5254,7 @@
             </a:pPr>
             <a:fld id="{00000000-1234-1234-1234-123412341234}" type="slidenum">
               <a:rPr lang="fr"/>
-              <a:t>‹#›</a:t>
+              <a:t>‹N°›</a:t>
             </a:fld>
             <a:endParaRPr/>
           </a:p>
@@ -5110,11 +5269,11 @@
 </file>
 
 <file path=ppt/slideLayouts/slideLayout8.xml><?xml version="1.0" encoding="utf-8"?>
-<p:sldLayout xmlns:a="http://schemas.openxmlformats.org/drawingml/2006/main" xmlns:r="http://schemas.openxmlformats.org/officeDocument/2006/relationships" xmlns:mc="http://schemas.openxmlformats.org/markup-compatibility/2006" xmlns:mv="urn:schemas-microsoft-com:mac:vml" xmlns:p="http://schemas.openxmlformats.org/presentationml/2006/main" xmlns:c="http://schemas.openxmlformats.org/drawingml/2006/chart" xmlns:dgm="http://schemas.openxmlformats.org/drawingml/2006/diagram" xmlns:o="urn:schemas-microsoft-com:office:office" xmlns:v="urn:schemas-microsoft-com:vml" xmlns:pvml="urn:schemas-microsoft-com:office:powerpoint" xmlns:com="http://schemas.openxmlformats.org/drawingml/2006/compatibility" xmlns:p14="http://schemas.microsoft.com/office/powerpoint/2010/main" xmlns:p15="http://schemas.microsoft.com/office/powerpoint/2012/main" xmlns:ahyp="http://schemas.microsoft.com/office/drawing/2018/hyperlinkcolor" matchingName="Section title and description">
+<p:sldLayout xmlns:a="http://schemas.openxmlformats.org/drawingml/2006/main" xmlns:r="http://schemas.openxmlformats.org/officeDocument/2006/relationships" xmlns:p="http://schemas.openxmlformats.org/presentationml/2006/main" matchingName="Section title and description">
   <p:cSld name="SECTION_TITLE_AND_DESCRIPTION">
     <p:spTree>
       <p:nvGrpSpPr>
-        <p:cNvPr id="41" name="Shape 41"/>
+        <p:cNvPr id="1" name="Shape 41"/>
         <p:cNvGrpSpPr/>
         <p:nvPr/>
       </p:nvGrpSpPr>
@@ -5148,12 +5307,12 @@
           </a:ln>
         </p:spPr>
         <p:txBody>
-          <a:bodyPr anchorCtr="0" anchor="ctr" bIns="91425" lIns="91425" spcFirstLastPara="1" rIns="91425" wrap="square" tIns="91425">
+          <a:bodyPr spcFirstLastPara="1" wrap="square" lIns="91425" tIns="91425" rIns="91425" bIns="91425" anchor="ctr" anchorCtr="0">
             <a:noAutofit/>
           </a:bodyPr>
           <a:lstStyle/>
           <a:p>
-            <a:pPr indent="0" lvl="0" marL="0" rtl="0" algn="l">
+            <a:pPr marL="0" lvl="0" indent="0" algn="l" rtl="0">
               <a:spcBef>
                 <a:spcPts val="0"/>
               </a:spcBef>
@@ -5162,9 +5321,6 @@
               </a:spcAft>
               <a:buNone/>
             </a:pPr>
-            <a:r>
-              <a:t/>
-            </a:r>
             <a:endParaRPr/>
           </a:p>
         </p:txBody>
@@ -5184,21 +5340,23 @@
             <a:avLst/>
           </a:prstGeom>
           <a:noFill/>
-          <a:ln cap="flat" cmpd="sng" w="19050">
+          <a:ln w="19050" cap="flat" cmpd="sng">
             <a:solidFill>
               <a:schemeClr val="lt1"/>
             </a:solidFill>
             <a:prstDash val="solid"/>
             <a:round/>
-            <a:headEnd len="sm" w="sm" type="none"/>
-            <a:tailEnd len="sm" w="sm" type="none"/>
+            <a:headEnd type="none" w="sm" len="sm"/>
+            <a:tailEnd type="none" w="sm" len="sm"/>
           </a:ln>
         </p:spPr>
       </p:cxnSp>
       <p:sp>
         <p:nvSpPr>
           <p:cNvPr id="44" name="Google Shape;44;p9"/>
-          <p:cNvSpPr txBox="1"/>
+          <p:cNvSpPr txBox="1">
+            <a:spLocks noGrp="1"/>
+          </p:cNvSpPr>
           <p:nvPr>
             <p:ph type="title"/>
           </p:nvPr>
@@ -5213,7 +5371,7 @@
           </a:prstGeom>
         </p:spPr>
         <p:txBody>
-          <a:bodyPr anchorCtr="0" anchor="b" bIns="91425" lIns="91425" spcFirstLastPara="1" rIns="91425" wrap="square" tIns="91425">
+          <a:bodyPr spcFirstLastPara="1" wrap="square" lIns="91425" tIns="91425" rIns="91425" bIns="91425" anchor="b" anchorCtr="0">
             <a:noAutofit/>
           </a:bodyPr>
           <a:lstStyle>
@@ -5380,15 +5538,19 @@
               </a:defRPr>
             </a:lvl9pPr>
           </a:lstStyle>
-          <a:p/>
+          <a:p>
+            <a:endParaRPr/>
+          </a:p>
         </p:txBody>
       </p:sp>
       <p:sp>
         <p:nvSpPr>
           <p:cNvPr id="45" name="Google Shape;45;p9"/>
-          <p:cNvSpPr txBox="1"/>
+          <p:cNvSpPr txBox="1">
+            <a:spLocks noGrp="1"/>
+          </p:cNvSpPr>
           <p:nvPr>
-            <p:ph idx="1" type="subTitle"/>
+            <p:ph type="subTitle" idx="1"/>
           </p:nvPr>
         </p:nvSpPr>
         <p:spPr>
@@ -5401,7 +5563,7 @@
           </a:prstGeom>
         </p:spPr>
         <p:txBody>
-          <a:bodyPr anchorCtr="0" anchor="t" bIns="91425" lIns="91425" spcFirstLastPara="1" rIns="91425" wrap="square" tIns="91425">
+          <a:bodyPr spcFirstLastPara="1" wrap="square" lIns="91425" tIns="91425" rIns="91425" bIns="91425" anchor="t" anchorCtr="0">
             <a:noAutofit/>
           </a:bodyPr>
           <a:lstStyle>
@@ -5586,15 +5748,19 @@
               </a:defRPr>
             </a:lvl9pPr>
           </a:lstStyle>
-          <a:p/>
+          <a:p>
+            <a:endParaRPr/>
+          </a:p>
         </p:txBody>
       </p:sp>
       <p:sp>
         <p:nvSpPr>
           <p:cNvPr id="46" name="Google Shape;46;p9"/>
-          <p:cNvSpPr txBox="1"/>
+          <p:cNvSpPr txBox="1">
+            <a:spLocks noGrp="1"/>
+          </p:cNvSpPr>
           <p:nvPr>
-            <p:ph idx="2" type="body"/>
+            <p:ph type="body" idx="2"/>
           </p:nvPr>
         </p:nvSpPr>
         <p:spPr>
@@ -5607,11 +5773,11 @@
           </a:prstGeom>
         </p:spPr>
         <p:txBody>
-          <a:bodyPr anchorCtr="0" anchor="ctr" bIns="91425" lIns="91425" spcFirstLastPara="1" rIns="91425" wrap="square" tIns="91425">
+          <a:bodyPr spcFirstLastPara="1" wrap="square" lIns="91425" tIns="91425" rIns="91425" bIns="91425" anchor="ctr" anchorCtr="0">
             <a:noAutofit/>
           </a:bodyPr>
           <a:lstStyle>
-            <a:lvl1pPr indent="-342900" lvl="0" marL="457200">
+            <a:lvl1pPr marL="457200" lvl="0" indent="-342900">
               <a:spcBef>
                 <a:spcPts val="0"/>
               </a:spcBef>
@@ -5629,7 +5795,7 @@
                 </a:solidFill>
               </a:defRPr>
             </a:lvl1pPr>
-            <a:lvl2pPr indent="-317500" lvl="1" marL="914400">
+            <a:lvl2pPr marL="914400" lvl="1" indent="-317500">
               <a:spcBef>
                 <a:spcPts val="1600"/>
               </a:spcBef>
@@ -5647,7 +5813,7 @@
                 </a:solidFill>
               </a:defRPr>
             </a:lvl2pPr>
-            <a:lvl3pPr indent="-317500" lvl="2" marL="1371600">
+            <a:lvl3pPr marL="1371600" lvl="2" indent="-317500">
               <a:spcBef>
                 <a:spcPts val="1600"/>
               </a:spcBef>
@@ -5665,7 +5831,7 @@
                 </a:solidFill>
               </a:defRPr>
             </a:lvl3pPr>
-            <a:lvl4pPr indent="-317500" lvl="3" marL="1828800">
+            <a:lvl4pPr marL="1828800" lvl="3" indent="-317500">
               <a:spcBef>
                 <a:spcPts val="1600"/>
               </a:spcBef>
@@ -5683,7 +5849,7 @@
                 </a:solidFill>
               </a:defRPr>
             </a:lvl4pPr>
-            <a:lvl5pPr indent="-317500" lvl="4" marL="2286000">
+            <a:lvl5pPr marL="2286000" lvl="4" indent="-317500">
               <a:spcBef>
                 <a:spcPts val="1600"/>
               </a:spcBef>
@@ -5701,7 +5867,7 @@
                 </a:solidFill>
               </a:defRPr>
             </a:lvl5pPr>
-            <a:lvl6pPr indent="-317500" lvl="5" marL="2743200">
+            <a:lvl6pPr marL="2743200" lvl="5" indent="-317500">
               <a:spcBef>
                 <a:spcPts val="1600"/>
               </a:spcBef>
@@ -5719,7 +5885,7 @@
                 </a:solidFill>
               </a:defRPr>
             </a:lvl6pPr>
-            <a:lvl7pPr indent="-317500" lvl="6" marL="3200400">
+            <a:lvl7pPr marL="3200400" lvl="6" indent="-317500">
               <a:spcBef>
                 <a:spcPts val="1600"/>
               </a:spcBef>
@@ -5737,7 +5903,7 @@
                 </a:solidFill>
               </a:defRPr>
             </a:lvl7pPr>
-            <a:lvl8pPr indent="-317500" lvl="7" marL="3657600">
+            <a:lvl8pPr marL="3657600" lvl="7" indent="-317500">
               <a:spcBef>
                 <a:spcPts val="1600"/>
               </a:spcBef>
@@ -5755,7 +5921,7 @@
                 </a:solidFill>
               </a:defRPr>
             </a:lvl8pPr>
-            <a:lvl9pPr indent="-317500" lvl="8" marL="4114800">
+            <a:lvl9pPr marL="4114800" lvl="8" indent="-317500">
               <a:spcBef>
                 <a:spcPts val="1600"/>
               </a:spcBef>
@@ -5774,15 +5940,19 @@
               </a:defRPr>
             </a:lvl9pPr>
           </a:lstStyle>
-          <a:p/>
+          <a:p>
+            <a:endParaRPr/>
+          </a:p>
         </p:txBody>
       </p:sp>
       <p:sp>
         <p:nvSpPr>
           <p:cNvPr id="47" name="Google Shape;47;p9"/>
-          <p:cNvSpPr txBox="1"/>
+          <p:cNvSpPr txBox="1">
+            <a:spLocks noGrp="1"/>
+          </p:cNvSpPr>
           <p:nvPr>
-            <p:ph idx="12" type="sldNum"/>
+            <p:ph type="sldNum" idx="12"/>
           </p:nvPr>
         </p:nvSpPr>
         <p:spPr>
@@ -5795,7 +5965,7 @@
           </a:prstGeom>
         </p:spPr>
         <p:txBody>
-          <a:bodyPr anchorCtr="0" anchor="ctr" bIns="91425" lIns="91425" spcFirstLastPara="1" rIns="91425" wrap="square" tIns="91425">
+          <a:bodyPr spcFirstLastPara="1" wrap="square" lIns="91425" tIns="91425" rIns="91425" bIns="91425" anchor="ctr" anchorCtr="0">
             <a:noAutofit/>
           </a:bodyPr>
           <a:lstStyle>
@@ -5873,7 +6043,7 @@
             </a:lvl9pPr>
           </a:lstStyle>
           <a:p>
-            <a:pPr indent="0" lvl="0" marL="0" rtl="0" algn="r">
+            <a:pPr marL="0" lvl="0" indent="0" algn="r" rtl="0">
               <a:spcBef>
                 <a:spcPts val="0"/>
               </a:spcBef>
@@ -5884,7 +6054,7 @@
             </a:pPr>
             <a:fld id="{00000000-1234-1234-1234-123412341234}" type="slidenum">
               <a:rPr lang="fr"/>
-              <a:t>‹#›</a:t>
+              <a:t>‹N°›</a:t>
             </a:fld>
             <a:endParaRPr/>
           </a:p>
@@ -5899,11 +6069,11 @@
 </file>
 
 <file path=ppt/slideLayouts/slideLayout9.xml><?xml version="1.0" encoding="utf-8"?>
-<p:sldLayout xmlns:a="http://schemas.openxmlformats.org/drawingml/2006/main" xmlns:r="http://schemas.openxmlformats.org/officeDocument/2006/relationships" xmlns:mc="http://schemas.openxmlformats.org/markup-compatibility/2006" xmlns:mv="urn:schemas-microsoft-com:mac:vml" xmlns:p="http://schemas.openxmlformats.org/presentationml/2006/main" xmlns:c="http://schemas.openxmlformats.org/drawingml/2006/chart" xmlns:dgm="http://schemas.openxmlformats.org/drawingml/2006/diagram" xmlns:o="urn:schemas-microsoft-com:office:office" xmlns:v="urn:schemas-microsoft-com:vml" xmlns:pvml="urn:schemas-microsoft-com:office:powerpoint" xmlns:com="http://schemas.openxmlformats.org/drawingml/2006/compatibility" xmlns:p14="http://schemas.microsoft.com/office/powerpoint/2010/main" xmlns:p15="http://schemas.microsoft.com/office/powerpoint/2012/main" xmlns:ahyp="http://schemas.microsoft.com/office/drawing/2018/hyperlinkcolor" matchingName="Caption">
+<p:sldLayout xmlns:a="http://schemas.openxmlformats.org/drawingml/2006/main" xmlns:r="http://schemas.openxmlformats.org/officeDocument/2006/relationships" xmlns:p="http://schemas.openxmlformats.org/presentationml/2006/main" matchingName="Caption">
   <p:cSld name="CAPTION_ONLY">
     <p:spTree>
       <p:nvGrpSpPr>
-        <p:cNvPr id="48" name="Shape 48"/>
+        <p:cNvPr id="1" name="Shape 48"/>
         <p:cNvGrpSpPr/>
         <p:nvPr/>
       </p:nvGrpSpPr>
@@ -5918,9 +6088,11 @@
       <p:sp>
         <p:nvSpPr>
           <p:cNvPr id="49" name="Google Shape;49;p10"/>
-          <p:cNvSpPr txBox="1"/>
+          <p:cNvSpPr txBox="1">
+            <a:spLocks noGrp="1"/>
+          </p:cNvSpPr>
           <p:nvPr>
-            <p:ph idx="1" type="body"/>
+            <p:ph type="body" idx="1"/>
           </p:nvPr>
         </p:nvSpPr>
         <p:spPr>
@@ -5933,11 +6105,11 @@
           </a:prstGeom>
         </p:spPr>
         <p:txBody>
-          <a:bodyPr anchorCtr="0" anchor="ctr" bIns="91425" lIns="91425" spcFirstLastPara="1" rIns="91425" wrap="square" tIns="91425">
+          <a:bodyPr spcFirstLastPara="1" wrap="square" lIns="91425" tIns="91425" rIns="91425" bIns="91425" anchor="ctr" anchorCtr="0">
             <a:noAutofit/>
           </a:bodyPr>
           <a:lstStyle>
-            <a:lvl1pPr indent="-228600" lvl="0" marL="457200">
+            <a:lvl1pPr marL="457200" lvl="0" indent="-228600">
               <a:lnSpc>
                 <a:spcPct val="100000"/>
               </a:lnSpc>
@@ -5958,15 +6130,19 @@
               </a:defRPr>
             </a:lvl1pPr>
           </a:lstStyle>
-          <a:p/>
+          <a:p>
+            <a:endParaRPr/>
+          </a:p>
         </p:txBody>
       </p:sp>
       <p:sp>
         <p:nvSpPr>
           <p:cNvPr id="50" name="Google Shape;50;p10"/>
-          <p:cNvSpPr txBox="1"/>
+          <p:cNvSpPr txBox="1">
+            <a:spLocks noGrp="1"/>
+          </p:cNvSpPr>
           <p:nvPr>
-            <p:ph idx="12" type="sldNum"/>
+            <p:ph type="sldNum" idx="12"/>
           </p:nvPr>
         </p:nvSpPr>
         <p:spPr>
@@ -5979,7 +6155,7 @@
           </a:prstGeom>
         </p:spPr>
         <p:txBody>
-          <a:bodyPr anchorCtr="0" anchor="ctr" bIns="91425" lIns="91425" spcFirstLastPara="1" rIns="91425" wrap="square" tIns="91425">
+          <a:bodyPr spcFirstLastPara="1" wrap="square" lIns="91425" tIns="91425" rIns="91425" bIns="91425" anchor="ctr" anchorCtr="0">
             <a:noAutofit/>
           </a:bodyPr>
           <a:lstStyle>
@@ -6021,7 +6197,7 @@
             </a:lvl9pPr>
           </a:lstStyle>
           <a:p>
-            <a:pPr indent="0" lvl="0" marL="0" rtl="0" algn="r">
+            <a:pPr marL="0" lvl="0" indent="0" algn="r" rtl="0">
               <a:spcBef>
                 <a:spcPts val="0"/>
               </a:spcBef>
@@ -6032,7 +6208,7 @@
             </a:pPr>
             <a:fld id="{00000000-1234-1234-1234-123412341234}" type="slidenum">
               <a:rPr lang="fr"/>
-              <a:t>‹#›</a:t>
+              <a:t>‹N°›</a:t>
             </a:fld>
             <a:endParaRPr/>
           </a:p>
@@ -6047,18 +6223,19 @@
 </file>
 
 <file path=ppt/slideMasters/slideMaster1.xml><?xml version="1.0" encoding="utf-8"?>
-<p:sldMaster xmlns:a="http://schemas.openxmlformats.org/drawingml/2006/main" xmlns:r="http://schemas.openxmlformats.org/officeDocument/2006/relationships" xmlns:mc="http://schemas.openxmlformats.org/markup-compatibility/2006" xmlns:mv="urn:schemas-microsoft-com:mac:vml" xmlns:p="http://schemas.openxmlformats.org/presentationml/2006/main" xmlns:c="http://schemas.openxmlformats.org/drawingml/2006/chart" xmlns:dgm="http://schemas.openxmlformats.org/drawingml/2006/diagram" xmlns:o="urn:schemas-microsoft-com:office:office" xmlns:v="urn:schemas-microsoft-com:vml" xmlns:pvml="urn:schemas-microsoft-com:office:powerpoint" xmlns:com="http://schemas.openxmlformats.org/drawingml/2006/compatibility" xmlns:p14="http://schemas.microsoft.com/office/powerpoint/2010/main" xmlns:p15="http://schemas.microsoft.com/office/powerpoint/2012/main" xmlns:ahyp="http://schemas.microsoft.com/office/drawing/2018/hyperlinkcolor">
+<p:sldMaster xmlns:a="http://schemas.openxmlformats.org/drawingml/2006/main" xmlns:r="http://schemas.openxmlformats.org/officeDocument/2006/relationships" xmlns:p="http://schemas.openxmlformats.org/presentationml/2006/main">
   <p:cSld name="luxe">
     <p:bg>
       <p:bgPr>
         <a:solidFill>
           <a:schemeClr val="lt1"/>
         </a:solidFill>
+        <a:effectLst/>
       </p:bgPr>
     </p:bg>
     <p:spTree>
       <p:nvGrpSpPr>
-        <p:cNvPr id="5" name="Shape 5"/>
+        <p:cNvPr id="1" name="Shape 5"/>
         <p:cNvGrpSpPr/>
         <p:nvPr/>
       </p:nvGrpSpPr>
@@ -6073,7 +6250,9 @@
       <p:sp>
         <p:nvSpPr>
           <p:cNvPr id="6" name="Google Shape;6;p1"/>
-          <p:cNvSpPr txBox="1"/>
+          <p:cNvSpPr txBox="1">
+            <a:spLocks noGrp="1"/>
+          </p:cNvSpPr>
           <p:nvPr>
             <p:ph type="title"/>
           </p:nvPr>
@@ -6092,7 +6271,7 @@
           </a:ln>
         </p:spPr>
         <p:txBody>
-          <a:bodyPr anchorCtr="0" anchor="b" bIns="91425" lIns="91425" spcFirstLastPara="1" rIns="91425" wrap="square" tIns="91425">
+          <a:bodyPr spcFirstLastPara="1" wrap="square" lIns="91425" tIns="91425" rIns="91425" bIns="91425" anchor="b" anchorCtr="0">
             <a:noAutofit/>
           </a:bodyPr>
           <a:lstStyle>
@@ -6304,15 +6483,19 @@
               </a:defRPr>
             </a:lvl9pPr>
           </a:lstStyle>
-          <a:p/>
+          <a:p>
+            <a:endParaRPr/>
+          </a:p>
         </p:txBody>
       </p:sp>
       <p:sp>
         <p:nvSpPr>
           <p:cNvPr id="7" name="Google Shape;7;p1"/>
-          <p:cNvSpPr txBox="1"/>
+          <p:cNvSpPr txBox="1">
+            <a:spLocks noGrp="1"/>
+          </p:cNvSpPr>
           <p:nvPr>
-            <p:ph idx="1" type="body"/>
+            <p:ph type="body" idx="1"/>
           </p:nvPr>
         </p:nvSpPr>
         <p:spPr>
@@ -6329,11 +6512,11 @@
           </a:ln>
         </p:spPr>
         <p:txBody>
-          <a:bodyPr anchorCtr="0" anchor="t" bIns="91425" lIns="91425" spcFirstLastPara="1" rIns="91425" wrap="square" tIns="91425">
+          <a:bodyPr spcFirstLastPara="1" wrap="square" lIns="91425" tIns="91425" rIns="91425" bIns="91425" anchor="t" anchorCtr="0">
             <a:noAutofit/>
           </a:bodyPr>
           <a:lstStyle>
-            <a:lvl1pPr indent="-342900" lvl="0" marL="457200">
+            <a:lvl1pPr marL="457200" lvl="0" indent="-342900">
               <a:lnSpc>
                 <a:spcPct val="115000"/>
               </a:lnSpc>
@@ -6359,7 +6542,7 @@
                 <a:sym typeface="Open Sans"/>
               </a:defRPr>
             </a:lvl1pPr>
-            <a:lvl2pPr indent="-317500" lvl="1" marL="914400">
+            <a:lvl2pPr marL="914400" lvl="1" indent="-317500">
               <a:lnSpc>
                 <a:spcPct val="115000"/>
               </a:lnSpc>
@@ -6385,7 +6568,7 @@
                 <a:sym typeface="Open Sans"/>
               </a:defRPr>
             </a:lvl2pPr>
-            <a:lvl3pPr indent="-317500" lvl="2" marL="1371600">
+            <a:lvl3pPr marL="1371600" lvl="2" indent="-317500">
               <a:lnSpc>
                 <a:spcPct val="115000"/>
               </a:lnSpc>
@@ -6411,7 +6594,7 @@
                 <a:sym typeface="Open Sans"/>
               </a:defRPr>
             </a:lvl3pPr>
-            <a:lvl4pPr indent="-317500" lvl="3" marL="1828800">
+            <a:lvl4pPr marL="1828800" lvl="3" indent="-317500">
               <a:lnSpc>
                 <a:spcPct val="115000"/>
               </a:lnSpc>
@@ -6437,7 +6620,7 @@
                 <a:sym typeface="Open Sans"/>
               </a:defRPr>
             </a:lvl4pPr>
-            <a:lvl5pPr indent="-317500" lvl="4" marL="2286000">
+            <a:lvl5pPr marL="2286000" lvl="4" indent="-317500">
               <a:lnSpc>
                 <a:spcPct val="115000"/>
               </a:lnSpc>
@@ -6463,7 +6646,7 @@
                 <a:sym typeface="Open Sans"/>
               </a:defRPr>
             </a:lvl5pPr>
-            <a:lvl6pPr indent="-317500" lvl="5" marL="2743200">
+            <a:lvl6pPr marL="2743200" lvl="5" indent="-317500">
               <a:lnSpc>
                 <a:spcPct val="115000"/>
               </a:lnSpc>
@@ -6489,7 +6672,7 @@
                 <a:sym typeface="Open Sans"/>
               </a:defRPr>
             </a:lvl6pPr>
-            <a:lvl7pPr indent="-317500" lvl="6" marL="3200400">
+            <a:lvl7pPr marL="3200400" lvl="6" indent="-317500">
               <a:lnSpc>
                 <a:spcPct val="115000"/>
               </a:lnSpc>
@@ -6515,7 +6698,7 @@
                 <a:sym typeface="Open Sans"/>
               </a:defRPr>
             </a:lvl7pPr>
-            <a:lvl8pPr indent="-317500" lvl="7" marL="3657600">
+            <a:lvl8pPr marL="3657600" lvl="7" indent="-317500">
               <a:lnSpc>
                 <a:spcPct val="115000"/>
               </a:lnSpc>
@@ -6541,7 +6724,7 @@
                 <a:sym typeface="Open Sans"/>
               </a:defRPr>
             </a:lvl8pPr>
-            <a:lvl9pPr indent="-317500" lvl="8" marL="4114800">
+            <a:lvl9pPr marL="4114800" lvl="8" indent="-317500">
               <a:lnSpc>
                 <a:spcPct val="115000"/>
               </a:lnSpc>
@@ -6568,15 +6751,19 @@
               </a:defRPr>
             </a:lvl9pPr>
           </a:lstStyle>
-          <a:p/>
+          <a:p>
+            <a:endParaRPr/>
+          </a:p>
         </p:txBody>
       </p:sp>
       <p:sp>
         <p:nvSpPr>
           <p:cNvPr id="8" name="Google Shape;8;p1"/>
-          <p:cNvSpPr txBox="1"/>
+          <p:cNvSpPr txBox="1">
+            <a:spLocks noGrp="1"/>
+          </p:cNvSpPr>
           <p:nvPr>
-            <p:ph idx="12" type="sldNum"/>
+            <p:ph type="sldNum" idx="12"/>
           </p:nvPr>
         </p:nvSpPr>
         <p:spPr>
@@ -6593,7 +6780,7 @@
           </a:ln>
         </p:spPr>
         <p:txBody>
-          <a:bodyPr anchorCtr="0" anchor="ctr" bIns="91425" lIns="91425" spcFirstLastPara="1" rIns="91425" wrap="square" tIns="91425">
+          <a:bodyPr spcFirstLastPara="1" wrap="square" lIns="91425" tIns="91425" rIns="91425" bIns="91425" anchor="ctr" anchorCtr="0">
             <a:noAutofit/>
           </a:bodyPr>
           <a:lstStyle>
@@ -6707,7 +6894,7 @@
             </a:lvl9pPr>
           </a:lstStyle>
           <a:p>
-            <a:pPr indent="0" lvl="0" marL="0" rtl="0" algn="r">
+            <a:pPr marL="0" lvl="0" indent="0" algn="r" rtl="0">
               <a:spcBef>
                 <a:spcPts val="0"/>
               </a:spcBef>
@@ -6718,7 +6905,7 @@
             </a:pPr>
             <a:fld id="{00000000-1234-1234-1234-123412341234}" type="slidenum">
               <a:rPr lang="fr"/>
-              <a:t>‹#›</a:t>
+              <a:t>‹N°›</a:t>
             </a:fld>
             <a:endParaRPr/>
           </a:p>
@@ -6726,7 +6913,7 @@
       </p:sp>
     </p:spTree>
   </p:cSld>
-  <p:clrMap accent1="accent1" accent2="accent2" accent3="accent3" accent4="accent4" accent5="accent5" accent6="accent6" bg1="lt1" bg2="dk2" tx1="dk1" tx2="lt2" folHlink="folHlink" hlink="hlink"/>
+  <p:clrMap bg1="lt1" tx1="dk1" bg2="dk2" tx2="lt2" accent1="accent1" accent2="accent2" accent3="accent3" accent4="accent4" accent5="accent5" accent6="accent6" hlink="hlink" folHlink="folHlink"/>
   <p:sldLayoutIdLst>
     <p:sldLayoutId id="2147483648" r:id="rId1"/>
     <p:sldLayoutId id="2147483649" r:id="rId2"/>
@@ -6740,10 +6927,10 @@
     <p:sldLayoutId id="2147483657" r:id="rId10"/>
     <p:sldLayoutId id="2147483658" r:id="rId11"/>
   </p:sldLayoutIdLst>
-  <p:hf dt="0" ftr="0" hdr="0" sldNum="0"/>
+  <p:hf sldNum="0" hdr="0" ftr="0" dt="0"/>
   <p:txStyles>
     <p:titleStyle>
-      <a:defPPr lvl="0" marR="0" rtl="0" algn="l">
+      <a:defPPr marR="0" lvl="0" algn="l" rtl="0">
         <a:lnSpc>
           <a:spcPct val="100000"/>
         </a:lnSpc>
@@ -6754,7 +6941,7 @@
           <a:spcPts val="0"/>
         </a:spcAft>
       </a:defPPr>
-      <a:lvl1pPr lvl="0" marR="0" rtl="0" algn="l">
+      <a:lvl1pPr marR="0" lvl="0" algn="l" rtl="0">
         <a:lnSpc>
           <a:spcPct val="100000"/>
         </a:lnSpc>
@@ -6768,7 +6955,7 @@
           <a:srgbClr val="000000"/>
         </a:buClr>
         <a:buFont typeface="Arial"/>
-        <a:defRPr b="0" i="0" sz="1400" u="none" cap="none" strike="noStrike">
+        <a:defRPr sz="1400" b="0" i="0" u="none" strike="noStrike" cap="none">
           <a:solidFill>
             <a:srgbClr val="000000"/>
           </a:solidFill>
@@ -6778,7 +6965,7 @@
           <a:sym typeface="Arial"/>
         </a:defRPr>
       </a:lvl1pPr>
-      <a:lvl2pPr lvl="1" marR="0" rtl="0" algn="l">
+      <a:lvl2pPr marR="0" lvl="1" algn="l" rtl="0">
         <a:lnSpc>
           <a:spcPct val="100000"/>
         </a:lnSpc>
@@ -6792,7 +6979,7 @@
           <a:srgbClr val="000000"/>
         </a:buClr>
         <a:buFont typeface="Arial"/>
-        <a:defRPr b="0" i="0" sz="1400" u="none" cap="none" strike="noStrike">
+        <a:defRPr sz="1400" b="0" i="0" u="none" strike="noStrike" cap="none">
           <a:solidFill>
             <a:srgbClr val="000000"/>
           </a:solidFill>
@@ -6802,7 +6989,7 @@
           <a:sym typeface="Arial"/>
         </a:defRPr>
       </a:lvl2pPr>
-      <a:lvl3pPr lvl="2" marR="0" rtl="0" algn="l">
+      <a:lvl3pPr marR="0" lvl="2" algn="l" rtl="0">
         <a:lnSpc>
           <a:spcPct val="100000"/>
         </a:lnSpc>
@@ -6816,7 +7003,7 @@
           <a:srgbClr val="000000"/>
         </a:buClr>
         <a:buFont typeface="Arial"/>
-        <a:defRPr b="0" i="0" sz="1400" u="none" cap="none" strike="noStrike">
+        <a:defRPr sz="1400" b="0" i="0" u="none" strike="noStrike" cap="none">
           <a:solidFill>
             <a:srgbClr val="000000"/>
           </a:solidFill>
@@ -6826,7 +7013,7 @@
           <a:sym typeface="Arial"/>
         </a:defRPr>
       </a:lvl3pPr>
-      <a:lvl4pPr lvl="3" marR="0" rtl="0" algn="l">
+      <a:lvl4pPr marR="0" lvl="3" algn="l" rtl="0">
         <a:lnSpc>
           <a:spcPct val="100000"/>
         </a:lnSpc>
@@ -6840,7 +7027,7 @@
           <a:srgbClr val="000000"/>
         </a:buClr>
         <a:buFont typeface="Arial"/>
-        <a:defRPr b="0" i="0" sz="1400" u="none" cap="none" strike="noStrike">
+        <a:defRPr sz="1400" b="0" i="0" u="none" strike="noStrike" cap="none">
           <a:solidFill>
             <a:srgbClr val="000000"/>
           </a:solidFill>
@@ -6850,7 +7037,7 @@
           <a:sym typeface="Arial"/>
         </a:defRPr>
       </a:lvl4pPr>
-      <a:lvl5pPr lvl="4" marR="0" rtl="0" algn="l">
+      <a:lvl5pPr marR="0" lvl="4" algn="l" rtl="0">
         <a:lnSpc>
           <a:spcPct val="100000"/>
         </a:lnSpc>
@@ -6864,7 +7051,7 @@
           <a:srgbClr val="000000"/>
         </a:buClr>
         <a:buFont typeface="Arial"/>
-        <a:defRPr b="0" i="0" sz="1400" u="none" cap="none" strike="noStrike">
+        <a:defRPr sz="1400" b="0" i="0" u="none" strike="noStrike" cap="none">
           <a:solidFill>
             <a:srgbClr val="000000"/>
           </a:solidFill>
@@ -6874,7 +7061,7 @@
           <a:sym typeface="Arial"/>
         </a:defRPr>
       </a:lvl5pPr>
-      <a:lvl6pPr lvl="5" marR="0" rtl="0" algn="l">
+      <a:lvl6pPr marR="0" lvl="5" algn="l" rtl="0">
         <a:lnSpc>
           <a:spcPct val="100000"/>
         </a:lnSpc>
@@ -6888,7 +7075,7 @@
           <a:srgbClr val="000000"/>
         </a:buClr>
         <a:buFont typeface="Arial"/>
-        <a:defRPr b="0" i="0" sz="1400" u="none" cap="none" strike="noStrike">
+        <a:defRPr sz="1400" b="0" i="0" u="none" strike="noStrike" cap="none">
           <a:solidFill>
             <a:srgbClr val="000000"/>
           </a:solidFill>
@@ -6898,7 +7085,7 @@
           <a:sym typeface="Arial"/>
         </a:defRPr>
       </a:lvl6pPr>
-      <a:lvl7pPr lvl="6" marR="0" rtl="0" algn="l">
+      <a:lvl7pPr marR="0" lvl="6" algn="l" rtl="0">
         <a:lnSpc>
           <a:spcPct val="100000"/>
         </a:lnSpc>
@@ -6912,7 +7099,7 @@
           <a:srgbClr val="000000"/>
         </a:buClr>
         <a:buFont typeface="Arial"/>
-        <a:defRPr b="0" i="0" sz="1400" u="none" cap="none" strike="noStrike">
+        <a:defRPr sz="1400" b="0" i="0" u="none" strike="noStrike" cap="none">
           <a:solidFill>
             <a:srgbClr val="000000"/>
           </a:solidFill>
@@ -6922,7 +7109,7 @@
           <a:sym typeface="Arial"/>
         </a:defRPr>
       </a:lvl7pPr>
-      <a:lvl8pPr lvl="7" marR="0" rtl="0" algn="l">
+      <a:lvl8pPr marR="0" lvl="7" algn="l" rtl="0">
         <a:lnSpc>
           <a:spcPct val="100000"/>
         </a:lnSpc>
@@ -6936,7 +7123,7 @@
           <a:srgbClr val="000000"/>
         </a:buClr>
         <a:buFont typeface="Arial"/>
-        <a:defRPr b="0" i="0" sz="1400" u="none" cap="none" strike="noStrike">
+        <a:defRPr sz="1400" b="0" i="0" u="none" strike="noStrike" cap="none">
           <a:solidFill>
             <a:srgbClr val="000000"/>
           </a:solidFill>
@@ -6946,7 +7133,7 @@
           <a:sym typeface="Arial"/>
         </a:defRPr>
       </a:lvl8pPr>
-      <a:lvl9pPr lvl="8" marR="0" rtl="0" algn="l">
+      <a:lvl9pPr marR="0" lvl="8" algn="l" rtl="0">
         <a:lnSpc>
           <a:spcPct val="100000"/>
         </a:lnSpc>
@@ -6960,7 +7147,7 @@
           <a:srgbClr val="000000"/>
         </a:buClr>
         <a:buFont typeface="Arial"/>
-        <a:defRPr b="0" i="0" sz="1400" u="none" cap="none" strike="noStrike">
+        <a:defRPr sz="1400" b="0" i="0" u="none" strike="noStrike" cap="none">
           <a:solidFill>
             <a:srgbClr val="000000"/>
           </a:solidFill>
@@ -6972,7 +7159,7 @@
       </a:lvl9pPr>
     </p:titleStyle>
     <p:bodyStyle>
-      <a:defPPr lvl="0" marR="0" rtl="0" algn="l">
+      <a:defPPr marR="0" lvl="0" algn="l" rtl="0">
         <a:lnSpc>
           <a:spcPct val="100000"/>
         </a:lnSpc>
@@ -6983,7 +7170,7 @@
           <a:spcPts val="0"/>
         </a:spcAft>
       </a:defPPr>
-      <a:lvl1pPr lvl="0" marR="0" rtl="0" algn="l">
+      <a:lvl1pPr marR="0" lvl="0" algn="l" rtl="0">
         <a:lnSpc>
           <a:spcPct val="100000"/>
         </a:lnSpc>
@@ -6997,7 +7184,7 @@
           <a:srgbClr val="000000"/>
         </a:buClr>
         <a:buFont typeface="Arial"/>
-        <a:defRPr b="0" i="0" sz="1400" u="none" cap="none" strike="noStrike">
+        <a:defRPr sz="1400" b="0" i="0" u="none" strike="noStrike" cap="none">
           <a:solidFill>
             <a:srgbClr val="000000"/>
           </a:solidFill>
@@ -7007,7 +7194,7 @@
           <a:sym typeface="Arial"/>
         </a:defRPr>
       </a:lvl1pPr>
-      <a:lvl2pPr lvl="1" marR="0" rtl="0" algn="l">
+      <a:lvl2pPr marR="0" lvl="1" algn="l" rtl="0">
         <a:lnSpc>
           <a:spcPct val="100000"/>
         </a:lnSpc>
@@ -7021,7 +7208,7 @@
           <a:srgbClr val="000000"/>
         </a:buClr>
         <a:buFont typeface="Arial"/>
-        <a:defRPr b="0" i="0" sz="1400" u="none" cap="none" strike="noStrike">
+        <a:defRPr sz="1400" b="0" i="0" u="none" strike="noStrike" cap="none">
           <a:solidFill>
             <a:srgbClr val="000000"/>
           </a:solidFill>
@@ -7031,7 +7218,7 @@
           <a:sym typeface="Arial"/>
         </a:defRPr>
       </a:lvl2pPr>
-      <a:lvl3pPr lvl="2" marR="0" rtl="0" algn="l">
+      <a:lvl3pPr marR="0" lvl="2" algn="l" rtl="0">
         <a:lnSpc>
           <a:spcPct val="100000"/>
         </a:lnSpc>
@@ -7045,7 +7232,7 @@
           <a:srgbClr val="000000"/>
         </a:buClr>
         <a:buFont typeface="Arial"/>
-        <a:defRPr b="0" i="0" sz="1400" u="none" cap="none" strike="noStrike">
+        <a:defRPr sz="1400" b="0" i="0" u="none" strike="noStrike" cap="none">
           <a:solidFill>
             <a:srgbClr val="000000"/>
           </a:solidFill>
@@ -7055,7 +7242,7 @@
           <a:sym typeface="Arial"/>
         </a:defRPr>
       </a:lvl3pPr>
-      <a:lvl4pPr lvl="3" marR="0" rtl="0" algn="l">
+      <a:lvl4pPr marR="0" lvl="3" algn="l" rtl="0">
         <a:lnSpc>
           <a:spcPct val="100000"/>
         </a:lnSpc>
@@ -7069,7 +7256,7 @@
           <a:srgbClr val="000000"/>
         </a:buClr>
         <a:buFont typeface="Arial"/>
-        <a:defRPr b="0" i="0" sz="1400" u="none" cap="none" strike="noStrike">
+        <a:defRPr sz="1400" b="0" i="0" u="none" strike="noStrike" cap="none">
           <a:solidFill>
             <a:srgbClr val="000000"/>
           </a:solidFill>
@@ -7079,7 +7266,7 @@
           <a:sym typeface="Arial"/>
         </a:defRPr>
       </a:lvl4pPr>
-      <a:lvl5pPr lvl="4" marR="0" rtl="0" algn="l">
+      <a:lvl5pPr marR="0" lvl="4" algn="l" rtl="0">
         <a:lnSpc>
           <a:spcPct val="100000"/>
         </a:lnSpc>
@@ -7093,7 +7280,7 @@
           <a:srgbClr val="000000"/>
         </a:buClr>
         <a:buFont typeface="Arial"/>
-        <a:defRPr b="0" i="0" sz="1400" u="none" cap="none" strike="noStrike">
+        <a:defRPr sz="1400" b="0" i="0" u="none" strike="noStrike" cap="none">
           <a:solidFill>
             <a:srgbClr val="000000"/>
           </a:solidFill>
@@ -7103,7 +7290,7 @@
           <a:sym typeface="Arial"/>
         </a:defRPr>
       </a:lvl5pPr>
-      <a:lvl6pPr lvl="5" marR="0" rtl="0" algn="l">
+      <a:lvl6pPr marR="0" lvl="5" algn="l" rtl="0">
         <a:lnSpc>
           <a:spcPct val="100000"/>
         </a:lnSpc>
@@ -7117,7 +7304,7 @@
           <a:srgbClr val="000000"/>
         </a:buClr>
         <a:buFont typeface="Arial"/>
-        <a:defRPr b="0" i="0" sz="1400" u="none" cap="none" strike="noStrike">
+        <a:defRPr sz="1400" b="0" i="0" u="none" strike="noStrike" cap="none">
           <a:solidFill>
             <a:srgbClr val="000000"/>
           </a:solidFill>
@@ -7127,7 +7314,7 @@
           <a:sym typeface="Arial"/>
         </a:defRPr>
       </a:lvl6pPr>
-      <a:lvl7pPr lvl="6" marR="0" rtl="0" algn="l">
+      <a:lvl7pPr marR="0" lvl="6" algn="l" rtl="0">
         <a:lnSpc>
           <a:spcPct val="100000"/>
         </a:lnSpc>
@@ -7141,7 +7328,7 @@
           <a:srgbClr val="000000"/>
         </a:buClr>
         <a:buFont typeface="Arial"/>
-        <a:defRPr b="0" i="0" sz="1400" u="none" cap="none" strike="noStrike">
+        <a:defRPr sz="1400" b="0" i="0" u="none" strike="noStrike" cap="none">
           <a:solidFill>
             <a:srgbClr val="000000"/>
           </a:solidFill>
@@ -7151,7 +7338,7 @@
           <a:sym typeface="Arial"/>
         </a:defRPr>
       </a:lvl7pPr>
-      <a:lvl8pPr lvl="7" marR="0" rtl="0" algn="l">
+      <a:lvl8pPr marR="0" lvl="7" algn="l" rtl="0">
         <a:lnSpc>
           <a:spcPct val="100000"/>
         </a:lnSpc>
@@ -7165,7 +7352,7 @@
           <a:srgbClr val="000000"/>
         </a:buClr>
         <a:buFont typeface="Arial"/>
-        <a:defRPr b="0" i="0" sz="1400" u="none" cap="none" strike="noStrike">
+        <a:defRPr sz="1400" b="0" i="0" u="none" strike="noStrike" cap="none">
           <a:solidFill>
             <a:srgbClr val="000000"/>
           </a:solidFill>
@@ -7175,7 +7362,7 @@
           <a:sym typeface="Arial"/>
         </a:defRPr>
       </a:lvl8pPr>
-      <a:lvl9pPr lvl="8" marR="0" rtl="0" algn="l">
+      <a:lvl9pPr marR="0" lvl="8" algn="l" rtl="0">
         <a:lnSpc>
           <a:spcPct val="100000"/>
         </a:lnSpc>
@@ -7189,7 +7376,7 @@
           <a:srgbClr val="000000"/>
         </a:buClr>
         <a:buFont typeface="Arial"/>
-        <a:defRPr b="0" i="0" sz="1400" u="none" cap="none" strike="noStrike">
+        <a:defRPr sz="1400" b="0" i="0" u="none" strike="noStrike" cap="none">
           <a:solidFill>
             <a:srgbClr val="000000"/>
           </a:solidFill>
@@ -7201,7 +7388,7 @@
       </a:lvl9pPr>
     </p:bodyStyle>
     <p:otherStyle>
-      <a:defPPr lvl="0" marR="0" rtl="0" algn="l">
+      <a:defPPr marR="0" lvl="0" algn="l" rtl="0">
         <a:lnSpc>
           <a:spcPct val="100000"/>
         </a:lnSpc>
@@ -7212,7 +7399,7 @@
           <a:spcPts val="0"/>
         </a:spcAft>
       </a:defPPr>
-      <a:lvl1pPr lvl="0" marR="0" rtl="0" algn="l">
+      <a:lvl1pPr marR="0" lvl="0" algn="l" rtl="0">
         <a:lnSpc>
           <a:spcPct val="100000"/>
         </a:lnSpc>
@@ -7226,7 +7413,7 @@
           <a:srgbClr val="000000"/>
         </a:buClr>
         <a:buFont typeface="Arial"/>
-        <a:defRPr b="0" i="0" sz="1400" u="none" cap="none" strike="noStrike">
+        <a:defRPr sz="1400" b="0" i="0" u="none" strike="noStrike" cap="none">
           <a:solidFill>
             <a:srgbClr val="000000"/>
           </a:solidFill>
@@ -7236,7 +7423,7 @@
           <a:sym typeface="Arial"/>
         </a:defRPr>
       </a:lvl1pPr>
-      <a:lvl2pPr lvl="1" marR="0" rtl="0" algn="l">
+      <a:lvl2pPr marR="0" lvl="1" algn="l" rtl="0">
         <a:lnSpc>
           <a:spcPct val="100000"/>
         </a:lnSpc>
@@ -7250,7 +7437,7 @@
           <a:srgbClr val="000000"/>
         </a:buClr>
         <a:buFont typeface="Arial"/>
-        <a:defRPr b="0" i="0" sz="1400" u="none" cap="none" strike="noStrike">
+        <a:defRPr sz="1400" b="0" i="0" u="none" strike="noStrike" cap="none">
           <a:solidFill>
             <a:srgbClr val="000000"/>
           </a:solidFill>
@@ -7260,7 +7447,7 @@
           <a:sym typeface="Arial"/>
         </a:defRPr>
       </a:lvl2pPr>
-      <a:lvl3pPr lvl="2" marR="0" rtl="0" algn="l">
+      <a:lvl3pPr marR="0" lvl="2" algn="l" rtl="0">
         <a:lnSpc>
           <a:spcPct val="100000"/>
         </a:lnSpc>
@@ -7274,7 +7461,7 @@
           <a:srgbClr val="000000"/>
         </a:buClr>
         <a:buFont typeface="Arial"/>
-        <a:defRPr b="0" i="0" sz="1400" u="none" cap="none" strike="noStrike">
+        <a:defRPr sz="1400" b="0" i="0" u="none" strike="noStrike" cap="none">
           <a:solidFill>
             <a:srgbClr val="000000"/>
           </a:solidFill>
@@ -7284,7 +7471,7 @@
           <a:sym typeface="Arial"/>
         </a:defRPr>
       </a:lvl3pPr>
-      <a:lvl4pPr lvl="3" marR="0" rtl="0" algn="l">
+      <a:lvl4pPr marR="0" lvl="3" algn="l" rtl="0">
         <a:lnSpc>
           <a:spcPct val="100000"/>
         </a:lnSpc>
@@ -7298,7 +7485,7 @@
           <a:srgbClr val="000000"/>
         </a:buClr>
         <a:buFont typeface="Arial"/>
-        <a:defRPr b="0" i="0" sz="1400" u="none" cap="none" strike="noStrike">
+        <a:defRPr sz="1400" b="0" i="0" u="none" strike="noStrike" cap="none">
           <a:solidFill>
             <a:srgbClr val="000000"/>
           </a:solidFill>
@@ -7308,7 +7495,7 @@
           <a:sym typeface="Arial"/>
         </a:defRPr>
       </a:lvl4pPr>
-      <a:lvl5pPr lvl="4" marR="0" rtl="0" algn="l">
+      <a:lvl5pPr marR="0" lvl="4" algn="l" rtl="0">
         <a:lnSpc>
           <a:spcPct val="100000"/>
         </a:lnSpc>
@@ -7322,7 +7509,7 @@
           <a:srgbClr val="000000"/>
         </a:buClr>
         <a:buFont typeface="Arial"/>
-        <a:defRPr b="0" i="0" sz="1400" u="none" cap="none" strike="noStrike">
+        <a:defRPr sz="1400" b="0" i="0" u="none" strike="noStrike" cap="none">
           <a:solidFill>
             <a:srgbClr val="000000"/>
           </a:solidFill>
@@ -7332,7 +7519,7 @@
           <a:sym typeface="Arial"/>
         </a:defRPr>
       </a:lvl5pPr>
-      <a:lvl6pPr lvl="5" marR="0" rtl="0" algn="l">
+      <a:lvl6pPr marR="0" lvl="5" algn="l" rtl="0">
         <a:lnSpc>
           <a:spcPct val="100000"/>
         </a:lnSpc>
@@ -7346,7 +7533,7 @@
           <a:srgbClr val="000000"/>
         </a:buClr>
         <a:buFont typeface="Arial"/>
-        <a:defRPr b="0" i="0" sz="1400" u="none" cap="none" strike="noStrike">
+        <a:defRPr sz="1400" b="0" i="0" u="none" strike="noStrike" cap="none">
           <a:solidFill>
             <a:srgbClr val="000000"/>
           </a:solidFill>
@@ -7356,7 +7543,7 @@
           <a:sym typeface="Arial"/>
         </a:defRPr>
       </a:lvl6pPr>
-      <a:lvl7pPr lvl="6" marR="0" rtl="0" algn="l">
+      <a:lvl7pPr marR="0" lvl="6" algn="l" rtl="0">
         <a:lnSpc>
           <a:spcPct val="100000"/>
         </a:lnSpc>
@@ -7370,7 +7557,7 @@
           <a:srgbClr val="000000"/>
         </a:buClr>
         <a:buFont typeface="Arial"/>
-        <a:defRPr b="0" i="0" sz="1400" u="none" cap="none" strike="noStrike">
+        <a:defRPr sz="1400" b="0" i="0" u="none" strike="noStrike" cap="none">
           <a:solidFill>
             <a:srgbClr val="000000"/>
           </a:solidFill>
@@ -7380,7 +7567,7 @@
           <a:sym typeface="Arial"/>
         </a:defRPr>
       </a:lvl7pPr>
-      <a:lvl8pPr lvl="7" marR="0" rtl="0" algn="l">
+      <a:lvl8pPr marR="0" lvl="7" algn="l" rtl="0">
         <a:lnSpc>
           <a:spcPct val="100000"/>
         </a:lnSpc>
@@ -7394,7 +7581,7 @@
           <a:srgbClr val="000000"/>
         </a:buClr>
         <a:buFont typeface="Arial"/>
-        <a:defRPr b="0" i="0" sz="1400" u="none" cap="none" strike="noStrike">
+        <a:defRPr sz="1400" b="0" i="0" u="none" strike="noStrike" cap="none">
           <a:solidFill>
             <a:srgbClr val="000000"/>
           </a:solidFill>
@@ -7404,7 +7591,7 @@
           <a:sym typeface="Arial"/>
         </a:defRPr>
       </a:lvl8pPr>
-      <a:lvl9pPr lvl="8" marR="0" rtl="0" algn="l">
+      <a:lvl9pPr marR="0" lvl="8" algn="l" rtl="0">
         <a:lnSpc>
           <a:spcPct val="100000"/>
         </a:lnSpc>
@@ -7418,7 +7605,7 @@
           <a:srgbClr val="000000"/>
         </a:buClr>
         <a:buFont typeface="Arial"/>
-        <a:defRPr b="0" i="0" sz="1400" u="none" cap="none" strike="noStrike">
+        <a:defRPr sz="1400" b="0" i="0" u="none" strike="noStrike" cap="none">
           <a:solidFill>
             <a:srgbClr val="000000"/>
           </a:solidFill>
@@ -7434,11 +7621,11 @@
 </file>
 
 <file path=ppt/slides/slide1.xml><?xml version="1.0" encoding="utf-8"?>
-<p:sld xmlns:a="http://schemas.openxmlformats.org/drawingml/2006/main" xmlns:r="http://schemas.openxmlformats.org/officeDocument/2006/relationships" xmlns:mc="http://schemas.openxmlformats.org/markup-compatibility/2006" xmlns:mv="urn:schemas-microsoft-com:mac:vml" xmlns:p="http://schemas.openxmlformats.org/presentationml/2006/main" xmlns:c="http://schemas.openxmlformats.org/drawingml/2006/chart" xmlns:dgm="http://schemas.openxmlformats.org/drawingml/2006/diagram" xmlns:o="urn:schemas-microsoft-com:office:office" xmlns:v="urn:schemas-microsoft-com:vml" xmlns:pvml="urn:schemas-microsoft-com:office:powerpoint" xmlns:com="http://schemas.openxmlformats.org/drawingml/2006/compatibility" xmlns:p14="http://schemas.microsoft.com/office/powerpoint/2010/main" xmlns:p15="http://schemas.microsoft.com/office/powerpoint/2012/main" xmlns:ahyp="http://schemas.microsoft.com/office/drawing/2018/hyperlinkcolor">
+<p:sld xmlns:a="http://schemas.openxmlformats.org/drawingml/2006/main" xmlns:r="http://schemas.openxmlformats.org/officeDocument/2006/relationships" xmlns:p="http://schemas.openxmlformats.org/presentationml/2006/main">
   <p:cSld>
     <p:spTree>
       <p:nvGrpSpPr>
-        <p:cNvPr id="61" name="Shape 61"/>
+        <p:cNvPr id="1" name="Shape 61"/>
         <p:cNvGrpSpPr/>
         <p:nvPr/>
       </p:nvGrpSpPr>
@@ -7453,7 +7640,9 @@
       <p:sp>
         <p:nvSpPr>
           <p:cNvPr id="62" name="Google Shape;62;p13"/>
-          <p:cNvSpPr txBox="1"/>
+          <p:cNvSpPr txBox="1">
+            <a:spLocks noGrp="1"/>
+          </p:cNvSpPr>
           <p:nvPr>
             <p:ph type="ctrTitle"/>
           </p:nvPr>
@@ -7468,12 +7657,12 @@
           </a:prstGeom>
         </p:spPr>
         <p:txBody>
-          <a:bodyPr anchorCtr="0" anchor="b" bIns="91425" lIns="91425" spcFirstLastPara="1" rIns="91425" wrap="square" tIns="91425">
+          <a:bodyPr spcFirstLastPara="1" wrap="square" lIns="91425" tIns="91425" rIns="91425" bIns="91425" anchor="b" anchorCtr="0">
             <a:noAutofit/>
           </a:bodyPr>
           <a:lstStyle/>
           <a:p>
-            <a:pPr indent="0" lvl="0" marL="0" rtl="0" algn="ctr">
+            <a:pPr marL="0" lvl="0" indent="0" algn="ctr" rtl="0">
               <a:spcBef>
                 <a:spcPts val="0"/>
               </a:spcBef>
@@ -7493,9 +7682,11 @@
       <p:sp>
         <p:nvSpPr>
           <p:cNvPr id="63" name="Google Shape;63;p13"/>
-          <p:cNvSpPr txBox="1"/>
+          <p:cNvSpPr txBox="1">
+            <a:spLocks noGrp="1"/>
+          </p:cNvSpPr>
           <p:nvPr>
-            <p:ph idx="1" type="subTitle"/>
+            <p:ph type="subTitle" idx="1"/>
           </p:nvPr>
         </p:nvSpPr>
         <p:spPr>
@@ -7508,12 +7699,12 @@
           </a:prstGeom>
         </p:spPr>
         <p:txBody>
-          <a:bodyPr anchorCtr="0" anchor="t" bIns="91425" lIns="91425" spcFirstLastPara="1" rIns="91425" wrap="square" tIns="91425">
+          <a:bodyPr spcFirstLastPara="1" wrap="square" lIns="91425" tIns="91425" rIns="91425" bIns="91425" anchor="t" anchorCtr="0">
             <a:noAutofit/>
           </a:bodyPr>
           <a:lstStyle/>
           <a:p>
-            <a:pPr indent="0" lvl="0" marL="0" rtl="0" algn="ctr">
+            <a:pPr marL="0" lvl="0" indent="0" algn="ctr" rtl="0">
               <a:spcBef>
                 <a:spcPts val="0"/>
               </a:spcBef>
@@ -7524,15 +7715,7 @@
             </a:pPr>
             <a:r>
               <a:rPr lang="fr"/>
-              <a:t>Online Shoppers </a:t>
-            </a:r>
-            <a:r>
-              <a:rPr lang="fr"/>
-              <a:t>Purchasing</a:t>
-            </a:r>
-            <a:r>
-              <a:rPr lang="fr"/>
-              <a:t> Intention</a:t>
+              <a:t>Online Shoppers Purchasing Intention</a:t>
             </a:r>
             <a:endParaRPr/>
           </a:p>
@@ -7558,12 +7741,12 @@
           </a:ln>
         </p:spPr>
         <p:txBody>
-          <a:bodyPr anchorCtr="0" anchor="t" bIns="91425" lIns="91425" spcFirstLastPara="1" rIns="91425" wrap="square" tIns="91425">
+          <a:bodyPr spcFirstLastPara="1" wrap="square" lIns="91425" tIns="91425" rIns="91425" bIns="91425" anchor="t" anchorCtr="0">
             <a:noAutofit/>
           </a:bodyPr>
           <a:lstStyle/>
           <a:p>
-            <a:pPr indent="0" lvl="0" marL="0" rtl="0" algn="r">
+            <a:pPr marL="0" lvl="0" indent="0" algn="r" rtl="0">
               <a:spcBef>
                 <a:spcPts val="0"/>
               </a:spcBef>
@@ -7573,15 +7756,15 @@
               <a:buNone/>
             </a:pPr>
             <a:r>
-              <a:rPr lang="fr" sz="1900">
+              <a:rPr lang="fr" sz="1900" dirty="0">
                 <a:latin typeface="Economica"/>
                 <a:ea typeface="Economica"/>
                 <a:cs typeface="Economica"/>
                 <a:sym typeface="Economica"/>
               </a:rPr>
-              <a:t>2020 - ESILV A5          			Antoine THIOL - Klarissa TU</a:t>
+              <a:t>2020 - ESILV A5          		Antoine THIOL - Klarissa TU</a:t>
             </a:r>
-            <a:endParaRPr sz="1900">
+            <a:endParaRPr sz="1900" dirty="0">
               <a:latin typeface="Economica"/>
               <a:ea typeface="Economica"/>
               <a:cs typeface="Economica"/>
@@ -7599,11 +7782,11 @@
 </file>
 
 <file path=ppt/slides/slide10.xml><?xml version="1.0" encoding="utf-8"?>
-<p:sld xmlns:a="http://schemas.openxmlformats.org/drawingml/2006/main" xmlns:r="http://schemas.openxmlformats.org/officeDocument/2006/relationships" xmlns:mc="http://schemas.openxmlformats.org/markup-compatibility/2006" xmlns:mv="urn:schemas-microsoft-com:mac:vml" xmlns:p="http://schemas.openxmlformats.org/presentationml/2006/main" xmlns:c="http://schemas.openxmlformats.org/drawingml/2006/chart" xmlns:dgm="http://schemas.openxmlformats.org/drawingml/2006/diagram" xmlns:o="urn:schemas-microsoft-com:office:office" xmlns:v="urn:schemas-microsoft-com:vml" xmlns:pvml="urn:schemas-microsoft-com:office:powerpoint" xmlns:com="http://schemas.openxmlformats.org/drawingml/2006/compatibility" xmlns:p14="http://schemas.microsoft.com/office/powerpoint/2010/main" xmlns:p15="http://schemas.microsoft.com/office/powerpoint/2012/main" xmlns:ahyp="http://schemas.microsoft.com/office/drawing/2018/hyperlinkcolor">
+<p:sld xmlns:a="http://schemas.openxmlformats.org/drawingml/2006/main" xmlns:r="http://schemas.openxmlformats.org/officeDocument/2006/relationships" xmlns:p="http://schemas.openxmlformats.org/presentationml/2006/main">
   <p:cSld>
     <p:spTree>
       <p:nvGrpSpPr>
-        <p:cNvPr id="118" name="Shape 118"/>
+        <p:cNvPr id="1" name="Shape 118"/>
         <p:cNvGrpSpPr/>
         <p:nvPr/>
       </p:nvGrpSpPr>
@@ -7618,7 +7801,9 @@
       <p:sp>
         <p:nvSpPr>
           <p:cNvPr id="119" name="Google Shape;119;p22"/>
-          <p:cNvSpPr txBox="1"/>
+          <p:cNvSpPr txBox="1">
+            <a:spLocks noGrp="1"/>
+          </p:cNvSpPr>
           <p:nvPr>
             <p:ph type="title"/>
           </p:nvPr>
@@ -7633,12 +7818,12 @@
           </a:prstGeom>
         </p:spPr>
         <p:txBody>
-          <a:bodyPr anchorCtr="0" anchor="ctr" bIns="91425" lIns="91425" spcFirstLastPara="1" rIns="91425" wrap="square" tIns="91425">
+          <a:bodyPr spcFirstLastPara="1" wrap="square" lIns="91425" tIns="91425" rIns="91425" bIns="91425" anchor="ctr" anchorCtr="0">
             <a:noAutofit/>
           </a:bodyPr>
           <a:lstStyle/>
           <a:p>
-            <a:pPr indent="0" lvl="0" marL="0" rtl="0" algn="l">
+            <a:pPr marL="0" lvl="0" indent="0" algn="l" rtl="0">
               <a:spcBef>
                 <a:spcPts val="0"/>
               </a:spcBef>
@@ -7675,12 +7860,12 @@
           </a:ln>
         </p:spPr>
         <p:txBody>
-          <a:bodyPr anchorCtr="0" anchor="t" bIns="91425" lIns="91425" spcFirstLastPara="1" rIns="91425" wrap="square" tIns="91425">
+          <a:bodyPr spcFirstLastPara="1" wrap="square" lIns="91425" tIns="91425" rIns="91425" bIns="91425" anchor="t" anchorCtr="0">
             <a:spAutoFit/>
           </a:bodyPr>
           <a:lstStyle/>
           <a:p>
-            <a:pPr indent="0" lvl="0" marL="0" rtl="0" algn="l">
+            <a:pPr marL="0" lvl="0" indent="0" algn="l" rtl="0">
               <a:spcBef>
                 <a:spcPts val="0"/>
               </a:spcBef>
@@ -7706,7 +7891,7 @@
             </a:endParaRPr>
           </a:p>
           <a:p>
-            <a:pPr indent="0" lvl="0" marL="0" rtl="0" algn="l">
+            <a:pPr marL="0" lvl="0" indent="0" algn="l" rtl="0">
               <a:spcBef>
                 <a:spcPts val="0"/>
               </a:spcBef>
@@ -7744,7 +7929,7 @@
             </a:endParaRPr>
           </a:p>
           <a:p>
-            <a:pPr indent="0" lvl="0" marL="0" rtl="0" algn="l">
+            <a:pPr marL="0" lvl="0" indent="0" algn="l" rtl="0">
               <a:spcBef>
                 <a:spcPts val="0"/>
               </a:spcBef>
@@ -7753,9 +7938,6 @@
               </a:spcAft>
               <a:buNone/>
             </a:pPr>
-            <a:r>
-              <a:t/>
-            </a:r>
             <a:endParaRPr sz="1700">
               <a:solidFill>
                 <a:srgbClr val="212121"/>
@@ -7770,7 +7952,7 @@
             </a:endParaRPr>
           </a:p>
           <a:p>
-            <a:pPr indent="0" lvl="0" marL="0" rtl="0" algn="l">
+            <a:pPr marL="0" lvl="0" indent="0" algn="l" rtl="0">
               <a:spcBef>
                 <a:spcPts val="0"/>
               </a:spcBef>
@@ -7808,7 +7990,7 @@
             </a:endParaRPr>
           </a:p>
           <a:p>
-            <a:pPr indent="0" lvl="0" marL="0" rtl="0" algn="l">
+            <a:pPr marL="0" lvl="0" indent="0" algn="l" rtl="0">
               <a:spcBef>
                 <a:spcPts val="0"/>
               </a:spcBef>
@@ -7817,9 +7999,6 @@
               </a:spcAft>
               <a:buNone/>
             </a:pPr>
-            <a:r>
-              <a:t/>
-            </a:r>
             <a:endParaRPr sz="1700">
               <a:solidFill>
                 <a:srgbClr val="212121"/>
@@ -7834,7 +8013,7 @@
             </a:endParaRPr>
           </a:p>
           <a:p>
-            <a:pPr indent="0" lvl="0" marL="0" rtl="0" algn="l">
+            <a:pPr marL="0" lvl="0" indent="0" algn="l" rtl="0">
               <a:spcBef>
                 <a:spcPts val="0"/>
               </a:spcBef>
@@ -7872,7 +8051,7 @@
             </a:endParaRPr>
           </a:p>
           <a:p>
-            <a:pPr indent="0" lvl="0" marL="0" rtl="0" algn="l">
+            <a:pPr marL="0" lvl="0" indent="0" algn="l" rtl="0">
               <a:spcBef>
                 <a:spcPts val="0"/>
               </a:spcBef>
@@ -7881,9 +8060,6 @@
               </a:spcAft>
               <a:buNone/>
             </a:pPr>
-            <a:r>
-              <a:t/>
-            </a:r>
             <a:endParaRPr sz="1700">
               <a:solidFill>
                 <a:srgbClr val="212121"/>
@@ -7898,7 +8074,7 @@
             </a:endParaRPr>
           </a:p>
           <a:p>
-            <a:pPr indent="0" lvl="0" marL="0" rtl="0" algn="l">
+            <a:pPr marL="0" lvl="0" indent="0" algn="l" rtl="0">
               <a:spcBef>
                 <a:spcPts val="0"/>
               </a:spcBef>
@@ -7936,7 +8112,7 @@
             </a:endParaRPr>
           </a:p>
           <a:p>
-            <a:pPr indent="0" lvl="0" marL="0" rtl="0" algn="l">
+            <a:pPr marL="0" lvl="0" indent="0" algn="l" rtl="0">
               <a:spcBef>
                 <a:spcPts val="0"/>
               </a:spcBef>
@@ -7945,9 +8121,6 @@
               </a:spcAft>
               <a:buNone/>
             </a:pPr>
-            <a:r>
-              <a:t/>
-            </a:r>
             <a:endParaRPr sz="1700">
               <a:solidFill>
                 <a:srgbClr val="212121"/>
@@ -7962,7 +8135,7 @@
             </a:endParaRPr>
           </a:p>
           <a:p>
-            <a:pPr indent="0" lvl="0" marL="0" rtl="0" algn="l">
+            <a:pPr marL="0" lvl="0" indent="0" algn="l" rtl="0">
               <a:lnSpc>
                 <a:spcPct val="135714"/>
               </a:lnSpc>
@@ -7974,9 +8147,6 @@
               </a:spcAft>
               <a:buNone/>
             </a:pPr>
-            <a:r>
-              <a:t/>
-            </a:r>
             <a:endParaRPr sz="1700">
               <a:solidFill>
                 <a:schemeClr val="dk1"/>
@@ -7991,7 +8161,7 @@
             </a:endParaRPr>
           </a:p>
           <a:p>
-            <a:pPr indent="0" lvl="0" marL="0" rtl="0" algn="l">
+            <a:pPr marL="0" lvl="0" indent="0" algn="l" rtl="0">
               <a:spcBef>
                 <a:spcPts val="0"/>
               </a:spcBef>
@@ -8000,9 +8170,6 @@
               </a:spcAft>
               <a:buNone/>
             </a:pPr>
-            <a:r>
-              <a:t/>
-            </a:r>
             <a:endParaRPr sz="1700">
               <a:solidFill>
                 <a:srgbClr val="212121"/>
@@ -8017,7 +8184,7 @@
             </a:endParaRPr>
           </a:p>
           <a:p>
-            <a:pPr indent="0" lvl="0" marL="0" rtl="0" algn="l">
+            <a:pPr marL="0" lvl="0" indent="0" algn="l" rtl="0">
               <a:spcBef>
                 <a:spcPts val="0"/>
               </a:spcBef>
@@ -8026,9 +8193,6 @@
               </a:spcAft>
               <a:buNone/>
             </a:pPr>
-            <a:r>
-              <a:t/>
-            </a:r>
             <a:endParaRPr sz="1700">
               <a:solidFill>
                 <a:srgbClr val="212121"/>
@@ -8053,11 +8217,11 @@
 </file>
 
 <file path=ppt/slides/slide11.xml><?xml version="1.0" encoding="utf-8"?>
-<p:sld xmlns:a="http://schemas.openxmlformats.org/drawingml/2006/main" xmlns:r="http://schemas.openxmlformats.org/officeDocument/2006/relationships" xmlns:mc="http://schemas.openxmlformats.org/markup-compatibility/2006" xmlns:mv="urn:schemas-microsoft-com:mac:vml" xmlns:p="http://schemas.openxmlformats.org/presentationml/2006/main" xmlns:c="http://schemas.openxmlformats.org/drawingml/2006/chart" xmlns:dgm="http://schemas.openxmlformats.org/drawingml/2006/diagram" xmlns:o="urn:schemas-microsoft-com:office:office" xmlns:v="urn:schemas-microsoft-com:vml" xmlns:pvml="urn:schemas-microsoft-com:office:powerpoint" xmlns:com="http://schemas.openxmlformats.org/drawingml/2006/compatibility" xmlns:p14="http://schemas.microsoft.com/office/powerpoint/2010/main" xmlns:p15="http://schemas.microsoft.com/office/powerpoint/2012/main" xmlns:ahyp="http://schemas.microsoft.com/office/drawing/2018/hyperlinkcolor">
+<p:sld xmlns:a="http://schemas.openxmlformats.org/drawingml/2006/main" xmlns:r="http://schemas.openxmlformats.org/officeDocument/2006/relationships" xmlns:p="http://schemas.openxmlformats.org/presentationml/2006/main">
   <p:cSld>
     <p:spTree>
       <p:nvGrpSpPr>
-        <p:cNvPr id="124" name="Shape 124"/>
+        <p:cNvPr id="1" name="Shape 124"/>
         <p:cNvGrpSpPr/>
         <p:nvPr/>
       </p:nvGrpSpPr>
@@ -8117,12 +8281,12 @@
           </a:ln>
         </p:spPr>
         <p:txBody>
-          <a:bodyPr anchorCtr="0" anchor="t" bIns="91425" lIns="91425" spcFirstLastPara="1" rIns="91425" wrap="square" tIns="91425">
+          <a:bodyPr spcFirstLastPara="1" wrap="square" lIns="91425" tIns="91425" rIns="91425" bIns="91425" anchor="t" anchorCtr="0">
             <a:spAutoFit/>
           </a:bodyPr>
           <a:lstStyle/>
           <a:p>
-            <a:pPr indent="0" lvl="0" marL="0" rtl="0" algn="l">
+            <a:pPr marL="0" lvl="0" indent="0" algn="l" rtl="0">
               <a:lnSpc>
                 <a:spcPct val="135714"/>
               </a:lnSpc>
@@ -8199,30 +8363,30 @@
           </a:xfrm>
           <a:prstGeom prst="rightArrow">
             <a:avLst>
-              <a:gd fmla="val 50000" name="adj1"/>
-              <a:gd fmla="val 50000" name="adj2"/>
+              <a:gd name="adj1" fmla="val 50000"/>
+              <a:gd name="adj2" fmla="val 50000"/>
             </a:avLst>
           </a:prstGeom>
           <a:solidFill>
             <a:srgbClr val="85200C"/>
           </a:solidFill>
-          <a:ln cap="flat" cmpd="sng" w="9525">
+          <a:ln w="9525" cap="flat" cmpd="sng">
             <a:solidFill>
               <a:schemeClr val="dk2"/>
             </a:solidFill>
             <a:prstDash val="solid"/>
             <a:round/>
-            <a:headEnd len="sm" w="sm" type="none"/>
-            <a:tailEnd len="sm" w="sm" type="none"/>
+            <a:headEnd type="none" w="sm" len="sm"/>
+            <a:tailEnd type="none" w="sm" len="sm"/>
           </a:ln>
         </p:spPr>
         <p:txBody>
-          <a:bodyPr anchorCtr="0" anchor="ctr" bIns="91425" lIns="91425" spcFirstLastPara="1" rIns="91425" wrap="square" tIns="91425">
+          <a:bodyPr spcFirstLastPara="1" wrap="square" lIns="91425" tIns="91425" rIns="91425" bIns="91425" anchor="ctr" anchorCtr="0">
             <a:noAutofit/>
           </a:bodyPr>
           <a:lstStyle/>
           <a:p>
-            <a:pPr indent="0" lvl="0" marL="0" rtl="0" algn="l">
+            <a:pPr marL="0" lvl="0" indent="0" algn="l" rtl="0">
               <a:spcBef>
                 <a:spcPts val="0"/>
               </a:spcBef>
@@ -8231,9 +8395,6 @@
               </a:spcAft>
               <a:buNone/>
             </a:pPr>
-            <a:r>
-              <a:t/>
-            </a:r>
             <a:endParaRPr/>
           </a:p>
         </p:txBody>
@@ -8247,11 +8408,11 @@
 </file>
 
 <file path=ppt/slides/slide12.xml><?xml version="1.0" encoding="utf-8"?>
-<p:sld xmlns:a="http://schemas.openxmlformats.org/drawingml/2006/main" xmlns:r="http://schemas.openxmlformats.org/officeDocument/2006/relationships" xmlns:mc="http://schemas.openxmlformats.org/markup-compatibility/2006" xmlns:mv="urn:schemas-microsoft-com:mac:vml" xmlns:p="http://schemas.openxmlformats.org/presentationml/2006/main" xmlns:c="http://schemas.openxmlformats.org/drawingml/2006/chart" xmlns:dgm="http://schemas.openxmlformats.org/drawingml/2006/diagram" xmlns:o="urn:schemas-microsoft-com:office:office" xmlns:v="urn:schemas-microsoft-com:vml" xmlns:pvml="urn:schemas-microsoft-com:office:powerpoint" xmlns:com="http://schemas.openxmlformats.org/drawingml/2006/compatibility" xmlns:p14="http://schemas.microsoft.com/office/powerpoint/2010/main" xmlns:p15="http://schemas.microsoft.com/office/powerpoint/2012/main" xmlns:ahyp="http://schemas.microsoft.com/office/drawing/2018/hyperlinkcolor">
+<p:sld xmlns:a="http://schemas.openxmlformats.org/drawingml/2006/main" xmlns:r="http://schemas.openxmlformats.org/officeDocument/2006/relationships" xmlns:p="http://schemas.openxmlformats.org/presentationml/2006/main">
   <p:cSld>
     <p:spTree>
       <p:nvGrpSpPr>
-        <p:cNvPr id="132" name="Shape 132"/>
+        <p:cNvPr id="1" name="Shape 132"/>
         <p:cNvGrpSpPr/>
         <p:nvPr/>
       </p:nvGrpSpPr>
@@ -8266,7 +8427,9 @@
       <p:sp>
         <p:nvSpPr>
           <p:cNvPr id="133" name="Google Shape;133;p24"/>
-          <p:cNvSpPr txBox="1"/>
+          <p:cNvSpPr txBox="1">
+            <a:spLocks noGrp="1"/>
+          </p:cNvSpPr>
           <p:nvPr>
             <p:ph type="title"/>
           </p:nvPr>
@@ -8281,12 +8444,12 @@
           </a:prstGeom>
         </p:spPr>
         <p:txBody>
-          <a:bodyPr anchorCtr="0" anchor="ctr" bIns="91425" lIns="91425" spcFirstLastPara="1" rIns="91425" wrap="square" tIns="91425">
+          <a:bodyPr spcFirstLastPara="1" wrap="square" lIns="91425" tIns="91425" rIns="91425" bIns="91425" anchor="ctr" anchorCtr="0">
             <a:noAutofit/>
           </a:bodyPr>
           <a:lstStyle/>
           <a:p>
-            <a:pPr indent="0" lvl="0" marL="0" rtl="0" algn="l">
+            <a:pPr marL="0" lvl="0" indent="0" algn="l" rtl="0">
               <a:spcBef>
                 <a:spcPts val="0"/>
               </a:spcBef>
@@ -8323,12 +8486,12 @@
           </a:ln>
         </p:spPr>
         <p:txBody>
-          <a:bodyPr anchorCtr="0" anchor="t" bIns="91425" lIns="91425" spcFirstLastPara="1" rIns="91425" wrap="square" tIns="91425">
+          <a:bodyPr spcFirstLastPara="1" wrap="square" lIns="91425" tIns="91425" rIns="91425" bIns="91425" anchor="t" anchorCtr="0">
             <a:spAutoFit/>
           </a:bodyPr>
           <a:lstStyle/>
           <a:p>
-            <a:pPr indent="0" lvl="0" marL="0" rtl="0" algn="l">
+            <a:pPr marL="0" lvl="0" indent="0" algn="l" rtl="0">
               <a:lnSpc>
                 <a:spcPct val="135714"/>
               </a:lnSpc>
@@ -8369,7 +8532,7 @@
             </a:endParaRPr>
           </a:p>
           <a:p>
-            <a:pPr indent="0" lvl="0" marL="0" rtl="0" algn="l">
+            <a:pPr marL="0" lvl="0" indent="0" algn="l" rtl="0">
               <a:lnSpc>
                 <a:spcPct val="135714"/>
               </a:lnSpc>
@@ -8404,7 +8567,7 @@
             </a:endParaRPr>
           </a:p>
           <a:p>
-            <a:pPr indent="0" lvl="0" marL="0" rtl="0" algn="l">
+            <a:pPr marL="0" lvl="0" indent="0" algn="l" rtl="0">
               <a:lnSpc>
                 <a:spcPct val="135714"/>
               </a:lnSpc>
@@ -8445,7 +8608,7 @@
             </a:endParaRPr>
           </a:p>
           <a:p>
-            <a:pPr indent="0" lvl="0" marL="0" rtl="0" algn="l">
+            <a:pPr marL="0" lvl="0" indent="0" algn="l" rtl="0">
               <a:spcBef>
                 <a:spcPts val="0"/>
               </a:spcBef>
@@ -8454,9 +8617,6 @@
               </a:spcAft>
               <a:buNone/>
             </a:pPr>
-            <a:r>
-              <a:t/>
-            </a:r>
             <a:endParaRPr sz="1500">
               <a:latin typeface="Economica"/>
               <a:ea typeface="Economica"/>
@@ -8531,11 +8691,11 @@
 </file>
 
 <file path=ppt/slides/slide13.xml><?xml version="1.0" encoding="utf-8"?>
-<p:sld xmlns:a="http://schemas.openxmlformats.org/drawingml/2006/main" xmlns:r="http://schemas.openxmlformats.org/officeDocument/2006/relationships" xmlns:mc="http://schemas.openxmlformats.org/markup-compatibility/2006" xmlns:mv="urn:schemas-microsoft-com:mac:vml" xmlns:p="http://schemas.openxmlformats.org/presentationml/2006/main" xmlns:c="http://schemas.openxmlformats.org/drawingml/2006/chart" xmlns:dgm="http://schemas.openxmlformats.org/drawingml/2006/diagram" xmlns:o="urn:schemas-microsoft-com:office:office" xmlns:v="urn:schemas-microsoft-com:vml" xmlns:pvml="urn:schemas-microsoft-com:office:powerpoint" xmlns:com="http://schemas.openxmlformats.org/drawingml/2006/compatibility" xmlns:p14="http://schemas.microsoft.com/office/powerpoint/2010/main" xmlns:p15="http://schemas.microsoft.com/office/powerpoint/2012/main" xmlns:ahyp="http://schemas.microsoft.com/office/drawing/2018/hyperlinkcolor">
+<p:sld xmlns:a="http://schemas.openxmlformats.org/drawingml/2006/main" xmlns:r="http://schemas.openxmlformats.org/officeDocument/2006/relationships" xmlns:p="http://schemas.openxmlformats.org/presentationml/2006/main">
   <p:cSld>
     <p:spTree>
       <p:nvGrpSpPr>
-        <p:cNvPr id="140" name="Shape 140"/>
+        <p:cNvPr id="1" name="Shape 140"/>
         <p:cNvGrpSpPr/>
         <p:nvPr/>
       </p:nvGrpSpPr>
@@ -8550,7 +8710,9 @@
       <p:sp>
         <p:nvSpPr>
           <p:cNvPr id="141" name="Google Shape;141;p25"/>
-          <p:cNvSpPr txBox="1"/>
+          <p:cNvSpPr txBox="1">
+            <a:spLocks noGrp="1"/>
+          </p:cNvSpPr>
           <p:nvPr>
             <p:ph type="title"/>
           </p:nvPr>
@@ -8565,12 +8727,12 @@
           </a:prstGeom>
         </p:spPr>
         <p:txBody>
-          <a:bodyPr anchorCtr="0" anchor="ctr" bIns="91425" lIns="91425" spcFirstLastPara="1" rIns="91425" wrap="square" tIns="91425">
+          <a:bodyPr spcFirstLastPara="1" wrap="square" lIns="91425" tIns="91425" rIns="91425" bIns="91425" anchor="ctr" anchorCtr="0">
             <a:noAutofit/>
           </a:bodyPr>
           <a:lstStyle/>
           <a:p>
-            <a:pPr indent="0" lvl="0" marL="0" rtl="0" algn="l">
+            <a:pPr marL="0" lvl="0" indent="0" algn="l" rtl="0">
               <a:spcBef>
                 <a:spcPts val="0"/>
               </a:spcBef>
@@ -8635,12 +8797,12 @@
           </a:ln>
         </p:spPr>
         <p:txBody>
-          <a:bodyPr anchorCtr="0" anchor="t" bIns="91425" lIns="91425" spcFirstLastPara="1" rIns="91425" wrap="square" tIns="91425">
+          <a:bodyPr spcFirstLastPara="1" wrap="square" lIns="91425" tIns="91425" rIns="91425" bIns="91425" anchor="t" anchorCtr="0">
             <a:spAutoFit/>
           </a:bodyPr>
           <a:lstStyle/>
           <a:p>
-            <a:pPr indent="0" lvl="0" marL="0" rtl="0" algn="l">
+            <a:pPr marL="0" lvl="0" indent="0" algn="l" rtl="0">
               <a:spcBef>
                 <a:spcPts val="0"/>
               </a:spcBef>
@@ -8666,7 +8828,7 @@
             </a:endParaRPr>
           </a:p>
           <a:p>
-            <a:pPr indent="0" lvl="0" marL="0" rtl="0" algn="l">
+            <a:pPr marL="0" lvl="0" indent="0" algn="l" rtl="0">
               <a:spcBef>
                 <a:spcPts val="0"/>
               </a:spcBef>
@@ -8675,9 +8837,6 @@
               </a:spcAft>
               <a:buNone/>
             </a:pPr>
-            <a:r>
-              <a:t/>
-            </a:r>
             <a:endParaRPr sz="1800">
               <a:latin typeface="Economica"/>
               <a:ea typeface="Economica"/>
@@ -8686,7 +8845,7 @@
             </a:endParaRPr>
           </a:p>
           <a:p>
-            <a:pPr indent="0" lvl="0" marL="0" rtl="0" algn="l">
+            <a:pPr marL="0" lvl="0" indent="0" algn="l" rtl="0">
               <a:spcBef>
                 <a:spcPts val="0"/>
               </a:spcBef>
@@ -8722,11 +8881,11 @@
 </file>
 
 <file path=ppt/slides/slide2.xml><?xml version="1.0" encoding="utf-8"?>
-<p:sld xmlns:a="http://schemas.openxmlformats.org/drawingml/2006/main" xmlns:r="http://schemas.openxmlformats.org/officeDocument/2006/relationships" xmlns:mc="http://schemas.openxmlformats.org/markup-compatibility/2006" xmlns:mv="urn:schemas-microsoft-com:mac:vml" xmlns:p="http://schemas.openxmlformats.org/presentationml/2006/main" xmlns:c="http://schemas.openxmlformats.org/drawingml/2006/chart" xmlns:dgm="http://schemas.openxmlformats.org/drawingml/2006/diagram" xmlns:o="urn:schemas-microsoft-com:office:office" xmlns:v="urn:schemas-microsoft-com:vml" xmlns:pvml="urn:schemas-microsoft-com:office:powerpoint" xmlns:com="http://schemas.openxmlformats.org/drawingml/2006/compatibility" xmlns:p14="http://schemas.microsoft.com/office/powerpoint/2010/main" xmlns:p15="http://schemas.microsoft.com/office/powerpoint/2012/main" xmlns:ahyp="http://schemas.microsoft.com/office/drawing/2018/hyperlinkcolor">
+<p:sld xmlns:a="http://schemas.openxmlformats.org/drawingml/2006/main" xmlns:r="http://schemas.openxmlformats.org/officeDocument/2006/relationships" xmlns:p="http://schemas.openxmlformats.org/presentationml/2006/main">
   <p:cSld>
     <p:spTree>
       <p:nvGrpSpPr>
-        <p:cNvPr id="68" name="Shape 68"/>
+        <p:cNvPr id="1" name="Shape 68"/>
         <p:cNvGrpSpPr/>
         <p:nvPr/>
       </p:nvGrpSpPr>
@@ -8741,7 +8900,9 @@
       <p:sp>
         <p:nvSpPr>
           <p:cNvPr id="69" name="Google Shape;69;p14"/>
-          <p:cNvSpPr txBox="1"/>
+          <p:cNvSpPr txBox="1">
+            <a:spLocks noGrp="1"/>
+          </p:cNvSpPr>
           <p:nvPr>
             <p:ph type="title"/>
           </p:nvPr>
@@ -8756,12 +8917,12 @@
           </a:prstGeom>
         </p:spPr>
         <p:txBody>
-          <a:bodyPr anchorCtr="0" anchor="b" bIns="91425" lIns="91425" spcFirstLastPara="1" rIns="91425" wrap="square" tIns="91425">
+          <a:bodyPr spcFirstLastPara="1" wrap="square" lIns="91425" tIns="91425" rIns="91425" bIns="91425" anchor="b" anchorCtr="0">
             <a:noAutofit/>
           </a:bodyPr>
           <a:lstStyle/>
           <a:p>
-            <a:pPr indent="0" lvl="0" marL="0" rtl="0" algn="l">
+            <a:pPr marL="0" lvl="0" indent="0" algn="l" rtl="0">
               <a:spcBef>
                 <a:spcPts val="0"/>
               </a:spcBef>
@@ -8781,9 +8942,11 @@
       <p:sp>
         <p:nvSpPr>
           <p:cNvPr id="70" name="Google Shape;70;p14"/>
-          <p:cNvSpPr txBox="1"/>
+          <p:cNvSpPr txBox="1">
+            <a:spLocks noGrp="1"/>
+          </p:cNvSpPr>
           <p:nvPr>
-            <p:ph idx="1" type="body"/>
+            <p:ph type="body" idx="1"/>
           </p:nvPr>
         </p:nvSpPr>
         <p:spPr>
@@ -8796,12 +8959,12 @@
           </a:prstGeom>
         </p:spPr>
         <p:txBody>
-          <a:bodyPr anchorCtr="0" anchor="t" bIns="91425" lIns="91425" spcFirstLastPara="1" rIns="91425" wrap="square" tIns="91425">
+          <a:bodyPr spcFirstLastPara="1" wrap="square" lIns="91425" tIns="91425" rIns="91425" bIns="91425" anchor="t" anchorCtr="0">
             <a:noAutofit/>
           </a:bodyPr>
           <a:lstStyle/>
           <a:p>
-            <a:pPr indent="0" lvl="0" marL="0" rtl="0" algn="l">
+            <a:pPr marL="0" lvl="0" indent="0" algn="l" rtl="0">
               <a:spcBef>
                 <a:spcPts val="0"/>
               </a:spcBef>
@@ -8827,7 +8990,7 @@
             </a:endParaRPr>
           </a:p>
           <a:p>
-            <a:pPr indent="0" lvl="0" marL="0" rtl="0" algn="l">
+            <a:pPr marL="0" lvl="0" indent="0" algn="l" rtl="0">
               <a:spcBef>
                 <a:spcPts val="1600"/>
               </a:spcBef>
@@ -8853,7 +9016,7 @@
             </a:endParaRPr>
           </a:p>
           <a:p>
-            <a:pPr indent="0" lvl="0" marL="0" rtl="0" algn="l">
+            <a:pPr marL="0" lvl="0" indent="0" algn="l" rtl="0">
               <a:spcBef>
                 <a:spcPts val="1600"/>
               </a:spcBef>
@@ -8889,11 +9052,11 @@
 </file>
 
 <file path=ppt/slides/slide3.xml><?xml version="1.0" encoding="utf-8"?>
-<p:sld xmlns:a="http://schemas.openxmlformats.org/drawingml/2006/main" xmlns:r="http://schemas.openxmlformats.org/officeDocument/2006/relationships" xmlns:mc="http://schemas.openxmlformats.org/markup-compatibility/2006" xmlns:mv="urn:schemas-microsoft-com:mac:vml" xmlns:p="http://schemas.openxmlformats.org/presentationml/2006/main" xmlns:c="http://schemas.openxmlformats.org/drawingml/2006/chart" xmlns:dgm="http://schemas.openxmlformats.org/drawingml/2006/diagram" xmlns:o="urn:schemas-microsoft-com:office:office" xmlns:v="urn:schemas-microsoft-com:vml" xmlns:pvml="urn:schemas-microsoft-com:office:powerpoint" xmlns:com="http://schemas.openxmlformats.org/drawingml/2006/compatibility" xmlns:p14="http://schemas.microsoft.com/office/powerpoint/2010/main" xmlns:p15="http://schemas.microsoft.com/office/powerpoint/2012/main" xmlns:ahyp="http://schemas.microsoft.com/office/drawing/2018/hyperlinkcolor">
+<p:sld xmlns:a="http://schemas.openxmlformats.org/drawingml/2006/main" xmlns:r="http://schemas.openxmlformats.org/officeDocument/2006/relationships" xmlns:p="http://schemas.openxmlformats.org/presentationml/2006/main">
   <p:cSld>
     <p:spTree>
       <p:nvGrpSpPr>
-        <p:cNvPr id="74" name="Shape 74"/>
+        <p:cNvPr id="1" name="Shape 74"/>
         <p:cNvGrpSpPr/>
         <p:nvPr/>
       </p:nvGrpSpPr>
@@ -8908,7 +9071,9 @@
       <p:sp>
         <p:nvSpPr>
           <p:cNvPr id="75" name="Google Shape;75;p15"/>
-          <p:cNvSpPr txBox="1"/>
+          <p:cNvSpPr txBox="1">
+            <a:spLocks noGrp="1"/>
+          </p:cNvSpPr>
           <p:nvPr>
             <p:ph type="title"/>
           </p:nvPr>
@@ -8923,12 +9088,12 @@
           </a:prstGeom>
         </p:spPr>
         <p:txBody>
-          <a:bodyPr anchorCtr="0" anchor="b" bIns="91425" lIns="91425" spcFirstLastPara="1" rIns="91425" wrap="square" tIns="91425">
+          <a:bodyPr spcFirstLastPara="1" wrap="square" lIns="91425" tIns="91425" rIns="91425" bIns="91425" anchor="b" anchorCtr="0">
             <a:noAutofit/>
           </a:bodyPr>
           <a:lstStyle/>
           <a:p>
-            <a:pPr indent="0" lvl="0" marL="0" rtl="0" algn="l">
+            <a:pPr marL="0" lvl="0" indent="0" algn="l" rtl="0">
               <a:spcBef>
                 <a:spcPts val="0"/>
               </a:spcBef>
@@ -8948,9 +9113,11 @@
       <p:sp>
         <p:nvSpPr>
           <p:cNvPr id="76" name="Google Shape;76;p15"/>
-          <p:cNvSpPr txBox="1"/>
+          <p:cNvSpPr txBox="1">
+            <a:spLocks noGrp="1"/>
+          </p:cNvSpPr>
           <p:nvPr>
-            <p:ph idx="1" type="body"/>
+            <p:ph type="body" idx="1"/>
           </p:nvPr>
         </p:nvSpPr>
         <p:spPr>
@@ -8963,12 +9130,12 @@
           </a:prstGeom>
         </p:spPr>
         <p:txBody>
-          <a:bodyPr anchorCtr="0" anchor="t" bIns="91425" lIns="91425" spcFirstLastPara="1" rIns="91425" wrap="square" tIns="91425">
+          <a:bodyPr spcFirstLastPara="1" wrap="square" lIns="91425" tIns="91425" rIns="91425" bIns="91425" anchor="t" anchorCtr="0">
             <a:noAutofit/>
           </a:bodyPr>
           <a:lstStyle/>
           <a:p>
-            <a:pPr indent="0" lvl="0" marL="0" rtl="0" algn="l">
+            <a:pPr marL="0" lvl="0" indent="0" algn="l" rtl="0">
               <a:spcBef>
                 <a:spcPts val="0"/>
               </a:spcBef>
@@ -8987,19 +9154,7 @@
                 <a:cs typeface="Economica"/>
                 <a:sym typeface="Economica"/>
               </a:rPr>
-              <a:t>The dataset </a:t>
-            </a:r>
-            <a:r>
-              <a:rPr lang="fr" sz="2000">
-                <a:solidFill>
-                  <a:srgbClr val="000000"/>
-                </a:solidFill>
-                <a:latin typeface="Economica"/>
-                <a:ea typeface="Economica"/>
-                <a:cs typeface="Economica"/>
-                <a:sym typeface="Economica"/>
-              </a:rPr>
-              <a:t>consists of feature vectors belonging to 12,330 sessions, and for each one, whether or not it ended with shopping.</a:t>
+              <a:t>The dataset consists of feature vectors belonging to 12,330 sessions, and for each one, whether or not it ended with shopping.</a:t>
             </a:r>
             <a:endParaRPr sz="2000">
               <a:solidFill>
@@ -9012,7 +9167,7 @@
             </a:endParaRPr>
           </a:p>
           <a:p>
-            <a:pPr indent="0" lvl="0" marL="0" rtl="0" algn="l">
+            <a:pPr marL="0" lvl="0" indent="0" algn="l" rtl="0">
               <a:spcBef>
                 <a:spcPts val="1600"/>
               </a:spcBef>
@@ -9044,7 +9199,7 @@
             </a:endParaRPr>
           </a:p>
           <a:p>
-            <a:pPr indent="0" lvl="0" marL="0" rtl="0" algn="l">
+            <a:pPr marL="0" lvl="0" indent="0" algn="l" rtl="0">
               <a:spcBef>
                 <a:spcPts val="1600"/>
               </a:spcBef>
@@ -9070,7 +9225,7 @@
             </a:endParaRPr>
           </a:p>
           <a:p>
-            <a:pPr indent="0" lvl="0" marL="0" rtl="0" algn="l">
+            <a:pPr marL="0" lvl="0" indent="0" algn="l" rtl="0">
               <a:spcBef>
                 <a:spcPts val="0"/>
               </a:spcBef>
@@ -9099,7 +9254,7 @@
             </a:endParaRPr>
           </a:p>
           <a:p>
-            <a:pPr indent="0" lvl="0" marL="0" rtl="0" algn="l">
+            <a:pPr marL="0" lvl="0" indent="0" algn="l" rtl="0">
               <a:lnSpc>
                 <a:spcPct val="100000"/>
               </a:lnSpc>
@@ -9134,7 +9289,7 @@
             </a:endParaRPr>
           </a:p>
           <a:p>
-            <a:pPr indent="0" lvl="0" marL="0" rtl="0" algn="l">
+            <a:pPr marL="0" lvl="0" indent="0" algn="l" rtl="0">
               <a:lnSpc>
                 <a:spcPct val="100000"/>
               </a:lnSpc>
@@ -9169,7 +9324,7 @@
             </a:endParaRPr>
           </a:p>
           <a:p>
-            <a:pPr indent="0" lvl="0" marL="0" rtl="0" algn="l">
+            <a:pPr marL="0" lvl="0" indent="0" algn="l" rtl="0">
               <a:spcBef>
                 <a:spcPts val="0"/>
               </a:spcBef>
@@ -9178,9 +9333,6 @@
               </a:spcAft>
               <a:buNone/>
             </a:pPr>
-            <a:r>
-              <a:t/>
-            </a:r>
             <a:endParaRPr sz="800">
               <a:solidFill>
                 <a:srgbClr val="000000"/>
@@ -9192,7 +9344,7 @@
             </a:endParaRPr>
           </a:p>
           <a:p>
-            <a:pPr indent="0" lvl="0" marL="0" rtl="0" algn="l">
+            <a:pPr marL="0" lvl="0" indent="0" algn="l" rtl="0">
               <a:spcBef>
                 <a:spcPts val="1600"/>
               </a:spcBef>
@@ -9224,7 +9376,7 @@
             </a:endParaRPr>
           </a:p>
           <a:p>
-            <a:pPr indent="0" lvl="0" marL="0" rtl="0" algn="l">
+            <a:pPr marL="0" lvl="0" indent="0" algn="l" rtl="0">
               <a:spcBef>
                 <a:spcPts val="1600"/>
               </a:spcBef>
@@ -9233,9 +9385,6 @@
               </a:spcAft>
               <a:buNone/>
             </a:pPr>
-            <a:r>
-              <a:t/>
-            </a:r>
             <a:endParaRPr sz="800">
               <a:solidFill>
                 <a:srgbClr val="000000"/>
@@ -9247,7 +9396,7 @@
             </a:endParaRPr>
           </a:p>
           <a:p>
-            <a:pPr indent="0" lvl="0" marL="0" rtl="0" algn="l">
+            <a:pPr marL="0" lvl="0" indent="0" algn="l" rtl="0">
               <a:spcBef>
                 <a:spcPts val="1600"/>
               </a:spcBef>
@@ -9256,9 +9405,6 @@
               </a:spcAft>
               <a:buNone/>
             </a:pPr>
-            <a:r>
-              <a:t/>
-            </a:r>
             <a:endParaRPr>
               <a:solidFill>
                 <a:srgbClr val="000000"/>
@@ -9308,11 +9454,11 @@
 </file>
 
 <file path=ppt/slides/slide4.xml><?xml version="1.0" encoding="utf-8"?>
-<p:sld xmlns:a="http://schemas.openxmlformats.org/drawingml/2006/main" xmlns:r="http://schemas.openxmlformats.org/officeDocument/2006/relationships" xmlns:mc="http://schemas.openxmlformats.org/markup-compatibility/2006" xmlns:mv="urn:schemas-microsoft-com:mac:vml" xmlns:p="http://schemas.openxmlformats.org/presentationml/2006/main" xmlns:c="http://schemas.openxmlformats.org/drawingml/2006/chart" xmlns:dgm="http://schemas.openxmlformats.org/drawingml/2006/diagram" xmlns:o="urn:schemas-microsoft-com:office:office" xmlns:v="urn:schemas-microsoft-com:vml" xmlns:pvml="urn:schemas-microsoft-com:office:powerpoint" xmlns:com="http://schemas.openxmlformats.org/drawingml/2006/compatibility" xmlns:p14="http://schemas.microsoft.com/office/powerpoint/2010/main" xmlns:p15="http://schemas.microsoft.com/office/powerpoint/2012/main" xmlns:ahyp="http://schemas.microsoft.com/office/drawing/2018/hyperlinkcolor">
+<p:sld xmlns:a="http://schemas.openxmlformats.org/drawingml/2006/main" xmlns:r="http://schemas.openxmlformats.org/officeDocument/2006/relationships" xmlns:p="http://schemas.openxmlformats.org/presentationml/2006/main">
   <p:cSld>
     <p:spTree>
       <p:nvGrpSpPr>
-        <p:cNvPr id="81" name="Shape 81"/>
+        <p:cNvPr id="1" name="Shape 81"/>
         <p:cNvGrpSpPr/>
         <p:nvPr/>
       </p:nvGrpSpPr>
@@ -9327,7 +9473,9 @@
       <p:sp>
         <p:nvSpPr>
           <p:cNvPr id="82" name="Google Shape;82;p16"/>
-          <p:cNvSpPr txBox="1"/>
+          <p:cNvSpPr txBox="1">
+            <a:spLocks noGrp="1"/>
+          </p:cNvSpPr>
           <p:nvPr>
             <p:ph type="title"/>
           </p:nvPr>
@@ -9342,12 +9490,12 @@
           </a:prstGeom>
         </p:spPr>
         <p:txBody>
-          <a:bodyPr anchorCtr="0" anchor="b" bIns="91425" lIns="91425" spcFirstLastPara="1" rIns="91425" wrap="square" tIns="91425">
+          <a:bodyPr spcFirstLastPara="1" wrap="square" lIns="91425" tIns="91425" rIns="91425" bIns="91425" anchor="b" anchorCtr="0">
             <a:noAutofit/>
           </a:bodyPr>
           <a:lstStyle/>
           <a:p>
-            <a:pPr indent="0" lvl="0" marL="0" rtl="0" algn="l">
+            <a:pPr marL="0" lvl="0" indent="0" algn="l" rtl="0">
               <a:spcBef>
                 <a:spcPts val="0"/>
               </a:spcBef>
@@ -9367,9 +9515,11 @@
       <p:sp>
         <p:nvSpPr>
           <p:cNvPr id="83" name="Google Shape;83;p16"/>
-          <p:cNvSpPr txBox="1"/>
+          <p:cNvSpPr txBox="1">
+            <a:spLocks noGrp="1"/>
+          </p:cNvSpPr>
           <p:nvPr>
-            <p:ph idx="1" type="body"/>
+            <p:ph type="body" idx="1"/>
           </p:nvPr>
         </p:nvSpPr>
         <p:spPr>
@@ -9382,12 +9532,12 @@
           </a:prstGeom>
         </p:spPr>
         <p:txBody>
-          <a:bodyPr anchorCtr="0" anchor="t" bIns="91425" lIns="91425" spcFirstLastPara="1" rIns="91425" wrap="square" tIns="91425">
+          <a:bodyPr spcFirstLastPara="1" wrap="square" lIns="91425" tIns="91425" rIns="91425" bIns="91425" anchor="t" anchorCtr="0">
             <a:noAutofit/>
           </a:bodyPr>
           <a:lstStyle/>
           <a:p>
-            <a:pPr indent="0" lvl="0" marL="0" rtl="0" algn="l">
+            <a:pPr marL="0" lvl="0" indent="0" algn="l" rtl="0">
               <a:spcBef>
                 <a:spcPts val="0"/>
               </a:spcBef>
@@ -9403,25 +9553,7 @@
                 <a:cs typeface="Economica"/>
                 <a:sym typeface="Economica"/>
               </a:rPr>
-              <a:t>The prediction of an online shopper intention can be useful to every company or merchant that owns </a:t>
-            </a:r>
-            <a:r>
-              <a:rPr lang="fr" sz="2000">
-                <a:latin typeface="Economica"/>
-                <a:ea typeface="Economica"/>
-                <a:cs typeface="Economica"/>
-                <a:sym typeface="Economica"/>
-              </a:rPr>
-              <a:t>a</a:t>
-            </a:r>
-            <a:r>
-              <a:rPr lang="fr" sz="2000">
-                <a:latin typeface="Economica"/>
-                <a:ea typeface="Economica"/>
-                <a:cs typeface="Economica"/>
-                <a:sym typeface="Economica"/>
-              </a:rPr>
-              <a:t> website. </a:t>
+              <a:t>The prediction of an online shopper intention can be useful to every company or merchant that owns a website. </a:t>
             </a:r>
             <a:endParaRPr sz="2000">
               <a:latin typeface="Economica"/>
@@ -9431,7 +9563,7 @@
             </a:endParaRPr>
           </a:p>
           <a:p>
-            <a:pPr indent="0" lvl="0" marL="0" rtl="0" algn="l">
+            <a:pPr marL="0" lvl="0" indent="0" algn="l" rtl="0">
               <a:spcBef>
                 <a:spcPts val="1600"/>
               </a:spcBef>
@@ -9447,16 +9579,7 @@
                 <a:cs typeface="Economica"/>
                 <a:sym typeface="Economica"/>
               </a:rPr>
-              <a:t>Indeed, the study of specific attributes like the date, the browser or the time spent on a</a:t>
-            </a:r>
-            <a:r>
-              <a:rPr lang="fr" sz="2000">
-                <a:latin typeface="Economica"/>
-                <a:ea typeface="Economica"/>
-                <a:cs typeface="Economica"/>
-                <a:sym typeface="Economica"/>
-              </a:rPr>
-              <a:t> particular page can determine a buyer’s profile and preferences. It can also give clues about what a potential shopper likes or dislikes, in order to optimize the website and make more sales.</a:t>
+              <a:t>Indeed, the study of specific attributes like the date, the browser or the time spent on a particular page can determine a buyer’s profile and preferences. It can also give clues about what a potential shopper likes or dislikes, in order to optimize the website and make more sales.</a:t>
             </a:r>
             <a:endParaRPr sz="2000">
               <a:latin typeface="Economica"/>
@@ -9476,11 +9599,11 @@
 </file>
 
 <file path=ppt/slides/slide5.xml><?xml version="1.0" encoding="utf-8"?>
-<p:sld xmlns:a="http://schemas.openxmlformats.org/drawingml/2006/main" xmlns:r="http://schemas.openxmlformats.org/officeDocument/2006/relationships" xmlns:mc="http://schemas.openxmlformats.org/markup-compatibility/2006" xmlns:mv="urn:schemas-microsoft-com:mac:vml" xmlns:p="http://schemas.openxmlformats.org/presentationml/2006/main" xmlns:c="http://schemas.openxmlformats.org/drawingml/2006/chart" xmlns:dgm="http://schemas.openxmlformats.org/drawingml/2006/diagram" xmlns:o="urn:schemas-microsoft-com:office:office" xmlns:v="urn:schemas-microsoft-com:vml" xmlns:pvml="urn:schemas-microsoft-com:office:powerpoint" xmlns:com="http://schemas.openxmlformats.org/drawingml/2006/compatibility" xmlns:p14="http://schemas.microsoft.com/office/powerpoint/2010/main" xmlns:p15="http://schemas.microsoft.com/office/powerpoint/2012/main" xmlns:ahyp="http://schemas.microsoft.com/office/drawing/2018/hyperlinkcolor">
+<p:sld xmlns:a="http://schemas.openxmlformats.org/drawingml/2006/main" xmlns:r="http://schemas.openxmlformats.org/officeDocument/2006/relationships" xmlns:p="http://schemas.openxmlformats.org/presentationml/2006/main">
   <p:cSld>
     <p:spTree>
       <p:nvGrpSpPr>
-        <p:cNvPr id="87" name="Shape 87"/>
+        <p:cNvPr id="1" name="Shape 87"/>
         <p:cNvGrpSpPr/>
         <p:nvPr/>
       </p:nvGrpSpPr>
@@ -9495,7 +9618,9 @@
       <p:sp>
         <p:nvSpPr>
           <p:cNvPr id="88" name="Google Shape;88;p17"/>
-          <p:cNvSpPr txBox="1"/>
+          <p:cNvSpPr txBox="1">
+            <a:spLocks noGrp="1"/>
+          </p:cNvSpPr>
           <p:nvPr>
             <p:ph type="title"/>
           </p:nvPr>
@@ -9510,12 +9635,12 @@
           </a:prstGeom>
         </p:spPr>
         <p:txBody>
-          <a:bodyPr anchorCtr="0" anchor="ctr" bIns="91425" lIns="91425" spcFirstLastPara="1" rIns="91425" wrap="square" tIns="91425">
+          <a:bodyPr spcFirstLastPara="1" wrap="square" lIns="91425" tIns="91425" rIns="91425" bIns="91425" anchor="ctr" anchorCtr="0">
             <a:noAutofit/>
           </a:bodyPr>
           <a:lstStyle/>
           <a:p>
-            <a:pPr indent="0" lvl="0" marL="0" rtl="0" algn="l">
+            <a:pPr marL="0" lvl="0" indent="0" algn="l" rtl="0">
               <a:spcBef>
                 <a:spcPts val="0"/>
               </a:spcBef>
@@ -9526,15 +9651,7 @@
             </a:pPr>
             <a:r>
               <a:rPr lang="fr"/>
-              <a:t>How can we predict whether </a:t>
-            </a:r>
-            <a:r>
-              <a:rPr lang="fr"/>
-              <a:t>a</a:t>
-            </a:r>
-            <a:r>
-              <a:rPr lang="fr"/>
-              <a:t> user will purchase ?</a:t>
+              <a:t>How can we predict whether a user will purchase ?</a:t>
             </a:r>
             <a:endParaRPr/>
           </a:p>
@@ -9549,11 +9666,11 @@
 </file>
 
 <file path=ppt/slides/slide6.xml><?xml version="1.0" encoding="utf-8"?>
-<p:sld xmlns:a="http://schemas.openxmlformats.org/drawingml/2006/main" xmlns:r="http://schemas.openxmlformats.org/officeDocument/2006/relationships" xmlns:mc="http://schemas.openxmlformats.org/markup-compatibility/2006" xmlns:mv="urn:schemas-microsoft-com:mac:vml" xmlns:p="http://schemas.openxmlformats.org/presentationml/2006/main" xmlns:c="http://schemas.openxmlformats.org/drawingml/2006/chart" xmlns:dgm="http://schemas.openxmlformats.org/drawingml/2006/diagram" xmlns:o="urn:schemas-microsoft-com:office:office" xmlns:v="urn:schemas-microsoft-com:vml" xmlns:pvml="urn:schemas-microsoft-com:office:powerpoint" xmlns:com="http://schemas.openxmlformats.org/drawingml/2006/compatibility" xmlns:p14="http://schemas.microsoft.com/office/powerpoint/2010/main" xmlns:p15="http://schemas.microsoft.com/office/powerpoint/2012/main" xmlns:ahyp="http://schemas.microsoft.com/office/drawing/2018/hyperlinkcolor">
+<p:sld xmlns:a="http://schemas.openxmlformats.org/drawingml/2006/main" xmlns:r="http://schemas.openxmlformats.org/officeDocument/2006/relationships" xmlns:p="http://schemas.openxmlformats.org/presentationml/2006/main">
   <p:cSld>
     <p:spTree>
       <p:nvGrpSpPr>
-        <p:cNvPr id="92" name="Shape 92"/>
+        <p:cNvPr id="1" name="Shape 92"/>
         <p:cNvGrpSpPr/>
         <p:nvPr/>
       </p:nvGrpSpPr>
@@ -9568,9 +9685,11 @@
       <p:sp>
         <p:nvSpPr>
           <p:cNvPr id="93" name="Google Shape;93;p18"/>
-          <p:cNvSpPr txBox="1"/>
+          <p:cNvSpPr txBox="1">
+            <a:spLocks noGrp="1"/>
+          </p:cNvSpPr>
           <p:nvPr>
-            <p:ph idx="1" type="body"/>
+            <p:ph type="body" idx="1"/>
           </p:nvPr>
         </p:nvSpPr>
         <p:spPr>
@@ -9583,12 +9702,12 @@
           </a:prstGeom>
         </p:spPr>
         <p:txBody>
-          <a:bodyPr anchorCtr="0" anchor="t" bIns="91425" lIns="91425" spcFirstLastPara="1" rIns="91425" wrap="square" tIns="91425">
+          <a:bodyPr spcFirstLastPara="1" wrap="square" lIns="91425" tIns="91425" rIns="91425" bIns="91425" anchor="t" anchorCtr="0">
             <a:noAutofit/>
           </a:bodyPr>
           <a:lstStyle/>
           <a:p>
-            <a:pPr indent="0" lvl="0" marL="0" rtl="0" algn="l">
+            <a:pPr marL="0" lvl="0" indent="0" algn="l" rtl="0">
               <a:spcBef>
                 <a:spcPts val="0"/>
               </a:spcBef>
@@ -9604,25 +9723,7 @@
                 <a:cs typeface="Economica"/>
                 <a:sym typeface="Economica"/>
               </a:rPr>
-              <a:t>Our goal is to predict if </a:t>
-            </a:r>
-            <a:r>
-              <a:rPr lang="fr" sz="2000">
-                <a:latin typeface="Economica"/>
-                <a:ea typeface="Economica"/>
-                <a:cs typeface="Economica"/>
-                <a:sym typeface="Economica"/>
-              </a:rPr>
-              <a:t>a</a:t>
-            </a:r>
-            <a:r>
-              <a:rPr lang="fr" sz="2000">
-                <a:latin typeface="Economica"/>
-                <a:ea typeface="Economica"/>
-                <a:cs typeface="Economica"/>
-                <a:sym typeface="Economica"/>
-              </a:rPr>
-              <a:t> visitor is going to buy on the website according to his session’s data.</a:t>
+              <a:t>Our goal is to predict if a visitor is going to buy on the website according to his session’s data.</a:t>
             </a:r>
             <a:endParaRPr sz="2000">
               <a:latin typeface="Economica"/>
@@ -9632,7 +9733,7 @@
             </a:endParaRPr>
           </a:p>
           <a:p>
-            <a:pPr indent="0" lvl="0" marL="0" rtl="0" algn="l">
+            <a:pPr marL="0" lvl="0" indent="0" algn="l" rtl="0">
               <a:spcBef>
                 <a:spcPts val="1600"/>
               </a:spcBef>
@@ -9648,28 +9749,10 @@
                 <a:cs typeface="Economica"/>
                 <a:sym typeface="Economica"/>
               </a:rPr>
-              <a:t>This is </a:t>
+              <a:t>This is a </a:t>
             </a:r>
             <a:r>
-              <a:rPr lang="fr" sz="2000">
-                <a:latin typeface="Economica"/>
-                <a:ea typeface="Economica"/>
-                <a:cs typeface="Economica"/>
-                <a:sym typeface="Economica"/>
-              </a:rPr>
-              <a:t>a</a:t>
-            </a:r>
-            <a:r>
-              <a:rPr lang="fr" sz="2000">
-                <a:latin typeface="Economica"/>
-                <a:ea typeface="Economica"/>
-                <a:cs typeface="Economica"/>
-                <a:sym typeface="Economica"/>
-              </a:rPr>
-              <a:t> </a:t>
-            </a:r>
-            <a:r>
-              <a:rPr b="1" lang="fr" sz="2000">
+              <a:rPr lang="fr" sz="2000" b="1">
                 <a:latin typeface="Economica"/>
                 <a:ea typeface="Economica"/>
                 <a:cs typeface="Economica"/>
@@ -9694,7 +9777,7 @@
             </a:endParaRPr>
           </a:p>
           <a:p>
-            <a:pPr indent="0" lvl="0" marL="0" rtl="0" algn="l">
+            <a:pPr marL="0" lvl="0" indent="0" algn="l" rtl="0">
               <a:spcBef>
                 <a:spcPts val="1600"/>
               </a:spcBef>
@@ -9720,7 +9803,7 @@
             </a:endParaRPr>
           </a:p>
           <a:p>
-            <a:pPr indent="0" lvl="0" marL="0" rtl="0" algn="l">
+            <a:pPr marL="0" lvl="0" indent="0" algn="l" rtl="0">
               <a:spcBef>
                 <a:spcPts val="1600"/>
               </a:spcBef>
@@ -9746,7 +9829,7 @@
             </a:endParaRPr>
           </a:p>
           <a:p>
-            <a:pPr indent="-355600" lvl="0" marL="457200" rtl="0" algn="l">
+            <a:pPr marL="457200" lvl="0" indent="-355600" algn="l" rtl="0">
               <a:spcBef>
                 <a:spcPts val="1600"/>
               </a:spcBef>
@@ -9774,7 +9857,7 @@
             </a:endParaRPr>
           </a:p>
           <a:p>
-            <a:pPr indent="-355600" lvl="0" marL="457200" rtl="0" algn="l">
+            <a:pPr marL="457200" lvl="0" indent="-355600" algn="l" rtl="0">
               <a:spcBef>
                 <a:spcPts val="0"/>
               </a:spcBef>
@@ -9802,7 +9885,7 @@
             </a:endParaRPr>
           </a:p>
           <a:p>
-            <a:pPr indent="-355600" lvl="0" marL="457200" rtl="0" algn="l">
+            <a:pPr marL="457200" lvl="0" indent="-355600" algn="l" rtl="0">
               <a:spcBef>
                 <a:spcPts val="0"/>
               </a:spcBef>
@@ -9830,7 +9913,7 @@
             </a:endParaRPr>
           </a:p>
           <a:p>
-            <a:pPr indent="0" lvl="0" marL="0" rtl="0" algn="l">
+            <a:pPr marL="0" lvl="0" indent="0" algn="l" rtl="0">
               <a:spcBef>
                 <a:spcPts val="1600"/>
               </a:spcBef>
@@ -9866,11 +9949,11 @@
 </file>
 
 <file path=ppt/slides/slide7.xml><?xml version="1.0" encoding="utf-8"?>
-<p:sld xmlns:a="http://schemas.openxmlformats.org/drawingml/2006/main" xmlns:r="http://schemas.openxmlformats.org/officeDocument/2006/relationships" xmlns:mc="http://schemas.openxmlformats.org/markup-compatibility/2006" xmlns:mv="urn:schemas-microsoft-com:mac:vml" xmlns:p="http://schemas.openxmlformats.org/presentationml/2006/main" xmlns:c="http://schemas.openxmlformats.org/drawingml/2006/chart" xmlns:dgm="http://schemas.openxmlformats.org/drawingml/2006/diagram" xmlns:o="urn:schemas-microsoft-com:office:office" xmlns:v="urn:schemas-microsoft-com:vml" xmlns:pvml="urn:schemas-microsoft-com:office:powerpoint" xmlns:com="http://schemas.openxmlformats.org/drawingml/2006/compatibility" xmlns:p14="http://schemas.microsoft.com/office/powerpoint/2010/main" xmlns:p15="http://schemas.microsoft.com/office/powerpoint/2012/main" xmlns:ahyp="http://schemas.microsoft.com/office/drawing/2018/hyperlinkcolor">
+<p:sld xmlns:a="http://schemas.openxmlformats.org/drawingml/2006/main" xmlns:r="http://schemas.openxmlformats.org/officeDocument/2006/relationships" xmlns:p="http://schemas.openxmlformats.org/presentationml/2006/main">
   <p:cSld>
     <p:spTree>
       <p:nvGrpSpPr>
-        <p:cNvPr id="97" name="Shape 97"/>
+        <p:cNvPr id="1" name="Shape 97"/>
         <p:cNvGrpSpPr/>
         <p:nvPr/>
       </p:nvGrpSpPr>
@@ -9885,7 +9968,9 @@
       <p:sp>
         <p:nvSpPr>
           <p:cNvPr id="98" name="Google Shape;98;p19"/>
-          <p:cNvSpPr txBox="1"/>
+          <p:cNvSpPr txBox="1">
+            <a:spLocks noGrp="1"/>
+          </p:cNvSpPr>
           <p:nvPr>
             <p:ph type="title"/>
           </p:nvPr>
@@ -9900,12 +9985,12 @@
           </a:prstGeom>
         </p:spPr>
         <p:txBody>
-          <a:bodyPr anchorCtr="0" anchor="b" bIns="91425" lIns="91425" spcFirstLastPara="1" rIns="91425" wrap="square" tIns="91425">
+          <a:bodyPr spcFirstLastPara="1" wrap="square" lIns="91425" tIns="91425" rIns="91425" bIns="91425" anchor="b" anchorCtr="0">
             <a:noAutofit/>
           </a:bodyPr>
           <a:lstStyle/>
           <a:p>
-            <a:pPr indent="0" lvl="0" marL="0" rtl="0" algn="l">
+            <a:pPr marL="0" lvl="0" indent="0" algn="l" rtl="0">
               <a:spcBef>
                 <a:spcPts val="0"/>
               </a:spcBef>
@@ -9925,9 +10010,11 @@
       <p:sp>
         <p:nvSpPr>
           <p:cNvPr id="99" name="Google Shape;99;p19"/>
-          <p:cNvSpPr txBox="1"/>
+          <p:cNvSpPr txBox="1">
+            <a:spLocks noGrp="1"/>
+          </p:cNvSpPr>
           <p:nvPr>
-            <p:ph idx="1" type="body"/>
+            <p:ph type="body" idx="1"/>
           </p:nvPr>
         </p:nvSpPr>
         <p:spPr>
@@ -9940,12 +10027,12 @@
           </a:prstGeom>
         </p:spPr>
         <p:txBody>
-          <a:bodyPr anchorCtr="0" anchor="t" bIns="91425" lIns="91425" spcFirstLastPara="1" rIns="91425" wrap="square" tIns="91425">
+          <a:bodyPr spcFirstLastPara="1" wrap="square" lIns="91425" tIns="91425" rIns="91425" bIns="91425" anchor="t" anchorCtr="0">
             <a:noAutofit/>
           </a:bodyPr>
           <a:lstStyle/>
           <a:p>
-            <a:pPr indent="0" lvl="0" marL="0" rtl="0" algn="l">
+            <a:pPr marL="0" lvl="0" indent="0" algn="l" rtl="0">
               <a:spcBef>
                 <a:spcPts val="0"/>
               </a:spcBef>
@@ -9971,7 +10058,7 @@
             </a:endParaRPr>
           </a:p>
           <a:p>
-            <a:pPr indent="0" lvl="0" marL="0" rtl="0" algn="l">
+            <a:pPr marL="0" lvl="0" indent="0" algn="l" rtl="0">
               <a:spcBef>
                 <a:spcPts val="1600"/>
               </a:spcBef>
@@ -9997,7 +10084,7 @@
             </a:endParaRPr>
           </a:p>
           <a:p>
-            <a:pPr indent="0" lvl="0" marL="0" rtl="0" algn="l">
+            <a:pPr marL="0" lvl="0" indent="0" algn="l" rtl="0">
               <a:spcBef>
                 <a:spcPts val="1600"/>
               </a:spcBef>
@@ -10006,9 +10093,6 @@
               </a:spcAft>
               <a:buNone/>
             </a:pPr>
-            <a:r>
-              <a:t/>
-            </a:r>
             <a:endParaRPr sz="2000">
               <a:latin typeface="Economica"/>
               <a:ea typeface="Economica"/>
@@ -10055,11 +10139,11 @@
 </file>
 
 <file path=ppt/slides/slide8.xml><?xml version="1.0" encoding="utf-8"?>
-<p:sld xmlns:a="http://schemas.openxmlformats.org/drawingml/2006/main" xmlns:r="http://schemas.openxmlformats.org/officeDocument/2006/relationships" xmlns:mc="http://schemas.openxmlformats.org/markup-compatibility/2006" xmlns:mv="urn:schemas-microsoft-com:mac:vml" xmlns:p="http://schemas.openxmlformats.org/presentationml/2006/main" xmlns:c="http://schemas.openxmlformats.org/drawingml/2006/chart" xmlns:dgm="http://schemas.openxmlformats.org/drawingml/2006/diagram" xmlns:o="urn:schemas-microsoft-com:office:office" xmlns:v="urn:schemas-microsoft-com:vml" xmlns:pvml="urn:schemas-microsoft-com:office:powerpoint" xmlns:com="http://schemas.openxmlformats.org/drawingml/2006/compatibility" xmlns:p14="http://schemas.microsoft.com/office/powerpoint/2010/main" xmlns:p15="http://schemas.microsoft.com/office/powerpoint/2012/main" xmlns:ahyp="http://schemas.microsoft.com/office/drawing/2018/hyperlinkcolor">
+<p:sld xmlns:a="http://schemas.openxmlformats.org/drawingml/2006/main" xmlns:r="http://schemas.openxmlformats.org/officeDocument/2006/relationships" xmlns:p="http://schemas.openxmlformats.org/presentationml/2006/main">
   <p:cSld>
     <p:spTree>
       <p:nvGrpSpPr>
-        <p:cNvPr id="104" name="Shape 104"/>
+        <p:cNvPr id="1" name="Shape 104"/>
         <p:cNvGrpSpPr/>
         <p:nvPr/>
       </p:nvGrpSpPr>
@@ -10074,9 +10158,11 @@
       <p:sp>
         <p:nvSpPr>
           <p:cNvPr id="105" name="Google Shape;105;p20"/>
-          <p:cNvSpPr txBox="1"/>
+          <p:cNvSpPr txBox="1">
+            <a:spLocks noGrp="1"/>
+          </p:cNvSpPr>
           <p:nvPr>
-            <p:ph idx="4294967295" type="body"/>
+            <p:ph type="body" idx="4294967295"/>
           </p:nvPr>
         </p:nvSpPr>
         <p:spPr>
@@ -10089,12 +10175,12 @@
           </a:prstGeom>
         </p:spPr>
         <p:txBody>
-          <a:bodyPr anchorCtr="0" anchor="t" bIns="91425" lIns="91425" spcFirstLastPara="1" rIns="91425" wrap="square" tIns="91425">
+          <a:bodyPr spcFirstLastPara="1" wrap="square" lIns="91425" tIns="91425" rIns="91425" bIns="91425" anchor="t" anchorCtr="0">
             <a:noAutofit/>
           </a:bodyPr>
           <a:lstStyle/>
           <a:p>
-            <a:pPr indent="0" lvl="0" marL="0" rtl="0" algn="l">
+            <a:pPr marL="0" lvl="0" indent="0" algn="l" rtl="0">
               <a:spcBef>
                 <a:spcPts val="0"/>
               </a:spcBef>
@@ -10158,11 +10244,11 @@
 </file>
 
 <file path=ppt/slides/slide9.xml><?xml version="1.0" encoding="utf-8"?>
-<p:sld xmlns:a="http://schemas.openxmlformats.org/drawingml/2006/main" xmlns:r="http://schemas.openxmlformats.org/officeDocument/2006/relationships" xmlns:mc="http://schemas.openxmlformats.org/markup-compatibility/2006" xmlns:mv="urn:schemas-microsoft-com:mac:vml" xmlns:p="http://schemas.openxmlformats.org/presentationml/2006/main" xmlns:c="http://schemas.openxmlformats.org/drawingml/2006/chart" xmlns:dgm="http://schemas.openxmlformats.org/drawingml/2006/diagram" xmlns:o="urn:schemas-microsoft-com:office:office" xmlns:v="urn:schemas-microsoft-com:vml" xmlns:pvml="urn:schemas-microsoft-com:office:powerpoint" xmlns:com="http://schemas.openxmlformats.org/drawingml/2006/compatibility" xmlns:p14="http://schemas.microsoft.com/office/powerpoint/2010/main" xmlns:p15="http://schemas.microsoft.com/office/powerpoint/2012/main" xmlns:ahyp="http://schemas.microsoft.com/office/drawing/2018/hyperlinkcolor">
+<p:sld xmlns:a="http://schemas.openxmlformats.org/drawingml/2006/main" xmlns:r="http://schemas.openxmlformats.org/officeDocument/2006/relationships" xmlns:p="http://schemas.openxmlformats.org/presentationml/2006/main">
   <p:cSld>
     <p:spTree>
       <p:nvGrpSpPr>
-        <p:cNvPr id="110" name="Shape 110"/>
+        <p:cNvPr id="1" name="Shape 110"/>
         <p:cNvGrpSpPr/>
         <p:nvPr/>
       </p:nvGrpSpPr>
@@ -10177,7 +10263,9 @@
       <p:sp>
         <p:nvSpPr>
           <p:cNvPr id="111" name="Google Shape;111;p21"/>
-          <p:cNvSpPr txBox="1"/>
+          <p:cNvSpPr txBox="1">
+            <a:spLocks noGrp="1"/>
+          </p:cNvSpPr>
           <p:nvPr>
             <p:ph type="title"/>
           </p:nvPr>
@@ -10192,12 +10280,12 @@
           </a:prstGeom>
         </p:spPr>
         <p:txBody>
-          <a:bodyPr anchorCtr="0" anchor="ctr" bIns="91425" lIns="91425" spcFirstLastPara="1" rIns="91425" wrap="square" tIns="91425">
+          <a:bodyPr spcFirstLastPara="1" wrap="square" lIns="91425" tIns="91425" rIns="91425" bIns="91425" anchor="ctr" anchorCtr="0">
             <a:noAutofit/>
           </a:bodyPr>
           <a:lstStyle/>
           <a:p>
-            <a:pPr indent="0" lvl="0" marL="0" rtl="0" algn="l">
+            <a:pPr marL="0" lvl="0" indent="0" algn="l" rtl="0">
               <a:spcBef>
                 <a:spcPts val="0"/>
               </a:spcBef>
@@ -10290,12 +10378,12 @@
           </a:ln>
         </p:spPr>
         <p:txBody>
-          <a:bodyPr anchorCtr="0" anchor="t" bIns="91425" lIns="91425" spcFirstLastPara="1" rIns="91425" wrap="square" tIns="91425">
+          <a:bodyPr spcFirstLastPara="1" wrap="square" lIns="91425" tIns="91425" rIns="91425" bIns="91425" anchor="t" anchorCtr="0">
             <a:spAutoFit/>
           </a:bodyPr>
           <a:lstStyle/>
           <a:p>
-            <a:pPr indent="0" lvl="0" marL="0" rtl="0" algn="l">
+            <a:pPr marL="0" lvl="0" indent="0" algn="l" rtl="0">
               <a:spcBef>
                 <a:spcPts val="0"/>
               </a:spcBef>
@@ -10333,7 +10421,7 @@
             </a:endParaRPr>
           </a:p>
           <a:p>
-            <a:pPr indent="0" lvl="0" marL="0" rtl="0" algn="l">
+            <a:pPr marL="0" lvl="0" indent="0" algn="l" rtl="0">
               <a:spcBef>
                 <a:spcPts val="0"/>
               </a:spcBef>
@@ -10375,7 +10463,7 @@
 </file>
 
 <file path=ppt/theme/theme1.xml><?xml version="1.0" encoding="utf-8"?>
-<a:theme xmlns:a="http://schemas.openxmlformats.org/drawingml/2006/main" xmlns:r="http://schemas.openxmlformats.org/officeDocument/2006/relationships" name="Luxe">
+<a:theme xmlns:a="http://schemas.openxmlformats.org/drawingml/2006/main" name="Luxe">
   <a:themeElements>
     <a:clrScheme name="Luxe">
       <a:dk1>
@@ -10650,11 +10738,13 @@
       </a:bgFillStyleLst>
     </a:fmtScheme>
   </a:themeElements>
+  <a:objectDefaults/>
+  <a:extraClrSchemeLst/>
 </a:theme>
 </file>
 
 <file path=ppt/theme/theme2.xml><?xml version="1.0" encoding="utf-8"?>
-<a:theme xmlns:a="http://schemas.openxmlformats.org/drawingml/2006/main" xmlns:r="http://schemas.openxmlformats.org/officeDocument/2006/relationships">
+<a:theme xmlns:a="http://schemas.openxmlformats.org/drawingml/2006/main">
   <a:themeElements>
     <a:clrScheme name="Default">
       <a:dk1>
@@ -10929,5 +11019,7 @@
       </a:bgFillStyleLst>
     </a:fmtScheme>
   </a:themeElements>
+  <a:objectDefaults/>
+  <a:extraClrSchemeLst/>
 </a:theme>
 </file>
--- a/Python for data analysis.pptx
+++ b/Python for data analysis.pptx
@@ -845,7 +845,7 @@
   <p:cSld>
     <p:spTree>
       <p:nvGrpSpPr>
-        <p:cNvPr id="1" name="Shape 115"/>
+        <p:cNvPr id="1" name="Shape 116"/>
         <p:cNvGrpSpPr/>
         <p:nvPr/>
       </p:nvGrpSpPr>
@@ -859,7 +859,7 @@
       </p:grpSpPr>
       <p:sp>
         <p:nvSpPr>
-          <p:cNvPr id="116" name="Google Shape;116;gb48cc048dc_0_64:notes"/>
+          <p:cNvPr id="117" name="Google Shape;117;gb48cc048dc_0_64:notes"/>
           <p:cNvSpPr>
             <a:spLocks noGrp="1" noRot="1" noChangeAspect="1"/>
           </p:cNvSpPr>
@@ -900,7 +900,7 @@
       </p:sp>
       <p:sp>
         <p:nvSpPr>
-          <p:cNvPr id="117" name="Google Shape;117;gb48cc048dc_0_64:notes"/>
+          <p:cNvPr id="118" name="Google Shape;118;gb48cc048dc_0_64:notes"/>
           <p:cNvSpPr txBox="1">
             <a:spLocks noGrp="1"/>
           </p:cNvSpPr>
@@ -949,7 +949,7 @@
   <p:cSld>
     <p:spTree>
       <p:nvGrpSpPr>
-        <p:cNvPr id="1" name="Shape 121"/>
+        <p:cNvPr id="1" name="Shape 122"/>
         <p:cNvGrpSpPr/>
         <p:nvPr/>
       </p:nvGrpSpPr>
@@ -963,7 +963,7 @@
       </p:grpSpPr>
       <p:sp>
         <p:nvSpPr>
-          <p:cNvPr id="122" name="Google Shape;122;gb48cc048dc_0_55:notes"/>
+          <p:cNvPr id="123" name="Google Shape;123;gb48cc048dc_0_55:notes"/>
           <p:cNvSpPr>
             <a:spLocks noGrp="1" noRot="1" noChangeAspect="1"/>
           </p:cNvSpPr>
@@ -1004,7 +1004,7 @@
       </p:sp>
       <p:sp>
         <p:nvSpPr>
-          <p:cNvPr id="123" name="Google Shape;123;gb48cc048dc_0_55:notes"/>
+          <p:cNvPr id="124" name="Google Shape;124;gb48cc048dc_0_55:notes"/>
           <p:cNvSpPr txBox="1">
             <a:spLocks noGrp="1"/>
           </p:cNvSpPr>
@@ -1053,7 +1053,7 @@
   <p:cSld>
     <p:spTree>
       <p:nvGrpSpPr>
-        <p:cNvPr id="1" name="Shape 129"/>
+        <p:cNvPr id="1" name="Shape 130"/>
         <p:cNvGrpSpPr/>
         <p:nvPr/>
       </p:nvGrpSpPr>
@@ -1067,7 +1067,7 @@
       </p:grpSpPr>
       <p:sp>
         <p:nvSpPr>
-          <p:cNvPr id="130" name="Google Shape;130;gb48cc048dc_0_70:notes"/>
+          <p:cNvPr id="131" name="Google Shape;131;gb48cc048dc_0_70:notes"/>
           <p:cNvSpPr>
             <a:spLocks noGrp="1" noRot="1" noChangeAspect="1"/>
           </p:cNvSpPr>
@@ -1108,7 +1108,7 @@
       </p:sp>
       <p:sp>
         <p:nvSpPr>
-          <p:cNvPr id="131" name="Google Shape;131;gb48cc048dc_0_70:notes"/>
+          <p:cNvPr id="132" name="Google Shape;132;gb48cc048dc_0_70:notes"/>
           <p:cNvSpPr txBox="1">
             <a:spLocks noGrp="1"/>
           </p:cNvSpPr>
@@ -1157,7 +1157,7 @@
   <p:cSld>
     <p:spTree>
       <p:nvGrpSpPr>
-        <p:cNvPr id="1" name="Shape 137"/>
+        <p:cNvPr id="1" name="Shape 138"/>
         <p:cNvGrpSpPr/>
         <p:nvPr/>
       </p:nvGrpSpPr>
@@ -1171,7 +1171,7 @@
       </p:grpSpPr>
       <p:sp>
         <p:nvSpPr>
-          <p:cNvPr id="138" name="Google Shape;138;gb48cc048dc_0_74:notes"/>
+          <p:cNvPr id="139" name="Google Shape;139;gb48cc048dc_0_74:notes"/>
           <p:cNvSpPr>
             <a:spLocks noGrp="1" noRot="1" noChangeAspect="1"/>
           </p:cNvSpPr>
@@ -1212,7 +1212,7 @@
       </p:sp>
       <p:sp>
         <p:nvSpPr>
-          <p:cNvPr id="139" name="Google Shape;139;gb48cc048dc_0_74:notes"/>
+          <p:cNvPr id="140" name="Google Shape;140;gb48cc048dc_0_74:notes"/>
           <p:cNvSpPr txBox="1">
             <a:spLocks noGrp="1"/>
           </p:cNvSpPr>
@@ -1261,7 +1261,7 @@
   <p:cSld>
     <p:spTree>
       <p:nvGrpSpPr>
-        <p:cNvPr id="1" name="Shape 65"/>
+        <p:cNvPr id="1" name="Shape 66"/>
         <p:cNvGrpSpPr/>
         <p:nvPr/>
       </p:nvGrpSpPr>
@@ -1275,7 +1275,7 @@
       </p:grpSpPr>
       <p:sp>
         <p:nvSpPr>
-          <p:cNvPr id="66" name="Google Shape;66;gaad8878e68_3_0:notes"/>
+          <p:cNvPr id="67" name="Google Shape;67;gaad8878e68_3_0:notes"/>
           <p:cNvSpPr>
             <a:spLocks noGrp="1" noRot="1" noChangeAspect="1"/>
           </p:cNvSpPr>
@@ -1316,7 +1316,7 @@
       </p:sp>
       <p:sp>
         <p:nvSpPr>
-          <p:cNvPr id="67" name="Google Shape;67;gaad8878e68_3_0:notes"/>
+          <p:cNvPr id="68" name="Google Shape;68;gaad8878e68_3_0:notes"/>
           <p:cNvSpPr txBox="1">
             <a:spLocks noGrp="1"/>
           </p:cNvSpPr>
@@ -1365,7 +1365,7 @@
   <p:cSld>
     <p:spTree>
       <p:nvGrpSpPr>
-        <p:cNvPr id="1" name="Shape 71"/>
+        <p:cNvPr id="1" name="Shape 72"/>
         <p:cNvGrpSpPr/>
         <p:nvPr/>
       </p:nvGrpSpPr>
@@ -1379,7 +1379,7 @@
       </p:grpSpPr>
       <p:sp>
         <p:nvSpPr>
-          <p:cNvPr id="72" name="Google Shape;72;gb2d4fa0f3c_0_58:notes"/>
+          <p:cNvPr id="73" name="Google Shape;73;gb2d4fa0f3c_0_58:notes"/>
           <p:cNvSpPr>
             <a:spLocks noGrp="1" noRot="1" noChangeAspect="1"/>
           </p:cNvSpPr>
@@ -1420,7 +1420,7 @@
       </p:sp>
       <p:sp>
         <p:nvSpPr>
-          <p:cNvPr id="73" name="Google Shape;73;gb2d4fa0f3c_0_58:notes"/>
+          <p:cNvPr id="74" name="Google Shape;74;gb2d4fa0f3c_0_58:notes"/>
           <p:cNvSpPr txBox="1">
             <a:spLocks noGrp="1"/>
           </p:cNvSpPr>
@@ -1469,7 +1469,7 @@
   <p:cSld>
     <p:spTree>
       <p:nvGrpSpPr>
-        <p:cNvPr id="1" name="Shape 78"/>
+        <p:cNvPr id="1" name="Shape 79"/>
         <p:cNvGrpSpPr/>
         <p:nvPr/>
       </p:nvGrpSpPr>
@@ -1483,7 +1483,7 @@
       </p:grpSpPr>
       <p:sp>
         <p:nvSpPr>
-          <p:cNvPr id="79" name="Google Shape;79;gb2d4fa0f3c_0_66:notes"/>
+          <p:cNvPr id="80" name="Google Shape;80;gb2d4fa0f3c_0_66:notes"/>
           <p:cNvSpPr>
             <a:spLocks noGrp="1" noRot="1" noChangeAspect="1"/>
           </p:cNvSpPr>
@@ -1524,7 +1524,7 @@
       </p:sp>
       <p:sp>
         <p:nvSpPr>
-          <p:cNvPr id="80" name="Google Shape;80;gb2d4fa0f3c_0_66:notes"/>
+          <p:cNvPr id="81" name="Google Shape;81;gb2d4fa0f3c_0_66:notes"/>
           <p:cNvSpPr txBox="1">
             <a:spLocks noGrp="1"/>
           </p:cNvSpPr>
@@ -1573,7 +1573,7 @@
   <p:cSld>
     <p:spTree>
       <p:nvGrpSpPr>
-        <p:cNvPr id="1" name="Shape 84"/>
+        <p:cNvPr id="1" name="Shape 85"/>
         <p:cNvGrpSpPr/>
         <p:nvPr/>
       </p:nvGrpSpPr>
@@ -1587,7 +1587,7 @@
       </p:grpSpPr>
       <p:sp>
         <p:nvSpPr>
-          <p:cNvPr id="85" name="Google Shape;85;gb2d4fa0f3c_0_77:notes"/>
+          <p:cNvPr id="86" name="Google Shape;86;gb2d4fa0f3c_0_77:notes"/>
           <p:cNvSpPr>
             <a:spLocks noGrp="1" noRot="1" noChangeAspect="1"/>
           </p:cNvSpPr>
@@ -1628,7 +1628,7 @@
       </p:sp>
       <p:sp>
         <p:nvSpPr>
-          <p:cNvPr id="86" name="Google Shape;86;gb2d4fa0f3c_0_77:notes"/>
+          <p:cNvPr id="87" name="Google Shape;87;gb2d4fa0f3c_0_77:notes"/>
           <p:cNvSpPr txBox="1">
             <a:spLocks noGrp="1"/>
           </p:cNvSpPr>
@@ -1677,7 +1677,7 @@
   <p:cSld>
     <p:spTree>
       <p:nvGrpSpPr>
-        <p:cNvPr id="1" name="Shape 89"/>
+        <p:cNvPr id="1" name="Shape 90"/>
         <p:cNvGrpSpPr/>
         <p:nvPr/>
       </p:nvGrpSpPr>
@@ -1691,7 +1691,7 @@
       </p:grpSpPr>
       <p:sp>
         <p:nvSpPr>
-          <p:cNvPr id="90" name="Google Shape;90;gb2d4fa0f3c_0_88:notes"/>
+          <p:cNvPr id="91" name="Google Shape;91;gb2d4fa0f3c_0_88:notes"/>
           <p:cNvSpPr>
             <a:spLocks noGrp="1" noRot="1" noChangeAspect="1"/>
           </p:cNvSpPr>
@@ -1732,7 +1732,7 @@
       </p:sp>
       <p:sp>
         <p:nvSpPr>
-          <p:cNvPr id="91" name="Google Shape;91;gb2d4fa0f3c_0_88:notes"/>
+          <p:cNvPr id="92" name="Google Shape;92;gb2d4fa0f3c_0_88:notes"/>
           <p:cNvSpPr txBox="1">
             <a:spLocks noGrp="1"/>
           </p:cNvSpPr>
@@ -1781,7 +1781,7 @@
   <p:cSld>
     <p:spTree>
       <p:nvGrpSpPr>
-        <p:cNvPr id="1" name="Shape 94"/>
+        <p:cNvPr id="1" name="Shape 95"/>
         <p:cNvGrpSpPr/>
         <p:nvPr/>
       </p:nvGrpSpPr>
@@ -1795,7 +1795,7 @@
       </p:grpSpPr>
       <p:sp>
         <p:nvSpPr>
-          <p:cNvPr id="95" name="Google Shape;95;gb48cc048dc_0_0:notes"/>
+          <p:cNvPr id="96" name="Google Shape;96;gb48cc048dc_0_0:notes"/>
           <p:cNvSpPr>
             <a:spLocks noGrp="1" noRot="1" noChangeAspect="1"/>
           </p:cNvSpPr>
@@ -1836,7 +1836,7 @@
       </p:sp>
       <p:sp>
         <p:nvSpPr>
-          <p:cNvPr id="96" name="Google Shape;96;gb48cc048dc_0_0:notes"/>
+          <p:cNvPr id="97" name="Google Shape;97;gb48cc048dc_0_0:notes"/>
           <p:cNvSpPr txBox="1">
             <a:spLocks noGrp="1"/>
           </p:cNvSpPr>
@@ -1885,7 +1885,7 @@
   <p:cSld>
     <p:spTree>
       <p:nvGrpSpPr>
-        <p:cNvPr id="1" name="Shape 101"/>
+        <p:cNvPr id="1" name="Shape 102"/>
         <p:cNvGrpSpPr/>
         <p:nvPr/>
       </p:nvGrpSpPr>
@@ -1899,7 +1899,7 @@
       </p:grpSpPr>
       <p:sp>
         <p:nvSpPr>
-          <p:cNvPr id="102" name="Google Shape;102;gb48cc048dc_0_85:notes"/>
+          <p:cNvPr id="103" name="Google Shape;103;gb48cc048dc_0_85:notes"/>
           <p:cNvSpPr>
             <a:spLocks noGrp="1" noRot="1" noChangeAspect="1"/>
           </p:cNvSpPr>
@@ -1940,7 +1940,7 @@
       </p:sp>
       <p:sp>
         <p:nvSpPr>
-          <p:cNvPr id="103" name="Google Shape;103;gb48cc048dc_0_85:notes"/>
+          <p:cNvPr id="104" name="Google Shape;104;gb48cc048dc_0_85:notes"/>
           <p:cNvSpPr txBox="1">
             <a:spLocks noGrp="1"/>
           </p:cNvSpPr>
@@ -1989,7 +1989,7 @@
   <p:cSld>
     <p:spTree>
       <p:nvGrpSpPr>
-        <p:cNvPr id="1" name="Shape 107"/>
+        <p:cNvPr id="1" name="Shape 108"/>
         <p:cNvGrpSpPr/>
         <p:nvPr/>
       </p:nvGrpSpPr>
@@ -2003,7 +2003,7 @@
       </p:grpSpPr>
       <p:sp>
         <p:nvSpPr>
-          <p:cNvPr id="108" name="Google Shape;108;gb48cc048dc_0_89:notes"/>
+          <p:cNvPr id="109" name="Google Shape;109;gb48cc048dc_0_89:notes"/>
           <p:cNvSpPr>
             <a:spLocks noGrp="1" noRot="1" noChangeAspect="1"/>
           </p:cNvSpPr>
@@ -2044,7 +2044,7 @@
       </p:sp>
       <p:sp>
         <p:nvSpPr>
-          <p:cNvPr id="109" name="Google Shape;109;gb48cc048dc_0_89:notes"/>
+          <p:cNvPr id="110" name="Google Shape;110;gb48cc048dc_0_89:notes"/>
           <p:cNvSpPr txBox="1">
             <a:spLocks noGrp="1"/>
           </p:cNvSpPr>
@@ -7729,8 +7729,8 @@
         </p:nvSpPr>
         <p:spPr>
           <a:xfrm>
-            <a:off x="3825775" y="4676875"/>
-            <a:ext cx="5120400" cy="466500"/>
+            <a:off x="6218900" y="4648575"/>
+            <a:ext cx="2805000" cy="466500"/>
           </a:xfrm>
           <a:prstGeom prst="rect">
             <a:avLst/>
@@ -7756,19 +7756,74 @@
               <a:buNone/>
             </a:pPr>
             <a:r>
-              <a:rPr lang="fr" sz="1900" dirty="0">
+              <a:rPr lang="fr" sz="1900">
                 <a:latin typeface="Economica"/>
                 <a:ea typeface="Economica"/>
                 <a:cs typeface="Economica"/>
                 <a:sym typeface="Economica"/>
               </a:rPr>
-              <a:t>2020 - ESILV A5          		Antoine THIOL - Klarissa TU</a:t>
+              <a:t>Antoine THIOL - Klarissa TU</a:t>
             </a:r>
-            <a:endParaRPr sz="1900" dirty="0">
+            <a:endParaRPr sz="1900">
               <a:latin typeface="Economica"/>
               <a:ea typeface="Economica"/>
               <a:cs typeface="Economica"/>
               <a:sym typeface="Economica"/>
+            </a:endParaRPr>
+          </a:p>
+        </p:txBody>
+      </p:sp>
+      <p:sp>
+        <p:nvSpPr>
+          <p:cNvPr id="65" name="Google Shape;65;p13"/>
+          <p:cNvSpPr txBox="1"/>
+          <p:nvPr/>
+        </p:nvSpPr>
+        <p:spPr>
+          <a:xfrm>
+            <a:off x="2534400" y="4639575"/>
+            <a:ext cx="4075200" cy="475500"/>
+          </a:xfrm>
+          <a:prstGeom prst="rect">
+            <a:avLst/>
+          </a:prstGeom>
+          <a:noFill/>
+          <a:ln>
+            <a:noFill/>
+          </a:ln>
+        </p:spPr>
+        <p:txBody>
+          <a:bodyPr spcFirstLastPara="1" wrap="square" lIns="91425" tIns="91425" rIns="91425" bIns="91425" anchor="t" anchorCtr="0">
+            <a:noAutofit/>
+          </a:bodyPr>
+          <a:lstStyle/>
+          <a:p>
+            <a:pPr marL="0" lvl="0" indent="0" algn="ctr" rtl="0">
+              <a:spcBef>
+                <a:spcPts val="0"/>
+              </a:spcBef>
+              <a:spcAft>
+                <a:spcPts val="0"/>
+              </a:spcAft>
+              <a:buNone/>
+            </a:pPr>
+            <a:r>
+              <a:rPr lang="fr" sz="1900" dirty="0">
+                <a:solidFill>
+                  <a:schemeClr val="dk1"/>
+                </a:solidFill>
+                <a:latin typeface="Economica"/>
+                <a:ea typeface="Economica"/>
+                <a:cs typeface="Economica"/>
+                <a:sym typeface="Economica"/>
+              </a:rPr>
+              <a:t>2020 - ESILV A5</a:t>
+            </a:r>
+            <a:endParaRPr dirty="0">
+              <a:latin typeface="Open Sans"/>
+              <a:ea typeface="Open Sans"/>
+              <a:cs typeface="Open Sans"/>
+              <a:sym typeface="Open Sans"/>
             </a:endParaRPr>
           </a:p>
         </p:txBody>
@@ -7786,7 +7841,7 @@
   <p:cSld>
     <p:spTree>
       <p:nvGrpSpPr>
-        <p:cNvPr id="1" name="Shape 118"/>
+        <p:cNvPr id="1" name="Shape 119"/>
         <p:cNvGrpSpPr/>
         <p:nvPr/>
       </p:nvGrpSpPr>
@@ -7800,7 +7855,7 @@
       </p:grpSpPr>
       <p:sp>
         <p:nvSpPr>
-          <p:cNvPr id="119" name="Google Shape;119;p22"/>
+          <p:cNvPr id="120" name="Google Shape;120;p22"/>
           <p:cNvSpPr txBox="1">
             <a:spLocks noGrp="1"/>
           </p:cNvSpPr>
@@ -7842,7 +7897,7 @@
       </p:sp>
       <p:sp>
         <p:nvSpPr>
-          <p:cNvPr id="120" name="Google Shape;120;p22"/>
+          <p:cNvPr id="121" name="Google Shape;121;p22"/>
           <p:cNvSpPr txBox="1"/>
           <p:nvPr/>
         </p:nvSpPr>
@@ -8221,7 +8276,7 @@
   <p:cSld>
     <p:spTree>
       <p:nvGrpSpPr>
-        <p:cNvPr id="1" name="Shape 124"/>
+        <p:cNvPr id="1" name="Shape 125"/>
         <p:cNvGrpSpPr/>
         <p:nvPr/>
       </p:nvGrpSpPr>
@@ -8235,7 +8290,7 @@
       </p:grpSpPr>
       <p:pic>
         <p:nvPicPr>
-          <p:cNvPr id="125" name="Google Shape;125;p23"/>
+          <p:cNvPr id="126" name="Google Shape;126;p23"/>
           <p:cNvPicPr preferRelativeResize="0"/>
           <p:nvPr/>
         </p:nvPicPr>
@@ -8263,7 +8318,7 @@
       </p:pic>
       <p:sp>
         <p:nvSpPr>
-          <p:cNvPr id="126" name="Google Shape;126;p23"/>
+          <p:cNvPr id="127" name="Google Shape;127;p23"/>
           <p:cNvSpPr txBox="1"/>
           <p:nvPr/>
         </p:nvSpPr>
@@ -8324,7 +8379,7 @@
       </p:sp>
       <p:pic>
         <p:nvPicPr>
-          <p:cNvPr id="127" name="Google Shape;127;p23"/>
+          <p:cNvPr id="128" name="Google Shape;128;p23"/>
           <p:cNvPicPr preferRelativeResize="0"/>
           <p:nvPr/>
         </p:nvPicPr>
@@ -8352,7 +8407,7 @@
       </p:pic>
       <p:sp>
         <p:nvSpPr>
-          <p:cNvPr id="128" name="Google Shape;128;p23"/>
+          <p:cNvPr id="129" name="Google Shape;129;p23"/>
           <p:cNvSpPr/>
           <p:nvPr/>
         </p:nvSpPr>
@@ -8412,7 +8467,7 @@
   <p:cSld>
     <p:spTree>
       <p:nvGrpSpPr>
-        <p:cNvPr id="1" name="Shape 132"/>
+        <p:cNvPr id="1" name="Shape 133"/>
         <p:cNvGrpSpPr/>
         <p:nvPr/>
       </p:nvGrpSpPr>
@@ -8426,7 +8481,7 @@
       </p:grpSpPr>
       <p:sp>
         <p:nvSpPr>
-          <p:cNvPr id="133" name="Google Shape;133;p24"/>
+          <p:cNvPr id="134" name="Google Shape;134;p24"/>
           <p:cNvSpPr txBox="1">
             <a:spLocks noGrp="1"/>
           </p:cNvSpPr>
@@ -8468,7 +8523,7 @@
       </p:sp>
       <p:sp>
         <p:nvSpPr>
-          <p:cNvPr id="134" name="Google Shape;134;p24"/>
+          <p:cNvPr id="135" name="Google Shape;135;p24"/>
           <p:cNvSpPr txBox="1"/>
           <p:nvPr/>
         </p:nvSpPr>
@@ -8628,7 +8683,7 @@
       </p:sp>
       <p:pic>
         <p:nvPicPr>
-          <p:cNvPr id="135" name="Google Shape;135;p24"/>
+          <p:cNvPr id="136" name="Google Shape;136;p24"/>
           <p:cNvPicPr preferRelativeResize="0"/>
           <p:nvPr/>
         </p:nvPicPr>
@@ -8656,7 +8711,7 @@
       </p:pic>
       <p:pic>
         <p:nvPicPr>
-          <p:cNvPr id="136" name="Google Shape;136;p24"/>
+          <p:cNvPr id="137" name="Google Shape;137;p24"/>
           <p:cNvPicPr preferRelativeResize="0"/>
           <p:nvPr/>
         </p:nvPicPr>
@@ -8695,7 +8750,7 @@
   <p:cSld>
     <p:spTree>
       <p:nvGrpSpPr>
-        <p:cNvPr id="1" name="Shape 140"/>
+        <p:cNvPr id="1" name="Shape 141"/>
         <p:cNvGrpSpPr/>
         <p:nvPr/>
       </p:nvGrpSpPr>
@@ -8709,7 +8764,7 @@
       </p:grpSpPr>
       <p:sp>
         <p:nvSpPr>
-          <p:cNvPr id="141" name="Google Shape;141;p25"/>
+          <p:cNvPr id="142" name="Google Shape;142;p25"/>
           <p:cNvSpPr txBox="1">
             <a:spLocks noGrp="1"/>
           </p:cNvSpPr>
@@ -8751,7 +8806,7 @@
       </p:sp>
       <p:pic>
         <p:nvPicPr>
-          <p:cNvPr id="142" name="Google Shape;142;p25"/>
+          <p:cNvPr id="143" name="Google Shape;143;p25"/>
           <p:cNvPicPr preferRelativeResize="0"/>
           <p:nvPr/>
         </p:nvPicPr>
@@ -8779,7 +8834,7 @@
       </p:pic>
       <p:sp>
         <p:nvSpPr>
-          <p:cNvPr id="143" name="Google Shape;143;p25"/>
+          <p:cNvPr id="144" name="Google Shape;144;p25"/>
           <p:cNvSpPr txBox="1"/>
           <p:nvPr/>
         </p:nvSpPr>
@@ -8885,7 +8940,7 @@
   <p:cSld>
     <p:spTree>
       <p:nvGrpSpPr>
-        <p:cNvPr id="1" name="Shape 68"/>
+        <p:cNvPr id="1" name="Shape 69"/>
         <p:cNvGrpSpPr/>
         <p:nvPr/>
       </p:nvGrpSpPr>
@@ -8899,7 +8954,7 @@
       </p:grpSpPr>
       <p:sp>
         <p:nvSpPr>
-          <p:cNvPr id="69" name="Google Shape;69;p14"/>
+          <p:cNvPr id="70" name="Google Shape;70;p14"/>
           <p:cNvSpPr txBox="1">
             <a:spLocks noGrp="1"/>
           </p:cNvSpPr>
@@ -8941,7 +8996,7 @@
       </p:sp>
       <p:sp>
         <p:nvSpPr>
-          <p:cNvPr id="70" name="Google Shape;70;p14"/>
+          <p:cNvPr id="71" name="Google Shape;71;p14"/>
           <p:cNvSpPr txBox="1">
             <a:spLocks noGrp="1"/>
           </p:cNvSpPr>
@@ -9056,7 +9111,7 @@
   <p:cSld>
     <p:spTree>
       <p:nvGrpSpPr>
-        <p:cNvPr id="1" name="Shape 74"/>
+        <p:cNvPr id="1" name="Shape 75"/>
         <p:cNvGrpSpPr/>
         <p:nvPr/>
       </p:nvGrpSpPr>
@@ -9070,7 +9125,7 @@
       </p:grpSpPr>
       <p:sp>
         <p:nvSpPr>
-          <p:cNvPr id="75" name="Google Shape;75;p15"/>
+          <p:cNvPr id="76" name="Google Shape;76;p15"/>
           <p:cNvSpPr txBox="1">
             <a:spLocks noGrp="1"/>
           </p:cNvSpPr>
@@ -9112,7 +9167,7 @@
       </p:sp>
       <p:sp>
         <p:nvSpPr>
-          <p:cNvPr id="76" name="Google Shape;76;p15"/>
+          <p:cNvPr id="77" name="Google Shape;77;p15"/>
           <p:cNvSpPr txBox="1">
             <a:spLocks noGrp="1"/>
           </p:cNvSpPr>
@@ -9419,7 +9474,7 @@
       </p:sp>
       <p:pic>
         <p:nvPicPr>
-          <p:cNvPr id="77" name="Google Shape;77;p15"/>
+          <p:cNvPr id="78" name="Google Shape;78;p15"/>
           <p:cNvPicPr preferRelativeResize="0"/>
           <p:nvPr/>
         </p:nvPicPr>
@@ -9458,7 +9513,7 @@
   <p:cSld>
     <p:spTree>
       <p:nvGrpSpPr>
-        <p:cNvPr id="1" name="Shape 81"/>
+        <p:cNvPr id="1" name="Shape 82"/>
         <p:cNvGrpSpPr/>
         <p:nvPr/>
       </p:nvGrpSpPr>
@@ -9472,7 +9527,7 @@
       </p:grpSpPr>
       <p:sp>
         <p:nvSpPr>
-          <p:cNvPr id="82" name="Google Shape;82;p16"/>
+          <p:cNvPr id="83" name="Google Shape;83;p16"/>
           <p:cNvSpPr txBox="1">
             <a:spLocks noGrp="1"/>
           </p:cNvSpPr>
@@ -9514,7 +9569,7 @@
       </p:sp>
       <p:sp>
         <p:nvSpPr>
-          <p:cNvPr id="83" name="Google Shape;83;p16"/>
+          <p:cNvPr id="84" name="Google Shape;84;p16"/>
           <p:cNvSpPr txBox="1">
             <a:spLocks noGrp="1"/>
           </p:cNvSpPr>
@@ -9603,7 +9658,7 @@
   <p:cSld>
     <p:spTree>
       <p:nvGrpSpPr>
-        <p:cNvPr id="1" name="Shape 87"/>
+        <p:cNvPr id="1" name="Shape 88"/>
         <p:cNvGrpSpPr/>
         <p:nvPr/>
       </p:nvGrpSpPr>
@@ -9617,7 +9672,7 @@
       </p:grpSpPr>
       <p:sp>
         <p:nvSpPr>
-          <p:cNvPr id="88" name="Google Shape;88;p17"/>
+          <p:cNvPr id="89" name="Google Shape;89;p17"/>
           <p:cNvSpPr txBox="1">
             <a:spLocks noGrp="1"/>
           </p:cNvSpPr>
@@ -9670,7 +9725,7 @@
   <p:cSld>
     <p:spTree>
       <p:nvGrpSpPr>
-        <p:cNvPr id="1" name="Shape 92"/>
+        <p:cNvPr id="1" name="Shape 93"/>
         <p:cNvGrpSpPr/>
         <p:nvPr/>
       </p:nvGrpSpPr>
@@ -9684,7 +9739,7 @@
       </p:grpSpPr>
       <p:sp>
         <p:nvSpPr>
-          <p:cNvPr id="93" name="Google Shape;93;p18"/>
+          <p:cNvPr id="94" name="Google Shape;94;p18"/>
           <p:cNvSpPr txBox="1">
             <a:spLocks noGrp="1"/>
           </p:cNvSpPr>
@@ -9953,7 +10008,7 @@
   <p:cSld>
     <p:spTree>
       <p:nvGrpSpPr>
-        <p:cNvPr id="1" name="Shape 97"/>
+        <p:cNvPr id="1" name="Shape 98"/>
         <p:cNvGrpSpPr/>
         <p:nvPr/>
       </p:nvGrpSpPr>
@@ -9967,7 +10022,7 @@
       </p:grpSpPr>
       <p:sp>
         <p:nvSpPr>
-          <p:cNvPr id="98" name="Google Shape;98;p19"/>
+          <p:cNvPr id="99" name="Google Shape;99;p19"/>
           <p:cNvSpPr txBox="1">
             <a:spLocks noGrp="1"/>
           </p:cNvSpPr>
@@ -10009,7 +10064,7 @@
       </p:sp>
       <p:sp>
         <p:nvSpPr>
-          <p:cNvPr id="99" name="Google Shape;99;p19"/>
+          <p:cNvPr id="100" name="Google Shape;100;p19"/>
           <p:cNvSpPr txBox="1">
             <a:spLocks noGrp="1"/>
           </p:cNvSpPr>
@@ -10104,7 +10159,7 @@
       </p:sp>
       <p:pic>
         <p:nvPicPr>
-          <p:cNvPr id="100" name="Google Shape;100;p19"/>
+          <p:cNvPr id="101" name="Google Shape;101;p19"/>
           <p:cNvPicPr preferRelativeResize="0"/>
           <p:nvPr/>
         </p:nvPicPr>
@@ -10143,7 +10198,7 @@
   <p:cSld>
     <p:spTree>
       <p:nvGrpSpPr>
-        <p:cNvPr id="1" name="Shape 104"/>
+        <p:cNvPr id="1" name="Shape 105"/>
         <p:cNvGrpSpPr/>
         <p:nvPr/>
       </p:nvGrpSpPr>
@@ -10157,7 +10212,7 @@
       </p:grpSpPr>
       <p:sp>
         <p:nvSpPr>
-          <p:cNvPr id="105" name="Google Shape;105;p20"/>
+          <p:cNvPr id="106" name="Google Shape;106;p20"/>
           <p:cNvSpPr txBox="1">
             <a:spLocks noGrp="1"/>
           </p:cNvSpPr>
@@ -10209,7 +10264,7 @@
       </p:sp>
       <p:pic>
         <p:nvPicPr>
-          <p:cNvPr id="106" name="Google Shape;106;p20"/>
+          <p:cNvPr id="107" name="Google Shape;107;p20"/>
           <p:cNvPicPr preferRelativeResize="0"/>
           <p:nvPr/>
         </p:nvPicPr>
@@ -10248,7 +10303,7 @@
   <p:cSld>
     <p:spTree>
       <p:nvGrpSpPr>
-        <p:cNvPr id="1" name="Shape 110"/>
+        <p:cNvPr id="1" name="Shape 111"/>
         <p:cNvGrpSpPr/>
         <p:nvPr/>
       </p:nvGrpSpPr>
@@ -10262,7 +10317,7 @@
       </p:grpSpPr>
       <p:sp>
         <p:nvSpPr>
-          <p:cNvPr id="111" name="Google Shape;111;p21"/>
+          <p:cNvPr id="112" name="Google Shape;112;p21"/>
           <p:cNvSpPr txBox="1">
             <a:spLocks noGrp="1"/>
           </p:cNvSpPr>
@@ -10304,7 +10359,7 @@
       </p:sp>
       <p:pic>
         <p:nvPicPr>
-          <p:cNvPr id="112" name="Google Shape;112;p21"/>
+          <p:cNvPr id="113" name="Google Shape;113;p21"/>
           <p:cNvPicPr preferRelativeResize="0"/>
           <p:nvPr/>
         </p:nvPicPr>
@@ -10332,7 +10387,7 @@
       </p:pic>
       <p:pic>
         <p:nvPicPr>
-          <p:cNvPr id="113" name="Google Shape;113;p21"/>
+          <p:cNvPr id="114" name="Google Shape;114;p21"/>
           <p:cNvPicPr preferRelativeResize="0"/>
           <p:nvPr/>
         </p:nvPicPr>
@@ -10360,7 +10415,7 @@
       </p:pic>
       <p:sp>
         <p:nvSpPr>
-          <p:cNvPr id="114" name="Google Shape;114;p21"/>
+          <p:cNvPr id="115" name="Google Shape;115;p21"/>
           <p:cNvSpPr txBox="1"/>
           <p:nvPr/>
         </p:nvSpPr>
